--- a/1_Presentaciones/Sesion_2_Teoria.pptx
+++ b/1_Presentaciones/Sesion_2_Teoria.pptx
@@ -6,7 +6,7 @@
     <p:sldMasterId id="2147483660" r:id="rId2"/>
   </p:sldMasterIdLst>
   <p:notesMasterIdLst>
-    <p:notesMasterId r:id="rId39"/>
+    <p:notesMasterId r:id="rId48"/>
   </p:notesMasterIdLst>
   <p:sldIdLst>
     <p:sldId id="257" r:id="rId3"/>
@@ -17,37 +17,46 @@
     <p:sldId id="263" r:id="rId8"/>
     <p:sldId id="287" r:id="rId9"/>
     <p:sldId id="286" r:id="rId10"/>
-    <p:sldId id="260" r:id="rId11"/>
-    <p:sldId id="266" r:id="rId12"/>
-    <p:sldId id="288" r:id="rId13"/>
-    <p:sldId id="265" r:id="rId14"/>
-    <p:sldId id="267" r:id="rId15"/>
-    <p:sldId id="268" r:id="rId16"/>
-    <p:sldId id="289" r:id="rId17"/>
-    <p:sldId id="291" r:id="rId18"/>
-    <p:sldId id="271" r:id="rId19"/>
-    <p:sldId id="272" r:id="rId20"/>
-    <p:sldId id="293" r:id="rId21"/>
-    <p:sldId id="292" r:id="rId22"/>
-    <p:sldId id="297" r:id="rId23"/>
-    <p:sldId id="294" r:id="rId24"/>
-    <p:sldId id="295" r:id="rId25"/>
-    <p:sldId id="270" r:id="rId26"/>
-    <p:sldId id="274" r:id="rId27"/>
-    <p:sldId id="276" r:id="rId28"/>
-    <p:sldId id="277" r:id="rId29"/>
-    <p:sldId id="278" r:id="rId30"/>
-    <p:sldId id="298" r:id="rId31"/>
-    <p:sldId id="299" r:id="rId32"/>
-    <p:sldId id="279" r:id="rId33"/>
-    <p:sldId id="300" r:id="rId34"/>
-    <p:sldId id="280" r:id="rId35"/>
-    <p:sldId id="283" r:id="rId36"/>
-    <p:sldId id="284" r:id="rId37"/>
-    <p:sldId id="285" r:id="rId38"/>
+    <p:sldId id="301" r:id="rId11"/>
+    <p:sldId id="260" r:id="rId12"/>
+    <p:sldId id="266" r:id="rId13"/>
+    <p:sldId id="288" r:id="rId14"/>
+    <p:sldId id="265" r:id="rId15"/>
+    <p:sldId id="267" r:id="rId16"/>
+    <p:sldId id="268" r:id="rId17"/>
+    <p:sldId id="289" r:id="rId18"/>
+    <p:sldId id="302" r:id="rId19"/>
+    <p:sldId id="303" r:id="rId20"/>
+    <p:sldId id="291" r:id="rId21"/>
+    <p:sldId id="271" r:id="rId22"/>
+    <p:sldId id="272" r:id="rId23"/>
+    <p:sldId id="293" r:id="rId24"/>
+    <p:sldId id="292" r:id="rId25"/>
+    <p:sldId id="297" r:id="rId26"/>
+    <p:sldId id="294" r:id="rId27"/>
+    <p:sldId id="295" r:id="rId28"/>
+    <p:sldId id="270" r:id="rId29"/>
+    <p:sldId id="274" r:id="rId30"/>
+    <p:sldId id="276" r:id="rId31"/>
+    <p:sldId id="277" r:id="rId32"/>
+    <p:sldId id="278" r:id="rId33"/>
+    <p:sldId id="298" r:id="rId34"/>
+    <p:sldId id="299" r:id="rId35"/>
+    <p:sldId id="305" r:id="rId36"/>
+    <p:sldId id="279" r:id="rId37"/>
+    <p:sldId id="300" r:id="rId38"/>
+    <p:sldId id="280" r:id="rId39"/>
+    <p:sldId id="283" r:id="rId40"/>
+    <p:sldId id="284" r:id="rId41"/>
+    <p:sldId id="304" r:id="rId42"/>
+    <p:sldId id="307" r:id="rId43"/>
+    <p:sldId id="306" r:id="rId44"/>
+    <p:sldId id="308" r:id="rId45"/>
+    <p:sldId id="309" r:id="rId46"/>
+    <p:sldId id="285" r:id="rId47"/>
   </p:sldIdLst>
   <p:sldSz cx="12192000" cy="6858000"/>
-  <p:notesSz cx="6858000" cy="9144000"/>
+  <p:notesSz cx="6797675" cy="9874250"/>
   <p:defaultTextStyle>
     <a:defPPr>
       <a:defRPr lang="es-ES"/>
@@ -166,7 +175,7 @@
 <file path=ppt/revisionInfo.xml><?xml version="1.0" encoding="utf-8"?>
 <p1510:revInfo xmlns:a="http://schemas.openxmlformats.org/drawingml/2006/main" xmlns:r="http://schemas.openxmlformats.org/officeDocument/2006/relationships" xmlns:p1510="http://schemas.microsoft.com/office/powerpoint/2015/10/main">
   <p1510:revLst>
-    <p1510:client id="{1539AAE4-97A8-489E-A347-78819E85E291}" v="4" dt="2021-11-08T16:25:42.980"/>
+    <p1510:client id="{1539AAE4-97A8-489E-A347-78819E85E291}" v="48" dt="2021-11-15T16:09:53.478"/>
   </p1510:revLst>
 </p1510:revInfo>
 </file>
@@ -175,11 +184,26 @@
 <pc:chgInfo xmlns:a="http://schemas.openxmlformats.org/drawingml/2006/main" xmlns:r="http://schemas.openxmlformats.org/officeDocument/2006/relationships" xmlns:ac="http://schemas.microsoft.com/office/drawing/2013/main/command" xmlns:pc="http://schemas.microsoft.com/office/powerpoint/2013/main/command">
   <pc:docChgLst>
     <pc:chgData name="Mikel Lumbreras" userId="e57255e2-e72e-47e1-86e5-705636f423c9" providerId="ADAL" clId="{1539AAE4-97A8-489E-A347-78819E85E291}"/>
-    <pc:docChg chg="modSld">
-      <pc:chgData name="Mikel Lumbreras" userId="e57255e2-e72e-47e1-86e5-705636f423c9" providerId="ADAL" clId="{1539AAE4-97A8-489E-A347-78819E85E291}" dt="2021-11-08T16:25:42.980" v="2"/>
+    <pc:docChg chg="undo custSel addSld modSld modNotesMaster">
+      <pc:chgData name="Mikel Lumbreras" userId="e57255e2-e72e-47e1-86e5-705636f423c9" providerId="ADAL" clId="{1539AAE4-97A8-489E-A347-78819E85E291}" dt="2021-11-15T18:08:44.887" v="2004" actId="20577"/>
       <pc:docMkLst>
         <pc:docMk/>
       </pc:docMkLst>
+      <pc:sldChg chg="modSp mod">
+        <pc:chgData name="Mikel Lumbreras" userId="e57255e2-e72e-47e1-86e5-705636f423c9" providerId="ADAL" clId="{1539AAE4-97A8-489E-A347-78819E85E291}" dt="2021-11-11T16:16:47.372" v="170" actId="20577"/>
+        <pc:sldMkLst>
+          <pc:docMk/>
+          <pc:sldMk cId="3904166566" sldId="260"/>
+        </pc:sldMkLst>
+        <pc:spChg chg="mod">
+          <ac:chgData name="Mikel Lumbreras" userId="e57255e2-e72e-47e1-86e5-705636f423c9" providerId="ADAL" clId="{1539AAE4-97A8-489E-A347-78819E85E291}" dt="2021-11-11T16:16:47.372" v="170" actId="20577"/>
+          <ac:spMkLst>
+            <pc:docMk/>
+            <pc:sldMk cId="3904166566" sldId="260"/>
+            <ac:spMk id="3" creationId="{00000000-0000-0000-0000-000000000000}"/>
+          </ac:spMkLst>
+        </pc:spChg>
+      </pc:sldChg>
       <pc:sldChg chg="modSp">
         <pc:chgData name="Mikel Lumbreras" userId="e57255e2-e72e-47e1-86e5-705636f423c9" providerId="ADAL" clId="{1539AAE4-97A8-489E-A347-78819E85E291}" dt="2021-11-08T16:25:42.980" v="2"/>
         <pc:sldMkLst>
@@ -194,6 +218,404 @@
             <ac:graphicFrameMk id="6" creationId="{3A62E472-57DE-45F4-89B6-E389A35DCDD4}"/>
           </ac:graphicFrameMkLst>
         </pc:graphicFrameChg>
+      </pc:sldChg>
+      <pc:sldChg chg="addSp modSp mod">
+        <pc:chgData name="Mikel Lumbreras" userId="e57255e2-e72e-47e1-86e5-705636f423c9" providerId="ADAL" clId="{1539AAE4-97A8-489E-A347-78819E85E291}" dt="2021-11-11T17:38:21.556" v="618" actId="1076"/>
+        <pc:sldMkLst>
+          <pc:docMk/>
+          <pc:sldMk cId="224421559" sldId="293"/>
+        </pc:sldMkLst>
+        <pc:spChg chg="mod">
+          <ac:chgData name="Mikel Lumbreras" userId="e57255e2-e72e-47e1-86e5-705636f423c9" providerId="ADAL" clId="{1539AAE4-97A8-489E-A347-78819E85E291}" dt="2021-11-11T17:37:44.317" v="592" actId="115"/>
+          <ac:spMkLst>
+            <pc:docMk/>
+            <pc:sldMk cId="224421559" sldId="293"/>
+            <ac:spMk id="3" creationId="{00000000-0000-0000-0000-000000000000}"/>
+          </ac:spMkLst>
+        </pc:spChg>
+        <pc:spChg chg="add mod">
+          <ac:chgData name="Mikel Lumbreras" userId="e57255e2-e72e-47e1-86e5-705636f423c9" providerId="ADAL" clId="{1539AAE4-97A8-489E-A347-78819E85E291}" dt="2021-11-11T17:38:21.556" v="618" actId="1076"/>
+          <ac:spMkLst>
+            <pc:docMk/>
+            <pc:sldMk cId="224421559" sldId="293"/>
+            <ac:spMk id="4" creationId="{C18279FC-07AF-4B94-86AA-B26F9D420A07}"/>
+          </ac:spMkLst>
+        </pc:spChg>
+        <pc:picChg chg="mod">
+          <ac:chgData name="Mikel Lumbreras" userId="e57255e2-e72e-47e1-86e5-705636f423c9" providerId="ADAL" clId="{1539AAE4-97A8-489E-A347-78819E85E291}" dt="2021-11-11T17:37:48.712" v="594" actId="1076"/>
+          <ac:picMkLst>
+            <pc:docMk/>
+            <pc:sldMk cId="224421559" sldId="293"/>
+            <ac:picMk id="5" creationId="{00000000-0000-0000-0000-000000000000}"/>
+          </ac:picMkLst>
+        </pc:picChg>
+        <pc:picChg chg="mod">
+          <ac:chgData name="Mikel Lumbreras" userId="e57255e2-e72e-47e1-86e5-705636f423c9" providerId="ADAL" clId="{1539AAE4-97A8-489E-A347-78819E85E291}" dt="2021-11-11T17:37:46.746" v="593" actId="1076"/>
+          <ac:picMkLst>
+            <pc:docMk/>
+            <pc:sldMk cId="224421559" sldId="293"/>
+            <ac:picMk id="9218" creationId="{00000000-0000-0000-0000-000000000000}"/>
+          </ac:picMkLst>
+        </pc:picChg>
+        <pc:cxnChg chg="add">
+          <ac:chgData name="Mikel Lumbreras" userId="e57255e2-e72e-47e1-86e5-705636f423c9" providerId="ADAL" clId="{1539AAE4-97A8-489E-A347-78819E85E291}" dt="2021-11-11T17:38:12.889" v="614" actId="11529"/>
+          <ac:cxnSpMkLst>
+            <pc:docMk/>
+            <pc:sldMk cId="224421559" sldId="293"/>
+            <ac:cxnSpMk id="8" creationId="{C7031067-B166-4A57-A302-0AC1AF053D4E}"/>
+          </ac:cxnSpMkLst>
+        </pc:cxnChg>
+      </pc:sldChg>
+      <pc:sldChg chg="addSp delSp modSp new mod">
+        <pc:chgData name="Mikel Lumbreras" userId="e57255e2-e72e-47e1-86e5-705636f423c9" providerId="ADAL" clId="{1539AAE4-97A8-489E-A347-78819E85E291}" dt="2021-11-11T16:16:19.087" v="169" actId="113"/>
+        <pc:sldMkLst>
+          <pc:docMk/>
+          <pc:sldMk cId="2099754482" sldId="301"/>
+        </pc:sldMkLst>
+        <pc:spChg chg="del">
+          <ac:chgData name="Mikel Lumbreras" userId="e57255e2-e72e-47e1-86e5-705636f423c9" providerId="ADAL" clId="{1539AAE4-97A8-489E-A347-78819E85E291}" dt="2021-11-11T16:11:09.687" v="4"/>
+          <ac:spMkLst>
+            <pc:docMk/>
+            <pc:sldMk cId="2099754482" sldId="301"/>
+            <ac:spMk id="2" creationId="{D3145E24-3B45-4A31-BFFA-57C639817602}"/>
+          </ac:spMkLst>
+        </pc:spChg>
+        <pc:spChg chg="del">
+          <ac:chgData name="Mikel Lumbreras" userId="e57255e2-e72e-47e1-86e5-705636f423c9" providerId="ADAL" clId="{1539AAE4-97A8-489E-A347-78819E85E291}" dt="2021-11-11T16:11:13.072" v="5" actId="478"/>
+          <ac:spMkLst>
+            <pc:docMk/>
+            <pc:sldMk cId="2099754482" sldId="301"/>
+            <ac:spMk id="3" creationId="{5EF7A00B-AF6E-4E26-949E-58E8B413BD7B}"/>
+          </ac:spMkLst>
+        </pc:spChg>
+        <pc:spChg chg="add mod">
+          <ac:chgData name="Mikel Lumbreras" userId="e57255e2-e72e-47e1-86e5-705636f423c9" providerId="ADAL" clId="{1539AAE4-97A8-489E-A347-78819E85E291}" dt="2021-11-11T16:11:09.687" v="4"/>
+          <ac:spMkLst>
+            <pc:docMk/>
+            <pc:sldMk cId="2099754482" sldId="301"/>
+            <ac:spMk id="4" creationId="{D8C1C9B6-2C66-47E4-917D-064C1731AA1A}"/>
+          </ac:spMkLst>
+        </pc:spChg>
+        <pc:spChg chg="add mod">
+          <ac:chgData name="Mikel Lumbreras" userId="e57255e2-e72e-47e1-86e5-705636f423c9" providerId="ADAL" clId="{1539AAE4-97A8-489E-A347-78819E85E291}" dt="2021-11-11T16:14:44.395" v="62" actId="1076"/>
+          <ac:spMkLst>
+            <pc:docMk/>
+            <pc:sldMk cId="2099754482" sldId="301"/>
+            <ac:spMk id="5" creationId="{EF1AD63B-34B0-482A-B8A9-338D69A0FBB6}"/>
+          </ac:spMkLst>
+        </pc:spChg>
+        <pc:spChg chg="add mod">
+          <ac:chgData name="Mikel Lumbreras" userId="e57255e2-e72e-47e1-86e5-705636f423c9" providerId="ADAL" clId="{1539AAE4-97A8-489E-A347-78819E85E291}" dt="2021-11-11T16:15:48.518" v="150" actId="1076"/>
+          <ac:spMkLst>
+            <pc:docMk/>
+            <pc:sldMk cId="2099754482" sldId="301"/>
+            <ac:spMk id="6" creationId="{1C9DDEA5-E89B-401E-92BD-2CDA6C4384E7}"/>
+          </ac:spMkLst>
+        </pc:spChg>
+        <pc:spChg chg="add mod">
+          <ac:chgData name="Mikel Lumbreras" userId="e57255e2-e72e-47e1-86e5-705636f423c9" providerId="ADAL" clId="{1539AAE4-97A8-489E-A347-78819E85E291}" dt="2021-11-11T16:15:50.711" v="151" actId="1076"/>
+          <ac:spMkLst>
+            <pc:docMk/>
+            <pc:sldMk cId="2099754482" sldId="301"/>
+            <ac:spMk id="7" creationId="{CA6B149A-C5D2-470E-B5CC-CB658CEAE02E}"/>
+          </ac:spMkLst>
+        </pc:spChg>
+        <pc:spChg chg="add mod">
+          <ac:chgData name="Mikel Lumbreras" userId="e57255e2-e72e-47e1-86e5-705636f423c9" providerId="ADAL" clId="{1539AAE4-97A8-489E-A347-78819E85E291}" dt="2021-11-11T16:14:46.823" v="63" actId="1076"/>
+          <ac:spMkLst>
+            <pc:docMk/>
+            <pc:sldMk cId="2099754482" sldId="301"/>
+            <ac:spMk id="8" creationId="{FC227BEA-F558-446B-A359-6B16997D0BCB}"/>
+          </ac:spMkLst>
+        </pc:spChg>
+        <pc:spChg chg="add mod">
+          <ac:chgData name="Mikel Lumbreras" userId="e57255e2-e72e-47e1-86e5-705636f423c9" providerId="ADAL" clId="{1539AAE4-97A8-489E-A347-78819E85E291}" dt="2021-11-11T16:16:04.823" v="156" actId="1076"/>
+          <ac:spMkLst>
+            <pc:docMk/>
+            <pc:sldMk cId="2099754482" sldId="301"/>
+            <ac:spMk id="11" creationId="{4F7BD7EA-88E3-41D9-BB33-78FB23CE0DD2}"/>
+          </ac:spMkLst>
+        </pc:spChg>
+        <pc:spChg chg="add mod">
+          <ac:chgData name="Mikel Lumbreras" userId="e57255e2-e72e-47e1-86e5-705636f423c9" providerId="ADAL" clId="{1539AAE4-97A8-489E-A347-78819E85E291}" dt="2021-11-11T16:16:19.087" v="169" actId="113"/>
+          <ac:spMkLst>
+            <pc:docMk/>
+            <pc:sldMk cId="2099754482" sldId="301"/>
+            <ac:spMk id="12" creationId="{EED170C0-5292-47BE-9106-684676FAD925}"/>
+          </ac:spMkLst>
+        </pc:spChg>
+        <pc:picChg chg="add mod">
+          <ac:chgData name="Mikel Lumbreras" userId="e57255e2-e72e-47e1-86e5-705636f423c9" providerId="ADAL" clId="{1539AAE4-97A8-489E-A347-78819E85E291}" dt="2021-11-11T16:14:44.395" v="62" actId="1076"/>
+          <ac:picMkLst>
+            <pc:docMk/>
+            <pc:sldMk cId="2099754482" sldId="301"/>
+            <ac:picMk id="1026" creationId="{DF729E3E-41E4-4ECB-95DF-09E93A5CB1CB}"/>
+          </ac:picMkLst>
+        </pc:picChg>
+        <pc:picChg chg="add mod">
+          <ac:chgData name="Mikel Lumbreras" userId="e57255e2-e72e-47e1-86e5-705636f423c9" providerId="ADAL" clId="{1539AAE4-97A8-489E-A347-78819E85E291}" dt="2021-11-11T16:14:44.395" v="62" actId="1076"/>
+          <ac:picMkLst>
+            <pc:docMk/>
+            <pc:sldMk cId="2099754482" sldId="301"/>
+            <ac:picMk id="1028" creationId="{01DDECF1-F2A9-4AAD-BF58-83ACFE44496B}"/>
+          </ac:picMkLst>
+        </pc:picChg>
+      </pc:sldChg>
+      <pc:sldChg chg="addSp delSp modSp new mod">
+        <pc:chgData name="Mikel Lumbreras" userId="e57255e2-e72e-47e1-86e5-705636f423c9" providerId="ADAL" clId="{1539AAE4-97A8-489E-A347-78819E85E291}" dt="2021-11-15T18:08:44.887" v="2004" actId="20577"/>
+        <pc:sldMkLst>
+          <pc:docMk/>
+          <pc:sldMk cId="415266434" sldId="302"/>
+        </pc:sldMkLst>
+        <pc:spChg chg="mod">
+          <ac:chgData name="Mikel Lumbreras" userId="e57255e2-e72e-47e1-86e5-705636f423c9" providerId="ADAL" clId="{1539AAE4-97A8-489E-A347-78819E85E291}" dt="2021-11-11T16:18:01.447" v="175" actId="20577"/>
+          <ac:spMkLst>
+            <pc:docMk/>
+            <pc:sldMk cId="415266434" sldId="302"/>
+            <ac:spMk id="2" creationId="{408344B9-9635-460B-A9B2-77F2579474B8}"/>
+          </ac:spMkLst>
+        </pc:spChg>
+        <pc:spChg chg="mod">
+          <ac:chgData name="Mikel Lumbreras" userId="e57255e2-e72e-47e1-86e5-705636f423c9" providerId="ADAL" clId="{1539AAE4-97A8-489E-A347-78819E85E291}" dt="2021-11-15T18:08:44.887" v="2004" actId="20577"/>
+          <ac:spMkLst>
+            <pc:docMk/>
+            <pc:sldMk cId="415266434" sldId="302"/>
+            <ac:spMk id="3" creationId="{0D3DFED7-5A5F-45D7-8D4C-C9E3207DA81E}"/>
+          </ac:spMkLst>
+        </pc:spChg>
+        <pc:picChg chg="add del mod">
+          <ac:chgData name="Mikel Lumbreras" userId="e57255e2-e72e-47e1-86e5-705636f423c9" providerId="ADAL" clId="{1539AAE4-97A8-489E-A347-78819E85E291}" dt="2021-11-11T16:18:49.834" v="220"/>
+          <ac:picMkLst>
+            <pc:docMk/>
+            <pc:sldMk cId="415266434" sldId="302"/>
+            <ac:picMk id="2050" creationId="{B21A6D44-D9F7-4310-9E71-70FAC4BBBFC3}"/>
+          </ac:picMkLst>
+        </pc:picChg>
+        <pc:picChg chg="add mod">
+          <ac:chgData name="Mikel Lumbreras" userId="e57255e2-e72e-47e1-86e5-705636f423c9" providerId="ADAL" clId="{1539AAE4-97A8-489E-A347-78819E85E291}" dt="2021-11-11T16:51:12.494" v="559" actId="1076"/>
+          <ac:picMkLst>
+            <pc:docMk/>
+            <pc:sldMk cId="415266434" sldId="302"/>
+            <ac:picMk id="2052" creationId="{BE131CED-2553-400F-803F-A96D1911AE5D}"/>
+          </ac:picMkLst>
+        </pc:picChg>
+      </pc:sldChg>
+      <pc:sldChg chg="addSp delSp modSp new mod">
+        <pc:chgData name="Mikel Lumbreras" userId="e57255e2-e72e-47e1-86e5-705636f423c9" providerId="ADAL" clId="{1539AAE4-97A8-489E-A347-78819E85E291}" dt="2021-11-11T16:22:01.723" v="505" actId="5793"/>
+        <pc:sldMkLst>
+          <pc:docMk/>
+          <pc:sldMk cId="1548655069" sldId="303"/>
+        </pc:sldMkLst>
+        <pc:spChg chg="del">
+          <ac:chgData name="Mikel Lumbreras" userId="e57255e2-e72e-47e1-86e5-705636f423c9" providerId="ADAL" clId="{1539AAE4-97A8-489E-A347-78819E85E291}" dt="2021-11-11T16:20:01.913" v="279"/>
+          <ac:spMkLst>
+            <pc:docMk/>
+            <pc:sldMk cId="1548655069" sldId="303"/>
+            <ac:spMk id="2" creationId="{6834AA12-5CAB-4035-9B7D-F678F2BC1C7E}"/>
+          </ac:spMkLst>
+        </pc:spChg>
+        <pc:spChg chg="mod">
+          <ac:chgData name="Mikel Lumbreras" userId="e57255e2-e72e-47e1-86e5-705636f423c9" providerId="ADAL" clId="{1539AAE4-97A8-489E-A347-78819E85E291}" dt="2021-11-11T16:22:01.723" v="505" actId="5793"/>
+          <ac:spMkLst>
+            <pc:docMk/>
+            <pc:sldMk cId="1548655069" sldId="303"/>
+            <ac:spMk id="3" creationId="{0B457624-6F6B-4195-9F7F-44ACC4C206B2}"/>
+          </ac:spMkLst>
+        </pc:spChg>
+        <pc:spChg chg="add mod">
+          <ac:chgData name="Mikel Lumbreras" userId="e57255e2-e72e-47e1-86e5-705636f423c9" providerId="ADAL" clId="{1539AAE4-97A8-489E-A347-78819E85E291}" dt="2021-11-11T16:20:01.913" v="279"/>
+          <ac:spMkLst>
+            <pc:docMk/>
+            <pc:sldMk cId="1548655069" sldId="303"/>
+            <ac:spMk id="4" creationId="{465A879F-5A44-4D61-A060-B5F31DADD7D0}"/>
+          </ac:spMkLst>
+        </pc:spChg>
+      </pc:sldChg>
+      <pc:sldChg chg="addSp delSp modSp new mod">
+        <pc:chgData name="Mikel Lumbreras" userId="e57255e2-e72e-47e1-86e5-705636f423c9" providerId="ADAL" clId="{1539AAE4-97A8-489E-A347-78819E85E291}" dt="2021-11-15T18:07:49.283" v="1960" actId="20577"/>
+        <pc:sldMkLst>
+          <pc:docMk/>
+          <pc:sldMk cId="2356795868" sldId="304"/>
+        </pc:sldMkLst>
+        <pc:spChg chg="mod">
+          <ac:chgData name="Mikel Lumbreras" userId="e57255e2-e72e-47e1-86e5-705636f423c9" providerId="ADAL" clId="{1539AAE4-97A8-489E-A347-78819E85E291}" dt="2021-11-11T16:25:03.632" v="537" actId="20577"/>
+          <ac:spMkLst>
+            <pc:docMk/>
+            <pc:sldMk cId="2356795868" sldId="304"/>
+            <ac:spMk id="2" creationId="{3BA35E48-703B-4E3F-8A50-181FCA662E24}"/>
+          </ac:spMkLst>
+        </pc:spChg>
+        <pc:spChg chg="del">
+          <ac:chgData name="Mikel Lumbreras" userId="e57255e2-e72e-47e1-86e5-705636f423c9" providerId="ADAL" clId="{1539AAE4-97A8-489E-A347-78819E85E291}" dt="2021-11-11T16:25:21.422" v="538" actId="478"/>
+          <ac:spMkLst>
+            <pc:docMk/>
+            <pc:sldMk cId="2356795868" sldId="304"/>
+            <ac:spMk id="3" creationId="{6E69356A-744E-4EC9-A8F4-CEDF012386A1}"/>
+          </ac:spMkLst>
+        </pc:spChg>
+        <pc:spChg chg="add mod">
+          <ac:chgData name="Mikel Lumbreras" userId="e57255e2-e72e-47e1-86e5-705636f423c9" providerId="ADAL" clId="{1539AAE4-97A8-489E-A347-78819E85E291}" dt="2021-11-15T18:07:49.283" v="1960" actId="20577"/>
+          <ac:spMkLst>
+            <pc:docMk/>
+            <pc:sldMk cId="2356795868" sldId="304"/>
+            <ac:spMk id="4" creationId="{C600BDF6-21DE-42EC-8938-7AE4152071C7}"/>
+          </ac:spMkLst>
+        </pc:spChg>
+        <pc:picChg chg="add mod">
+          <ac:chgData name="Mikel Lumbreras" userId="e57255e2-e72e-47e1-86e5-705636f423c9" providerId="ADAL" clId="{1539AAE4-97A8-489E-A347-78819E85E291}" dt="2021-11-11T16:25:21.803" v="539"/>
+          <ac:picMkLst>
+            <pc:docMk/>
+            <pc:sldMk cId="2356795868" sldId="304"/>
+            <ac:picMk id="5" creationId="{1AB3662D-FAEC-478E-BAEC-33C76DB0EE1E}"/>
+          </ac:picMkLst>
+        </pc:picChg>
+      </pc:sldChg>
+      <pc:sldChg chg="addSp delSp modSp new mod">
+        <pc:chgData name="Mikel Lumbreras" userId="e57255e2-e72e-47e1-86e5-705636f423c9" providerId="ADAL" clId="{1539AAE4-97A8-489E-A347-78819E85E291}" dt="2021-11-11T17:49:27.277" v="684" actId="11529"/>
+        <pc:sldMkLst>
+          <pc:docMk/>
+          <pc:sldMk cId="3858668926" sldId="305"/>
+        </pc:sldMkLst>
+        <pc:spChg chg="mod">
+          <ac:chgData name="Mikel Lumbreras" userId="e57255e2-e72e-47e1-86e5-705636f423c9" providerId="ADAL" clId="{1539AAE4-97A8-489E-A347-78819E85E291}" dt="2021-11-11T17:42:39.061" v="641"/>
+          <ac:spMkLst>
+            <pc:docMk/>
+            <pc:sldMk cId="3858668926" sldId="305"/>
+            <ac:spMk id="2" creationId="{E9A646E3-9C62-480F-8A2D-357C9B5270AA}"/>
+          </ac:spMkLst>
+        </pc:spChg>
+        <pc:spChg chg="del">
+          <ac:chgData name="Mikel Lumbreras" userId="e57255e2-e72e-47e1-86e5-705636f423c9" providerId="ADAL" clId="{1539AAE4-97A8-489E-A347-78819E85E291}" dt="2021-11-11T17:42:43.320" v="642" actId="478"/>
+          <ac:spMkLst>
+            <pc:docMk/>
+            <pc:sldMk cId="3858668926" sldId="305"/>
+            <ac:spMk id="3" creationId="{FB888DA7-4AD5-42B3-935A-7E9AE3338F50}"/>
+          </ac:spMkLst>
+        </pc:spChg>
+        <pc:spChg chg="add mod">
+          <ac:chgData name="Mikel Lumbreras" userId="e57255e2-e72e-47e1-86e5-705636f423c9" providerId="ADAL" clId="{1539AAE4-97A8-489E-A347-78819E85E291}" dt="2021-11-11T17:49:21.776" v="683" actId="1076"/>
+          <ac:spMkLst>
+            <pc:docMk/>
+            <pc:sldMk cId="3858668926" sldId="305"/>
+            <ac:spMk id="5" creationId="{81BC98DF-CB72-4EFE-A75D-FFC440D50236}"/>
+          </ac:spMkLst>
+        </pc:spChg>
+        <pc:spChg chg="add mod">
+          <ac:chgData name="Mikel Lumbreras" userId="e57255e2-e72e-47e1-86e5-705636f423c9" providerId="ADAL" clId="{1539AAE4-97A8-489E-A347-78819E85E291}" dt="2021-11-11T17:49:09.507" v="681" actId="403"/>
+          <ac:spMkLst>
+            <pc:docMk/>
+            <pc:sldMk cId="3858668926" sldId="305"/>
+            <ac:spMk id="6" creationId="{53746C72-7C24-4E4E-BA18-587004A758C5}"/>
+          </ac:spMkLst>
+        </pc:spChg>
+        <pc:spChg chg="add">
+          <ac:chgData name="Mikel Lumbreras" userId="e57255e2-e72e-47e1-86e5-705636f423c9" providerId="ADAL" clId="{1539AAE4-97A8-489E-A347-78819E85E291}" dt="2021-11-11T17:49:27.277" v="684" actId="11529"/>
+          <ac:spMkLst>
+            <pc:docMk/>
+            <pc:sldMk cId="3858668926" sldId="305"/>
+            <ac:spMk id="7" creationId="{F134B63E-548F-466A-AB50-8BBAAADE2819}"/>
+          </ac:spMkLst>
+        </pc:spChg>
+      </pc:sldChg>
+      <pc:sldChg chg="modSp new mod">
+        <pc:chgData name="Mikel Lumbreras" userId="e57255e2-e72e-47e1-86e5-705636f423c9" providerId="ADAL" clId="{1539AAE4-97A8-489E-A347-78819E85E291}" dt="2021-11-14T13:16:27.703" v="1644" actId="20577"/>
+        <pc:sldMkLst>
+          <pc:docMk/>
+          <pc:sldMk cId="4220847849" sldId="306"/>
+        </pc:sldMkLst>
+        <pc:spChg chg="mod">
+          <ac:chgData name="Mikel Lumbreras" userId="e57255e2-e72e-47e1-86e5-705636f423c9" providerId="ADAL" clId="{1539AAE4-97A8-489E-A347-78819E85E291}" dt="2021-11-14T13:01:19.464" v="754" actId="20577"/>
+          <ac:spMkLst>
+            <pc:docMk/>
+            <pc:sldMk cId="4220847849" sldId="306"/>
+            <ac:spMk id="2" creationId="{E9889F8A-3C1A-4580-B462-7B4E04F6E33B}"/>
+          </ac:spMkLst>
+        </pc:spChg>
+        <pc:spChg chg="mod">
+          <ac:chgData name="Mikel Lumbreras" userId="e57255e2-e72e-47e1-86e5-705636f423c9" providerId="ADAL" clId="{1539AAE4-97A8-489E-A347-78819E85E291}" dt="2021-11-14T13:16:27.703" v="1644" actId="20577"/>
+          <ac:spMkLst>
+            <pc:docMk/>
+            <pc:sldMk cId="4220847849" sldId="306"/>
+            <ac:spMk id="3" creationId="{051682E3-FCE3-41C1-9113-756D8EA13F28}"/>
+          </ac:spMkLst>
+        </pc:spChg>
+      </pc:sldChg>
+      <pc:sldChg chg="addSp delSp modSp new mod">
+        <pc:chgData name="Mikel Lumbreras" userId="e57255e2-e72e-47e1-86e5-705636f423c9" providerId="ADAL" clId="{1539AAE4-97A8-489E-A347-78819E85E291}" dt="2021-11-15T18:08:13.388" v="1983" actId="20577"/>
+        <pc:sldMkLst>
+          <pc:docMk/>
+          <pc:sldMk cId="2049410132" sldId="307"/>
+        </pc:sldMkLst>
+        <pc:spChg chg="del">
+          <ac:chgData name="Mikel Lumbreras" userId="e57255e2-e72e-47e1-86e5-705636f423c9" providerId="ADAL" clId="{1539AAE4-97A8-489E-A347-78819E85E291}" dt="2021-11-14T13:07:27.365" v="1077"/>
+          <ac:spMkLst>
+            <pc:docMk/>
+            <pc:sldMk cId="2049410132" sldId="307"/>
+            <ac:spMk id="2" creationId="{215073F5-2580-473E-AB71-C18A1E8DEF6C}"/>
+          </ac:spMkLst>
+        </pc:spChg>
+        <pc:spChg chg="del">
+          <ac:chgData name="Mikel Lumbreras" userId="e57255e2-e72e-47e1-86e5-705636f423c9" providerId="ADAL" clId="{1539AAE4-97A8-489E-A347-78819E85E291}" dt="2021-11-14T13:07:36.538" v="1078" actId="478"/>
+          <ac:spMkLst>
+            <pc:docMk/>
+            <pc:sldMk cId="2049410132" sldId="307"/>
+            <ac:spMk id="3" creationId="{57BBB534-2CBB-4942-B16E-765A7B5A0D1F}"/>
+          </ac:spMkLst>
+        </pc:spChg>
+        <pc:spChg chg="add mod">
+          <ac:chgData name="Mikel Lumbreras" userId="e57255e2-e72e-47e1-86e5-705636f423c9" providerId="ADAL" clId="{1539AAE4-97A8-489E-A347-78819E85E291}" dt="2021-11-14T13:07:27.365" v="1077"/>
+          <ac:spMkLst>
+            <pc:docMk/>
+            <pc:sldMk cId="2049410132" sldId="307"/>
+            <ac:spMk id="4" creationId="{6E456210-A59C-4D1B-ABFC-6CEA6765ABBC}"/>
+          </ac:spMkLst>
+        </pc:spChg>
+        <pc:spChg chg="add mod">
+          <ac:chgData name="Mikel Lumbreras" userId="e57255e2-e72e-47e1-86e5-705636f423c9" providerId="ADAL" clId="{1539AAE4-97A8-489E-A347-78819E85E291}" dt="2021-11-15T18:08:13.388" v="1983" actId="20577"/>
+          <ac:spMkLst>
+            <pc:docMk/>
+            <pc:sldMk cId="2049410132" sldId="307"/>
+            <ac:spMk id="6" creationId="{F8EC1624-FCAB-40E6-BDBD-D2777E98AF28}"/>
+          </ac:spMkLst>
+        </pc:spChg>
+        <pc:picChg chg="add mod">
+          <ac:chgData name="Mikel Lumbreras" userId="e57255e2-e72e-47e1-86e5-705636f423c9" providerId="ADAL" clId="{1539AAE4-97A8-489E-A347-78819E85E291}" dt="2021-11-14T13:07:39.172" v="1080" actId="1076"/>
+          <ac:picMkLst>
+            <pc:docMk/>
+            <pc:sldMk cId="2049410132" sldId="307"/>
+            <ac:picMk id="5" creationId="{EEA0DE32-E976-4B53-883F-4FC62A2EA856}"/>
+          </ac:picMkLst>
+        </pc:picChg>
+      </pc:sldChg>
+      <pc:sldChg chg="modSp add mod">
+        <pc:chgData name="Mikel Lumbreras" userId="e57255e2-e72e-47e1-86e5-705636f423c9" providerId="ADAL" clId="{1539AAE4-97A8-489E-A347-78819E85E291}" dt="2021-11-14T13:22:22.830" v="1914" actId="20577"/>
+        <pc:sldMkLst>
+          <pc:docMk/>
+          <pc:sldMk cId="1240959078" sldId="308"/>
+        </pc:sldMkLst>
+        <pc:spChg chg="mod">
+          <ac:chgData name="Mikel Lumbreras" userId="e57255e2-e72e-47e1-86e5-705636f423c9" providerId="ADAL" clId="{1539AAE4-97A8-489E-A347-78819E85E291}" dt="2021-11-14T13:22:22.830" v="1914" actId="20577"/>
+          <ac:spMkLst>
+            <pc:docMk/>
+            <pc:sldMk cId="1240959078" sldId="308"/>
+            <ac:spMk id="3" creationId="{051682E3-FCE3-41C1-9113-756D8EA13F28}"/>
+          </ac:spMkLst>
+        </pc:spChg>
+      </pc:sldChg>
+      <pc:sldChg chg="modSp add mod">
+        <pc:chgData name="Mikel Lumbreras" userId="e57255e2-e72e-47e1-86e5-705636f423c9" providerId="ADAL" clId="{1539AAE4-97A8-489E-A347-78819E85E291}" dt="2021-11-14T13:18:42.611" v="1858" actId="20577"/>
+        <pc:sldMkLst>
+          <pc:docMk/>
+          <pc:sldMk cId="2318141971" sldId="309"/>
+        </pc:sldMkLst>
+        <pc:spChg chg="mod">
+          <ac:chgData name="Mikel Lumbreras" userId="e57255e2-e72e-47e1-86e5-705636f423c9" providerId="ADAL" clId="{1539AAE4-97A8-489E-A347-78819E85E291}" dt="2021-11-14T13:18:42.611" v="1858" actId="20577"/>
+          <ac:spMkLst>
+            <pc:docMk/>
+            <pc:sldMk cId="2318141971" sldId="309"/>
+            <ac:spMk id="3" creationId="{051682E3-FCE3-41C1-9113-756D8EA13F28}"/>
+          </ac:spMkLst>
+        </pc:spChg>
       </pc:sldChg>
     </pc:docChg>
   </pc:docChgLst>
@@ -6261,7 +6683,7 @@
         <p:spPr>
           <a:xfrm>
             <a:off x="0" y="0"/>
-            <a:ext cx="2971800" cy="458788"/>
+            <a:ext cx="2945659" cy="495427"/>
           </a:xfrm>
           <a:prstGeom prst="rect">
             <a:avLst/>
@@ -6291,8 +6713,8 @@
         </p:nvSpPr>
         <p:spPr>
           <a:xfrm>
-            <a:off x="3884613" y="0"/>
-            <a:ext cx="2971800" cy="458788"/>
+            <a:off x="3850443" y="0"/>
+            <a:ext cx="2945659" cy="495427"/>
           </a:xfrm>
           <a:prstGeom prst="rect">
             <a:avLst/>
@@ -6308,7 +6730,7 @@
           <a:p>
             <a:fld id="{DA02E706-5774-43E1-A315-52C9AFBE5292}" type="datetimeFigureOut">
               <a:rPr lang="es-ES" smtClean="0"/>
-              <a:t>08/11/2021</a:t>
+              <a:t>15/11/2021</a:t>
             </a:fld>
             <a:endParaRPr lang="es-ES"/>
           </a:p>
@@ -6326,8 +6748,8 @@
         </p:nvSpPr>
         <p:spPr>
           <a:xfrm>
-            <a:off x="685800" y="1143000"/>
-            <a:ext cx="5486400" cy="3086100"/>
+            <a:off x="436563" y="1233488"/>
+            <a:ext cx="5924550" cy="3333750"/>
           </a:xfrm>
           <a:prstGeom prst="rect">
             <a:avLst/>
@@ -6359,8 +6781,8 @@
         </p:nvSpPr>
         <p:spPr>
           <a:xfrm>
-            <a:off x="685800" y="4400550"/>
-            <a:ext cx="5486400" cy="3600450"/>
+            <a:off x="679768" y="4751983"/>
+            <a:ext cx="5438140" cy="3887986"/>
           </a:xfrm>
           <a:prstGeom prst="rect">
             <a:avLst/>
@@ -6418,8 +6840,8 @@
         </p:nvSpPr>
         <p:spPr>
           <a:xfrm>
-            <a:off x="0" y="8685213"/>
-            <a:ext cx="2971800" cy="458787"/>
+            <a:off x="0" y="9378824"/>
+            <a:ext cx="2945659" cy="495426"/>
           </a:xfrm>
           <a:prstGeom prst="rect">
             <a:avLst/>
@@ -6449,8 +6871,8 @@
         </p:nvSpPr>
         <p:spPr>
           <a:xfrm>
-            <a:off x="3884613" y="8685213"/>
-            <a:ext cx="2971800" cy="458787"/>
+            <a:off x="3850443" y="9378824"/>
+            <a:ext cx="2945659" cy="495426"/>
           </a:xfrm>
           <a:prstGeom prst="rect">
             <a:avLst/>
@@ -6466,7 +6888,7 @@
           <a:p>
             <a:fld id="{1C15E57E-B0AB-403D-95AE-A7D5B4E45336}" type="slidenum">
               <a:rPr lang="es-ES" smtClean="0"/>
-              <a:t>‹Nº›</a:t>
+              <a:t>‹#›</a:t>
             </a:fld>
             <a:endParaRPr lang="es-ES"/>
           </a:p>
@@ -6706,7 +7128,7 @@
           <a:p>
             <a:fld id="{71286E14-A21F-4247-87A1-6C001434B2E9}" type="datetimeFigureOut">
               <a:rPr lang="en-GB" smtClean="0"/>
-              <a:t>08/11/2021</a:t>
+              <a:t>15/11/2021</a:t>
             </a:fld>
             <a:endParaRPr lang="en-GB"/>
           </a:p>
@@ -6748,7 +7170,7 @@
           <a:p>
             <a:fld id="{927982DA-6A85-4F77-B3D2-36DCD5868481}" type="slidenum">
               <a:rPr lang="en-GB" smtClean="0"/>
-              <a:t>‹Nº›</a:t>
+              <a:t>‹#›</a:t>
             </a:fld>
             <a:endParaRPr lang="en-GB"/>
           </a:p>
@@ -6876,7 +7298,7 @@
           <a:p>
             <a:fld id="{71286E14-A21F-4247-87A1-6C001434B2E9}" type="datetimeFigureOut">
               <a:rPr lang="en-GB" smtClean="0"/>
-              <a:t>08/11/2021</a:t>
+              <a:t>15/11/2021</a:t>
             </a:fld>
             <a:endParaRPr lang="en-GB"/>
           </a:p>
@@ -6918,7 +7340,7 @@
           <a:p>
             <a:fld id="{927982DA-6A85-4F77-B3D2-36DCD5868481}" type="slidenum">
               <a:rPr lang="en-GB" smtClean="0"/>
-              <a:t>‹Nº›</a:t>
+              <a:t>‹#›</a:t>
             </a:fld>
             <a:endParaRPr lang="en-GB"/>
           </a:p>
@@ -7056,7 +7478,7 @@
           <a:p>
             <a:fld id="{71286E14-A21F-4247-87A1-6C001434B2E9}" type="datetimeFigureOut">
               <a:rPr lang="en-GB" smtClean="0"/>
-              <a:t>08/11/2021</a:t>
+              <a:t>15/11/2021</a:t>
             </a:fld>
             <a:endParaRPr lang="en-GB"/>
           </a:p>
@@ -7098,7 +7520,7 @@
           <a:p>
             <a:fld id="{927982DA-6A85-4F77-B3D2-36DCD5868481}" type="slidenum">
               <a:rPr lang="en-GB" smtClean="0"/>
-              <a:t>‹Nº›</a:t>
+              <a:t>‹#›</a:t>
             </a:fld>
             <a:endParaRPr lang="en-GB"/>
           </a:p>
@@ -7280,7 +7702,7 @@
           <a:p>
             <a:fld id="{FB75AA7C-85FF-43DA-A19E-044EB312A766}" type="slidenum">
               <a:rPr lang="en-GB" smtClean="0"/>
-              <a:t>‹Nº›</a:t>
+              <a:t>‹#›</a:t>
             </a:fld>
             <a:endParaRPr lang="en-GB"/>
           </a:p>
@@ -7442,7 +7864,7 @@
           <a:p>
             <a:fld id="{FB75AA7C-85FF-43DA-A19E-044EB312A766}" type="slidenum">
               <a:rPr lang="en-GB" smtClean="0"/>
-              <a:t>‹Nº›</a:t>
+              <a:t>‹#›</a:t>
             </a:fld>
             <a:endParaRPr lang="en-GB"/>
           </a:p>
@@ -7597,7 +8019,7 @@
           <a:p>
             <a:fld id="{FB75AA7C-85FF-43DA-A19E-044EB312A766}" type="slidenum">
               <a:rPr lang="en-GB" smtClean="0"/>
-              <a:t>‹Nº›</a:t>
+              <a:t>‹#›</a:t>
             </a:fld>
             <a:endParaRPr lang="en-GB"/>
           </a:p>
@@ -7828,7 +8250,7 @@
           <a:p>
             <a:fld id="{FB75AA7C-85FF-43DA-A19E-044EB312A766}" type="slidenum">
               <a:rPr lang="en-GB" smtClean="0"/>
-              <a:t>‹Nº›</a:t>
+              <a:t>‹#›</a:t>
             </a:fld>
             <a:endParaRPr lang="en-GB"/>
           </a:p>
@@ -8045,7 +8467,7 @@
           <a:p>
             <a:fld id="{FB75AA7C-85FF-43DA-A19E-044EB312A766}" type="slidenum">
               <a:rPr lang="en-GB" smtClean="0"/>
-              <a:t>‹Nº›</a:t>
+              <a:t>‹#›</a:t>
             </a:fld>
             <a:endParaRPr lang="en-GB"/>
           </a:p>
@@ -8397,7 +8819,7 @@
           <a:p>
             <a:fld id="{FB75AA7C-85FF-43DA-A19E-044EB312A766}" type="slidenum">
               <a:rPr lang="en-GB" smtClean="0"/>
-              <a:t>‹Nº›</a:t>
+              <a:t>‹#›</a:t>
             </a:fld>
             <a:endParaRPr lang="en-GB"/>
           </a:p>
@@ -8481,7 +8903,7 @@
           <a:p>
             <a:fld id="{FB75AA7C-85FF-43DA-A19E-044EB312A766}" type="slidenum">
               <a:rPr lang="en-GB" smtClean="0"/>
-              <a:t>‹Nº›</a:t>
+              <a:t>‹#›</a:t>
             </a:fld>
             <a:endParaRPr lang="en-GB"/>
           </a:p>
@@ -8575,7 +8997,7 @@
           <a:p>
             <a:fld id="{4A42529D-B5B1-47E1-A19B-037CCFF42894}" type="datetimeFigureOut">
               <a:rPr lang="en-GB" smtClean="0"/>
-              <a:t>08/11/2021</a:t>
+              <a:t>15/11/2021</a:t>
             </a:fld>
             <a:endParaRPr lang="en-GB"/>
           </a:p>
@@ -8625,7 +9047,7 @@
           <a:p>
             <a:fld id="{FB75AA7C-85FF-43DA-A19E-044EB312A766}" type="slidenum">
               <a:rPr lang="en-GB" smtClean="0"/>
-              <a:t>‹Nº›</a:t>
+              <a:t>‹#›</a:t>
             </a:fld>
             <a:endParaRPr lang="en-GB"/>
           </a:p>
@@ -8753,7 +9175,7 @@
           <a:p>
             <a:fld id="{71286E14-A21F-4247-87A1-6C001434B2E9}" type="datetimeFigureOut">
               <a:rPr lang="en-GB" smtClean="0"/>
-              <a:t>08/11/2021</a:t>
+              <a:t>15/11/2021</a:t>
             </a:fld>
             <a:endParaRPr lang="en-GB"/>
           </a:p>
@@ -8795,7 +9217,7 @@
           <a:p>
             <a:fld id="{927982DA-6A85-4F77-B3D2-36DCD5868481}" type="slidenum">
               <a:rPr lang="en-GB" smtClean="0"/>
-              <a:t>‹Nº›</a:t>
+              <a:t>‹#›</a:t>
             </a:fld>
             <a:endParaRPr lang="en-GB"/>
           </a:p>
@@ -9038,7 +9460,7 @@
           <a:p>
             <a:fld id="{4A42529D-B5B1-47E1-A19B-037CCFF42894}" type="datetimeFigureOut">
               <a:rPr lang="en-GB" smtClean="0"/>
-              <a:t>08/11/2021</a:t>
+              <a:t>15/11/2021</a:t>
             </a:fld>
             <a:endParaRPr lang="en-GB"/>
           </a:p>
@@ -9088,7 +9510,7 @@
           <a:p>
             <a:fld id="{FB75AA7C-85FF-43DA-A19E-044EB312A766}" type="slidenum">
               <a:rPr lang="en-GB" smtClean="0"/>
-              <a:t>‹Nº›</a:t>
+              <a:t>‹#›</a:t>
             </a:fld>
             <a:endParaRPr lang="en-GB"/>
           </a:p>
@@ -9307,7 +9729,7 @@
           <a:p>
             <a:fld id="{4A42529D-B5B1-47E1-A19B-037CCFF42894}" type="datetimeFigureOut">
               <a:rPr lang="en-GB" smtClean="0"/>
-              <a:t>08/11/2021</a:t>
+              <a:t>15/11/2021</a:t>
             </a:fld>
             <a:endParaRPr lang="en-GB"/>
           </a:p>
@@ -9357,7 +9779,7 @@
           <a:p>
             <a:fld id="{FB75AA7C-85FF-43DA-A19E-044EB312A766}" type="slidenum">
               <a:rPr lang="en-GB" smtClean="0"/>
-              <a:t>‹Nº›</a:t>
+              <a:t>‹#›</a:t>
             </a:fld>
             <a:endParaRPr lang="en-GB"/>
           </a:p>
@@ -9493,7 +9915,7 @@
           <a:p>
             <a:fld id="{4A42529D-B5B1-47E1-A19B-037CCFF42894}" type="datetimeFigureOut">
               <a:rPr lang="en-GB" smtClean="0"/>
-              <a:t>08/11/2021</a:t>
+              <a:t>15/11/2021</a:t>
             </a:fld>
             <a:endParaRPr lang="en-GB"/>
           </a:p>
@@ -9543,7 +9965,7 @@
           <a:p>
             <a:fld id="{FB75AA7C-85FF-43DA-A19E-044EB312A766}" type="slidenum">
               <a:rPr lang="en-GB" smtClean="0"/>
-              <a:t>‹Nº›</a:t>
+              <a:t>‹#›</a:t>
             </a:fld>
             <a:endParaRPr lang="en-GB"/>
           </a:p>
@@ -9689,7 +10111,7 @@
           <a:p>
             <a:fld id="{4A42529D-B5B1-47E1-A19B-037CCFF42894}" type="datetimeFigureOut">
               <a:rPr lang="en-GB" smtClean="0"/>
-              <a:t>08/11/2021</a:t>
+              <a:t>15/11/2021</a:t>
             </a:fld>
             <a:endParaRPr lang="en-GB"/>
           </a:p>
@@ -9739,7 +10161,7 @@
           <a:p>
             <a:fld id="{FB75AA7C-85FF-43DA-A19E-044EB312A766}" type="slidenum">
               <a:rPr lang="en-GB" smtClean="0"/>
-              <a:t>‹Nº›</a:t>
+              <a:t>‹#›</a:t>
             </a:fld>
             <a:endParaRPr lang="en-GB"/>
           </a:p>
@@ -9943,7 +10365,7 @@
           <a:p>
             <a:fld id="{71286E14-A21F-4247-87A1-6C001434B2E9}" type="datetimeFigureOut">
               <a:rPr lang="en-GB" smtClean="0"/>
-              <a:t>08/11/2021</a:t>
+              <a:t>15/11/2021</a:t>
             </a:fld>
             <a:endParaRPr lang="en-GB"/>
           </a:p>
@@ -9985,7 +10407,7 @@
           <a:p>
             <a:fld id="{927982DA-6A85-4F77-B3D2-36DCD5868481}" type="slidenum">
               <a:rPr lang="en-GB" smtClean="0"/>
-              <a:t>‹Nº›</a:t>
+              <a:t>‹#›</a:t>
             </a:fld>
             <a:endParaRPr lang="en-GB"/>
           </a:p>
@@ -10175,7 +10597,7 @@
           <a:p>
             <a:fld id="{71286E14-A21F-4247-87A1-6C001434B2E9}" type="datetimeFigureOut">
               <a:rPr lang="en-GB" smtClean="0"/>
-              <a:t>08/11/2021</a:t>
+              <a:t>15/11/2021</a:t>
             </a:fld>
             <a:endParaRPr lang="en-GB"/>
           </a:p>
@@ -10217,7 +10639,7 @@
           <a:p>
             <a:fld id="{927982DA-6A85-4F77-B3D2-36DCD5868481}" type="slidenum">
               <a:rPr lang="en-GB" smtClean="0"/>
-              <a:t>‹Nº›</a:t>
+              <a:t>‹#›</a:t>
             </a:fld>
             <a:endParaRPr lang="en-GB"/>
           </a:p>
@@ -10542,7 +10964,7 @@
           <a:p>
             <a:fld id="{71286E14-A21F-4247-87A1-6C001434B2E9}" type="datetimeFigureOut">
               <a:rPr lang="en-GB" smtClean="0"/>
-              <a:t>08/11/2021</a:t>
+              <a:t>15/11/2021</a:t>
             </a:fld>
             <a:endParaRPr lang="en-GB"/>
           </a:p>
@@ -10584,7 +11006,7 @@
           <a:p>
             <a:fld id="{927982DA-6A85-4F77-B3D2-36DCD5868481}" type="slidenum">
               <a:rPr lang="en-GB" smtClean="0"/>
-              <a:t>‹Nº›</a:t>
+              <a:t>‹#›</a:t>
             </a:fld>
             <a:endParaRPr lang="en-GB"/>
           </a:p>
@@ -10660,7 +11082,7 @@
           <a:p>
             <a:fld id="{71286E14-A21F-4247-87A1-6C001434B2E9}" type="datetimeFigureOut">
               <a:rPr lang="en-GB" smtClean="0"/>
-              <a:t>08/11/2021</a:t>
+              <a:t>15/11/2021</a:t>
             </a:fld>
             <a:endParaRPr lang="en-GB"/>
           </a:p>
@@ -10702,7 +11124,7 @@
           <a:p>
             <a:fld id="{927982DA-6A85-4F77-B3D2-36DCD5868481}" type="slidenum">
               <a:rPr lang="en-GB" smtClean="0"/>
-              <a:t>‹Nº›</a:t>
+              <a:t>‹#›</a:t>
             </a:fld>
             <a:endParaRPr lang="en-GB"/>
           </a:p>
@@ -10755,7 +11177,7 @@
           <a:p>
             <a:fld id="{71286E14-A21F-4247-87A1-6C001434B2E9}" type="datetimeFigureOut">
               <a:rPr lang="en-GB" smtClean="0"/>
-              <a:t>08/11/2021</a:t>
+              <a:t>15/11/2021</a:t>
             </a:fld>
             <a:endParaRPr lang="en-GB"/>
           </a:p>
@@ -10797,7 +11219,7 @@
           <a:p>
             <a:fld id="{927982DA-6A85-4F77-B3D2-36DCD5868481}" type="slidenum">
               <a:rPr lang="en-GB" smtClean="0"/>
-              <a:t>‹Nº›</a:t>
+              <a:t>‹#›</a:t>
             </a:fld>
             <a:endParaRPr lang="en-GB"/>
           </a:p>
@@ -11032,7 +11454,7 @@
           <a:p>
             <a:fld id="{71286E14-A21F-4247-87A1-6C001434B2E9}" type="datetimeFigureOut">
               <a:rPr lang="en-GB" smtClean="0"/>
-              <a:t>08/11/2021</a:t>
+              <a:t>15/11/2021</a:t>
             </a:fld>
             <a:endParaRPr lang="en-GB"/>
           </a:p>
@@ -11074,7 +11496,7 @@
           <a:p>
             <a:fld id="{927982DA-6A85-4F77-B3D2-36DCD5868481}" type="slidenum">
               <a:rPr lang="en-GB" smtClean="0"/>
-              <a:t>‹Nº›</a:t>
+              <a:t>‹#›</a:t>
             </a:fld>
             <a:endParaRPr lang="en-GB"/>
           </a:p>
@@ -11285,7 +11707,7 @@
           <a:p>
             <a:fld id="{71286E14-A21F-4247-87A1-6C001434B2E9}" type="datetimeFigureOut">
               <a:rPr lang="en-GB" smtClean="0"/>
-              <a:t>08/11/2021</a:t>
+              <a:t>15/11/2021</a:t>
             </a:fld>
             <a:endParaRPr lang="en-GB"/>
           </a:p>
@@ -11327,7 +11749,7 @@
           <a:p>
             <a:fld id="{927982DA-6A85-4F77-B3D2-36DCD5868481}" type="slidenum">
               <a:rPr lang="en-GB" smtClean="0"/>
-              <a:t>‹Nº›</a:t>
+              <a:t>‹#›</a:t>
             </a:fld>
             <a:endParaRPr lang="en-GB"/>
           </a:p>
@@ -11498,7 +11920,7 @@
           <a:p>
             <a:fld id="{71286E14-A21F-4247-87A1-6C001434B2E9}" type="datetimeFigureOut">
               <a:rPr lang="en-GB" smtClean="0"/>
-              <a:t>08/11/2021</a:t>
+              <a:t>15/11/2021</a:t>
             </a:fld>
             <a:endParaRPr lang="en-GB"/>
           </a:p>
@@ -11576,7 +11998,7 @@
           <a:p>
             <a:fld id="{927982DA-6A85-4F77-B3D2-36DCD5868481}" type="slidenum">
               <a:rPr lang="en-GB" smtClean="0"/>
-              <a:t>‹Nº›</a:t>
+              <a:t>‹#›</a:t>
             </a:fld>
             <a:endParaRPr lang="en-GB"/>
           </a:p>
@@ -12560,176 +12982,88 @@
           </a:p>
         </p:txBody>
       </p:sp>
-      <p:graphicFrame>
-        <p:nvGraphicFramePr>
-          <p:cNvPr id="4" name="Marcador de contenido 3"/>
-          <p:cNvGraphicFramePr>
-            <a:graphicFrameLocks noGrp="1"/>
-          </p:cNvGraphicFramePr>
+      <p:sp>
+        <p:nvSpPr>
+          <p:cNvPr id="3" name="Marcador de contenido 2"/>
+          <p:cNvSpPr>
+            <a:spLocks noGrp="1"/>
+          </p:cNvSpPr>
           <p:nvPr>
             <p:ph idx="1"/>
-            <p:extLst>
-              <p:ext uri="{D42A27DB-BD31-4B8C-83A1-F6EECF244321}">
-                <p14:modId xmlns:p14="http://schemas.microsoft.com/office/powerpoint/2010/main" val="4217146790"/>
-              </p:ext>
-            </p:extLst>
           </p:nvPr>
-        </p:nvGraphicFramePr>
-        <p:xfrm>
-          <a:off x="537754" y="1877877"/>
-          <a:ext cx="5680166" cy="4014788"/>
-        </p:xfrm>
-        <a:graphic>
-          <a:graphicData uri="http://schemas.openxmlformats.org/drawingml/2006/diagram">
-            <dgm:relIds xmlns:dgm="http://schemas.openxmlformats.org/drawingml/2006/diagram" xmlns:r="http://schemas.openxmlformats.org/officeDocument/2006/relationships" r:dm="rId2" r:lo="rId3" r:qs="rId4" r:cs="rId5"/>
-          </a:graphicData>
-        </a:graphic>
-      </p:graphicFrame>
-      <p:sp>
-        <p:nvSpPr>
-          <p:cNvPr id="5" name="Flecha derecha 4"/>
-          <p:cNvSpPr/>
+        </p:nvSpPr>
+        <p:spPr/>
+        <p:txBody>
+          <a:bodyPr/>
+          <a:lstStyle/>
+          <a:p>
+            <a:r>
+              <a:rPr lang="es-ES" dirty="0"/>
+              <a:t>Big Data </a:t>
+            </a:r>
+            <a:r>
+              <a:rPr lang="es-ES" dirty="0">
+                <a:sym typeface="Wingdings" panose="05000000000000000000" pitchFamily="2" charset="2"/>
+              </a:rPr>
+              <a:t> Múltiples variables medidas y guardadas</a:t>
+            </a:r>
+          </a:p>
+          <a:p>
+            <a:r>
+              <a:rPr lang="es-ES" dirty="0">
+                <a:sym typeface="Wingdings" panose="05000000000000000000" pitchFamily="2" charset="2"/>
+              </a:rPr>
+              <a:t>Múltiples fuentes de datos </a:t>
+            </a:r>
+            <a:endParaRPr lang="es-ES" dirty="0"/>
+          </a:p>
+        </p:txBody>
+      </p:sp>
+      <p:pic>
+        <p:nvPicPr>
+          <p:cNvPr id="2050" name="Picture 2" descr="Del Big Data al Good Data: datos y tecnología como armas contra la COVID-19  | OpenMind"/>
+          <p:cNvPicPr>
+            <a:picLocks noChangeAspect="1" noChangeArrowheads="1"/>
+          </p:cNvPicPr>
           <p:nvPr/>
-        </p:nvSpPr>
-        <p:spPr>
+        </p:nvPicPr>
+        <p:blipFill>
+          <a:blip r:embed="rId2">
+            <a:extLst>
+              <a:ext uri="{28A0092B-C50C-407E-A947-70E740481C1C}">
+                <a14:useLocalDpi xmlns:a14="http://schemas.microsoft.com/office/drawing/2010/main" val="0"/>
+              </a:ext>
+            </a:extLst>
+          </a:blip>
+          <a:srcRect/>
+          <a:stretch>
+            <a:fillRect/>
+          </a:stretch>
+        </p:blipFill>
+        <p:spPr bwMode="auto">
           <a:xfrm>
-            <a:off x="5656218" y="3441134"/>
-            <a:ext cx="2860765" cy="888274"/>
-          </a:xfrm>
-          <a:prstGeom prst="rightArrow">
-            <a:avLst/>
-          </a:prstGeom>
-        </p:spPr>
-        <p:style>
-          <a:lnRef idx="2">
-            <a:schemeClr val="accent1">
-              <a:shade val="50000"/>
-            </a:schemeClr>
-          </a:lnRef>
-          <a:fillRef idx="1">
-            <a:schemeClr val="accent1"/>
-          </a:fillRef>
-          <a:effectRef idx="0">
-            <a:schemeClr val="accent1"/>
-          </a:effectRef>
-          <a:fontRef idx="minor">
-            <a:schemeClr val="lt1"/>
-          </a:fontRef>
-        </p:style>
-        <p:txBody>
-          <a:bodyPr rtlCol="0" anchor="ctr"/>
-          <a:lstStyle/>
-          <a:p>
-            <a:pPr algn="ctr"/>
-            <a:endParaRPr lang="es-ES"/>
-          </a:p>
-        </p:txBody>
-      </p:sp>
-      <p:sp>
-        <p:nvSpPr>
-          <p:cNvPr id="7" name="Rectángulo redondeado 6"/>
-          <p:cNvSpPr/>
-          <p:nvPr/>
-        </p:nvSpPr>
-        <p:spPr>
-          <a:xfrm>
-            <a:off x="8882743" y="3095897"/>
-            <a:ext cx="2795451" cy="1515292"/>
-          </a:xfrm>
-          <a:prstGeom prst="roundRect">
-            <a:avLst/>
-          </a:prstGeom>
-        </p:spPr>
-        <p:style>
-          <a:lnRef idx="2">
-            <a:schemeClr val="accent1">
-              <a:shade val="50000"/>
-            </a:schemeClr>
-          </a:lnRef>
-          <a:fillRef idx="1">
-            <a:schemeClr val="accent1"/>
-          </a:fillRef>
-          <a:effectRef idx="0">
-            <a:schemeClr val="accent1"/>
-          </a:effectRef>
-          <a:fontRef idx="minor">
-            <a:schemeClr val="lt1"/>
-          </a:fontRef>
-        </p:style>
-        <p:txBody>
-          <a:bodyPr rtlCol="0" anchor="ctr"/>
-          <a:lstStyle/>
-          <a:p>
-            <a:pPr algn="ctr"/>
-            <a:r>
-              <a:rPr lang="es-ES" sz="3200" dirty="0"/>
-              <a:t>Variable X</a:t>
-            </a:r>
-          </a:p>
-        </p:txBody>
-      </p:sp>
-      <p:sp>
-        <p:nvSpPr>
-          <p:cNvPr id="8" name="CuadroTexto 7"/>
-          <p:cNvSpPr txBox="1"/>
-          <p:nvPr/>
-        </p:nvSpPr>
-        <p:spPr>
-          <a:xfrm>
-            <a:off x="5205547" y="2855450"/>
-            <a:ext cx="3762105" cy="461665"/>
+            <a:off x="993903" y="2963589"/>
+            <a:ext cx="7849652" cy="2688115"/>
           </a:xfrm>
           <a:prstGeom prst="rect">
             <a:avLst/>
           </a:prstGeom>
           <a:noFill/>
+          <a:extLst>
+            <a:ext uri="{909E8E84-426E-40DD-AFC4-6F175D3DCCD1}">
+              <a14:hiddenFill xmlns:a14="http://schemas.microsoft.com/office/drawing/2010/main">
+                <a:solidFill>
+                  <a:srgbClr val="FFFFFF"/>
+                </a:solidFill>
+              </a14:hiddenFill>
+            </a:ext>
+          </a:extLst>
         </p:spPr>
-        <p:txBody>
-          <a:bodyPr wrap="square" rtlCol="0">
-            <a:spAutoFit/>
-          </a:bodyPr>
-          <a:lstStyle/>
-          <a:p>
-            <a:r>
-              <a:rPr lang="es-ES" sz="2400" dirty="0"/>
-              <a:t>Modelo inteligencia artificial</a:t>
-            </a:r>
-          </a:p>
-        </p:txBody>
-      </p:sp>
-      <p:sp>
-        <p:nvSpPr>
-          <p:cNvPr id="9" name="CuadroTexto 8"/>
-          <p:cNvSpPr txBox="1"/>
-          <p:nvPr/>
-        </p:nvSpPr>
-        <p:spPr>
-          <a:xfrm>
-            <a:off x="4899659" y="5150799"/>
-            <a:ext cx="5720444" cy="1015663"/>
-          </a:xfrm>
-          <a:prstGeom prst="rect">
-            <a:avLst/>
-          </a:prstGeom>
-          <a:noFill/>
-        </p:spPr>
-        <p:txBody>
-          <a:bodyPr wrap="square" rtlCol="0">
-            <a:spAutoFit/>
-          </a:bodyPr>
-          <a:lstStyle/>
-          <a:p>
-            <a:r>
-              <a:rPr lang="es-ES" sz="2000" dirty="0"/>
-              <a:t>Para poder introducir esas variables al modelo, éstas tendrán que estar relacionadas de alguna forma con la variable a calcular</a:t>
-            </a:r>
-          </a:p>
-        </p:txBody>
-      </p:sp>
+      </p:pic>
     </p:spTree>
     <p:extLst>
       <p:ext uri="{BB962C8B-B14F-4D97-AF65-F5344CB8AC3E}">
-        <p14:creationId xmlns:p14="http://schemas.microsoft.com/office/powerpoint/2010/main" val="984488986"/>
+        <p14:creationId xmlns:p14="http://schemas.microsoft.com/office/powerpoint/2010/main" val="3904166566"/>
       </p:ext>
     </p:extLst>
   </p:cSld>
@@ -12788,14 +13122,14 @@
             <p:ph idx="1"/>
             <p:extLst>
               <p:ext uri="{D42A27DB-BD31-4B8C-83A1-F6EECF244321}">
-                <p14:modId xmlns:p14="http://schemas.microsoft.com/office/powerpoint/2010/main" val="1646304276"/>
+                <p14:modId xmlns:p14="http://schemas.microsoft.com/office/powerpoint/2010/main" val="4217146790"/>
               </p:ext>
             </p:extLst>
           </p:nvPr>
         </p:nvGraphicFramePr>
         <p:xfrm>
           <a:off x="537754" y="1877877"/>
-          <a:ext cx="4302033" cy="3177449"/>
+          <a:ext cx="5680166" cy="4014788"/>
         </p:xfrm>
         <a:graphic>
           <a:graphicData uri="http://schemas.openxmlformats.org/drawingml/2006/diagram">
@@ -12811,8 +13145,8 @@
         </p:nvSpPr>
         <p:spPr>
           <a:xfrm>
-            <a:off x="4846321" y="3298375"/>
-            <a:ext cx="1619793" cy="712151"/>
+            <a:off x="5656218" y="3441134"/>
+            <a:ext cx="2860765" cy="888274"/>
           </a:xfrm>
           <a:prstGeom prst="rightArrow">
             <a:avLst/>
@@ -12851,8 +13185,8 @@
         </p:nvSpPr>
         <p:spPr>
           <a:xfrm>
-            <a:off x="6657700" y="3047027"/>
-            <a:ext cx="2050868" cy="1214846"/>
+            <a:off x="8882743" y="3095897"/>
+            <a:ext cx="2795451" cy="1515292"/>
           </a:xfrm>
           <a:prstGeom prst="roundRect">
             <a:avLst/>
@@ -12880,7 +13214,7 @@
           <a:p>
             <a:pPr algn="ctr"/>
             <a:r>
-              <a:rPr lang="es-ES" sz="2000" dirty="0"/>
+              <a:rPr lang="es-ES" sz="3200" dirty="0"/>
               <a:t>Variable X</a:t>
             </a:r>
           </a:p>
@@ -12894,8 +13228,8 @@
         </p:nvSpPr>
         <p:spPr>
           <a:xfrm>
-            <a:off x="4084315" y="2710724"/>
-            <a:ext cx="3781699" cy="369332"/>
+            <a:off x="5205547" y="2855450"/>
+            <a:ext cx="3762105" cy="461665"/>
           </a:xfrm>
           <a:prstGeom prst="rect">
             <a:avLst/>
@@ -12909,7 +13243,7 @@
           <a:lstStyle/>
           <a:p>
             <a:r>
-              <a:rPr lang="es-ES" dirty="0"/>
+              <a:rPr lang="es-ES" sz="2400" dirty="0"/>
               <a:t>Modelo inteligencia artificial</a:t>
             </a:r>
           </a:p>
@@ -12923,8 +13257,8 @@
         </p:nvSpPr>
         <p:spPr>
           <a:xfrm>
-            <a:off x="854529" y="4598177"/>
-            <a:ext cx="4840878" cy="1384995"/>
+            <a:off x="4899659" y="5150799"/>
+            <a:ext cx="5720444" cy="1015663"/>
           </a:xfrm>
           <a:prstGeom prst="rect">
             <a:avLst/>
@@ -12938,83 +13272,8 @@
           <a:lstStyle/>
           <a:p>
             <a:r>
-              <a:rPr lang="es-ES" sz="2800" dirty="0"/>
-              <a:t>¿Cómo medimos esa relación?</a:t>
-            </a:r>
-          </a:p>
-          <a:p>
-            <a:r>
-              <a:rPr lang="es-ES" sz="2800" dirty="0"/>
-              <a:t>¿Cómo sabemos si nuestra variable es válida? </a:t>
-            </a:r>
-          </a:p>
-        </p:txBody>
-      </p:sp>
-      <p:sp>
-        <p:nvSpPr>
-          <p:cNvPr id="3" name="Flecha derecha 2"/>
-          <p:cNvSpPr/>
-          <p:nvPr/>
-        </p:nvSpPr>
-        <p:spPr>
-          <a:xfrm>
-            <a:off x="5156562" y="4935563"/>
-            <a:ext cx="2031272" cy="710222"/>
-          </a:xfrm>
-          <a:prstGeom prst="rightArrow">
-            <a:avLst/>
-          </a:prstGeom>
-        </p:spPr>
-        <p:style>
-          <a:lnRef idx="2">
-            <a:schemeClr val="accent1">
-              <a:shade val="50000"/>
-            </a:schemeClr>
-          </a:lnRef>
-          <a:fillRef idx="1">
-            <a:schemeClr val="accent1"/>
-          </a:fillRef>
-          <a:effectRef idx="0">
-            <a:schemeClr val="accent1"/>
-          </a:effectRef>
-          <a:fontRef idx="minor">
-            <a:schemeClr val="lt1"/>
-          </a:fontRef>
-        </p:style>
-        <p:txBody>
-          <a:bodyPr rtlCol="0" anchor="ctr"/>
-          <a:lstStyle/>
-          <a:p>
-            <a:pPr algn="ctr"/>
-            <a:endParaRPr lang="es-ES"/>
-          </a:p>
-        </p:txBody>
-      </p:sp>
-      <p:sp>
-        <p:nvSpPr>
-          <p:cNvPr id="10" name="CuadroTexto 9"/>
-          <p:cNvSpPr txBox="1"/>
-          <p:nvPr/>
-        </p:nvSpPr>
-        <p:spPr>
-          <a:xfrm>
-            <a:off x="7491548" y="5029064"/>
-            <a:ext cx="4840878" cy="523220"/>
-          </a:xfrm>
-          <a:prstGeom prst="rect">
-            <a:avLst/>
-          </a:prstGeom>
-          <a:noFill/>
-        </p:spPr>
-        <p:txBody>
-          <a:bodyPr wrap="square" rtlCol="0">
-            <a:spAutoFit/>
-          </a:bodyPr>
-          <a:lstStyle/>
-          <a:p>
-            <a:r>
-              <a:rPr lang="es-ES" sz="2800" b="1" dirty="0"/>
-              <a:t>ANALISIS DE CORRELACIONES</a:t>
+              <a:rPr lang="es-ES" sz="2000" dirty="0"/>
+              <a:t>Para poder introducir esas variables al modelo, éstas tendrán que estar relacionadas de alguna forma con la variable a calcular</a:t>
             </a:r>
           </a:p>
         </p:txBody>
@@ -13022,7 +13281,7 @@
     </p:spTree>
     <p:extLst>
       <p:ext uri="{BB962C8B-B14F-4D97-AF65-F5344CB8AC3E}">
-        <p14:creationId xmlns:p14="http://schemas.microsoft.com/office/powerpoint/2010/main" val="824026191"/>
+        <p14:creationId xmlns:p14="http://schemas.microsoft.com/office/powerpoint/2010/main" val="984488986"/>
       </p:ext>
     </p:extLst>
   </p:cSld>
@@ -13066,6 +13325,299 @@
           <a:p>
             <a:r>
               <a:rPr lang="es-ES" dirty="0"/>
+              <a:t>Introducción Módulo 2</a:t>
+            </a:r>
+          </a:p>
+        </p:txBody>
+      </p:sp>
+      <p:graphicFrame>
+        <p:nvGraphicFramePr>
+          <p:cNvPr id="4" name="Marcador de contenido 3"/>
+          <p:cNvGraphicFramePr>
+            <a:graphicFrameLocks noGrp="1"/>
+          </p:cNvGraphicFramePr>
+          <p:nvPr>
+            <p:ph idx="1"/>
+            <p:extLst>
+              <p:ext uri="{D42A27DB-BD31-4B8C-83A1-F6EECF244321}">
+                <p14:modId xmlns:p14="http://schemas.microsoft.com/office/powerpoint/2010/main" val="1646304276"/>
+              </p:ext>
+            </p:extLst>
+          </p:nvPr>
+        </p:nvGraphicFramePr>
+        <p:xfrm>
+          <a:off x="537754" y="1877877"/>
+          <a:ext cx="4302033" cy="3177449"/>
+        </p:xfrm>
+        <a:graphic>
+          <a:graphicData uri="http://schemas.openxmlformats.org/drawingml/2006/diagram">
+            <dgm:relIds xmlns:dgm="http://schemas.openxmlformats.org/drawingml/2006/diagram" xmlns:r="http://schemas.openxmlformats.org/officeDocument/2006/relationships" r:dm="rId2" r:lo="rId3" r:qs="rId4" r:cs="rId5"/>
+          </a:graphicData>
+        </a:graphic>
+      </p:graphicFrame>
+      <p:sp>
+        <p:nvSpPr>
+          <p:cNvPr id="5" name="Flecha derecha 4"/>
+          <p:cNvSpPr/>
+          <p:nvPr/>
+        </p:nvSpPr>
+        <p:spPr>
+          <a:xfrm>
+            <a:off x="4846321" y="3298375"/>
+            <a:ext cx="1619793" cy="712151"/>
+          </a:xfrm>
+          <a:prstGeom prst="rightArrow">
+            <a:avLst/>
+          </a:prstGeom>
+        </p:spPr>
+        <p:style>
+          <a:lnRef idx="2">
+            <a:schemeClr val="accent1">
+              <a:shade val="50000"/>
+            </a:schemeClr>
+          </a:lnRef>
+          <a:fillRef idx="1">
+            <a:schemeClr val="accent1"/>
+          </a:fillRef>
+          <a:effectRef idx="0">
+            <a:schemeClr val="accent1"/>
+          </a:effectRef>
+          <a:fontRef idx="minor">
+            <a:schemeClr val="lt1"/>
+          </a:fontRef>
+        </p:style>
+        <p:txBody>
+          <a:bodyPr rtlCol="0" anchor="ctr"/>
+          <a:lstStyle/>
+          <a:p>
+            <a:pPr algn="ctr"/>
+            <a:endParaRPr lang="es-ES"/>
+          </a:p>
+        </p:txBody>
+      </p:sp>
+      <p:sp>
+        <p:nvSpPr>
+          <p:cNvPr id="7" name="Rectángulo redondeado 6"/>
+          <p:cNvSpPr/>
+          <p:nvPr/>
+        </p:nvSpPr>
+        <p:spPr>
+          <a:xfrm>
+            <a:off x="6657700" y="3047027"/>
+            <a:ext cx="2050868" cy="1214846"/>
+          </a:xfrm>
+          <a:prstGeom prst="roundRect">
+            <a:avLst/>
+          </a:prstGeom>
+        </p:spPr>
+        <p:style>
+          <a:lnRef idx="2">
+            <a:schemeClr val="accent1">
+              <a:shade val="50000"/>
+            </a:schemeClr>
+          </a:lnRef>
+          <a:fillRef idx="1">
+            <a:schemeClr val="accent1"/>
+          </a:fillRef>
+          <a:effectRef idx="0">
+            <a:schemeClr val="accent1"/>
+          </a:effectRef>
+          <a:fontRef idx="minor">
+            <a:schemeClr val="lt1"/>
+          </a:fontRef>
+        </p:style>
+        <p:txBody>
+          <a:bodyPr rtlCol="0" anchor="ctr"/>
+          <a:lstStyle/>
+          <a:p>
+            <a:pPr algn="ctr"/>
+            <a:r>
+              <a:rPr lang="es-ES" sz="2000" dirty="0"/>
+              <a:t>Variable X</a:t>
+            </a:r>
+          </a:p>
+        </p:txBody>
+      </p:sp>
+      <p:sp>
+        <p:nvSpPr>
+          <p:cNvPr id="8" name="CuadroTexto 7"/>
+          <p:cNvSpPr txBox="1"/>
+          <p:nvPr/>
+        </p:nvSpPr>
+        <p:spPr>
+          <a:xfrm>
+            <a:off x="4084315" y="2710724"/>
+            <a:ext cx="3781699" cy="369332"/>
+          </a:xfrm>
+          <a:prstGeom prst="rect">
+            <a:avLst/>
+          </a:prstGeom>
+          <a:noFill/>
+        </p:spPr>
+        <p:txBody>
+          <a:bodyPr wrap="square" rtlCol="0">
+            <a:spAutoFit/>
+          </a:bodyPr>
+          <a:lstStyle/>
+          <a:p>
+            <a:r>
+              <a:rPr lang="es-ES" dirty="0"/>
+              <a:t>Modelo inteligencia artificial</a:t>
+            </a:r>
+          </a:p>
+        </p:txBody>
+      </p:sp>
+      <p:sp>
+        <p:nvSpPr>
+          <p:cNvPr id="9" name="CuadroTexto 8"/>
+          <p:cNvSpPr txBox="1"/>
+          <p:nvPr/>
+        </p:nvSpPr>
+        <p:spPr>
+          <a:xfrm>
+            <a:off x="854529" y="4598177"/>
+            <a:ext cx="4840878" cy="1384995"/>
+          </a:xfrm>
+          <a:prstGeom prst="rect">
+            <a:avLst/>
+          </a:prstGeom>
+          <a:noFill/>
+        </p:spPr>
+        <p:txBody>
+          <a:bodyPr wrap="square" rtlCol="0">
+            <a:spAutoFit/>
+          </a:bodyPr>
+          <a:lstStyle/>
+          <a:p>
+            <a:r>
+              <a:rPr lang="es-ES" sz="2800" dirty="0"/>
+              <a:t>¿Cómo medimos esa relación?</a:t>
+            </a:r>
+          </a:p>
+          <a:p>
+            <a:r>
+              <a:rPr lang="es-ES" sz="2800" dirty="0"/>
+              <a:t>¿Cómo sabemos si nuestra variable es válida? </a:t>
+            </a:r>
+          </a:p>
+        </p:txBody>
+      </p:sp>
+      <p:sp>
+        <p:nvSpPr>
+          <p:cNvPr id="3" name="Flecha derecha 2"/>
+          <p:cNvSpPr/>
+          <p:nvPr/>
+        </p:nvSpPr>
+        <p:spPr>
+          <a:xfrm>
+            <a:off x="5156562" y="4935563"/>
+            <a:ext cx="2031272" cy="710222"/>
+          </a:xfrm>
+          <a:prstGeom prst="rightArrow">
+            <a:avLst/>
+          </a:prstGeom>
+        </p:spPr>
+        <p:style>
+          <a:lnRef idx="2">
+            <a:schemeClr val="accent1">
+              <a:shade val="50000"/>
+            </a:schemeClr>
+          </a:lnRef>
+          <a:fillRef idx="1">
+            <a:schemeClr val="accent1"/>
+          </a:fillRef>
+          <a:effectRef idx="0">
+            <a:schemeClr val="accent1"/>
+          </a:effectRef>
+          <a:fontRef idx="minor">
+            <a:schemeClr val="lt1"/>
+          </a:fontRef>
+        </p:style>
+        <p:txBody>
+          <a:bodyPr rtlCol="0" anchor="ctr"/>
+          <a:lstStyle/>
+          <a:p>
+            <a:pPr algn="ctr"/>
+            <a:endParaRPr lang="es-ES"/>
+          </a:p>
+        </p:txBody>
+      </p:sp>
+      <p:sp>
+        <p:nvSpPr>
+          <p:cNvPr id="10" name="CuadroTexto 9"/>
+          <p:cNvSpPr txBox="1"/>
+          <p:nvPr/>
+        </p:nvSpPr>
+        <p:spPr>
+          <a:xfrm>
+            <a:off x="7491548" y="5029064"/>
+            <a:ext cx="4840878" cy="523220"/>
+          </a:xfrm>
+          <a:prstGeom prst="rect">
+            <a:avLst/>
+          </a:prstGeom>
+          <a:noFill/>
+        </p:spPr>
+        <p:txBody>
+          <a:bodyPr wrap="square" rtlCol="0">
+            <a:spAutoFit/>
+          </a:bodyPr>
+          <a:lstStyle/>
+          <a:p>
+            <a:r>
+              <a:rPr lang="es-ES" sz="2800" b="1" dirty="0"/>
+              <a:t>ANALISIS DE CORRELACIONES</a:t>
+            </a:r>
+          </a:p>
+        </p:txBody>
+      </p:sp>
+    </p:spTree>
+    <p:extLst>
+      <p:ext uri="{BB962C8B-B14F-4D97-AF65-F5344CB8AC3E}">
+        <p14:creationId xmlns:p14="http://schemas.microsoft.com/office/powerpoint/2010/main" val="824026191"/>
+      </p:ext>
+    </p:extLst>
+  </p:cSld>
+  <p:clrMapOvr>
+    <a:masterClrMapping/>
+  </p:clrMapOvr>
+</p:sld>
+</file>
+
+<file path=ppt/slides/slide13.xml><?xml version="1.0" encoding="utf-8"?>
+<p:sld xmlns:a="http://schemas.openxmlformats.org/drawingml/2006/main" xmlns:r="http://schemas.openxmlformats.org/officeDocument/2006/relationships" xmlns:p="http://schemas.openxmlformats.org/presentationml/2006/main">
+  <p:cSld>
+    <p:spTree>
+      <p:nvGrpSpPr>
+        <p:cNvPr id="1" name=""/>
+        <p:cNvGrpSpPr/>
+        <p:nvPr/>
+      </p:nvGrpSpPr>
+      <p:grpSpPr>
+        <a:xfrm>
+          <a:off x="0" y="0"/>
+          <a:ext cx="0" cy="0"/>
+          <a:chOff x="0" y="0"/>
+          <a:chExt cx="0" cy="0"/>
+        </a:xfrm>
+      </p:grpSpPr>
+      <p:sp>
+        <p:nvSpPr>
+          <p:cNvPr id="2" name="Título 1"/>
+          <p:cNvSpPr>
+            <a:spLocks noGrp="1"/>
+          </p:cNvSpPr>
+          <p:nvPr>
+            <p:ph type="title"/>
+          </p:nvPr>
+        </p:nvSpPr>
+        <p:spPr/>
+        <p:txBody>
+          <a:bodyPr/>
+          <a:lstStyle/>
+          <a:p>
+            <a:r>
+              <a:rPr lang="es-ES" dirty="0"/>
               <a:t>Objetivos</a:t>
             </a:r>
             <a:r>
@@ -13152,7 +13704,7 @@
 </p:sld>
 </file>
 
-<file path=ppt/slides/slide13.xml><?xml version="1.0" encoding="utf-8"?>
+<file path=ppt/slides/slide14.xml><?xml version="1.0" encoding="utf-8"?>
 <p:sld xmlns:a="http://schemas.openxmlformats.org/drawingml/2006/main" xmlns:r="http://schemas.openxmlformats.org/officeDocument/2006/relationships" xmlns:p="http://schemas.openxmlformats.org/presentationml/2006/main">
   <p:cSld>
     <p:spTree>
@@ -13415,7 +13967,7 @@
 </p:sld>
 </file>
 
-<file path=ppt/slides/slide14.xml><?xml version="1.0" encoding="utf-8"?>
+<file path=ppt/slides/slide15.xml><?xml version="1.0" encoding="utf-8"?>
 <p:sld xmlns:a="http://schemas.openxmlformats.org/drawingml/2006/main" xmlns:r="http://schemas.openxmlformats.org/officeDocument/2006/relationships" xmlns:p="http://schemas.openxmlformats.org/presentationml/2006/main">
   <p:cSld>
     <p:spTree>
@@ -13550,7 +14102,7 @@
 </p:sld>
 </file>
 
-<file path=ppt/slides/slide15.xml><?xml version="1.0" encoding="utf-8"?>
+<file path=ppt/slides/slide16.xml><?xml version="1.0" encoding="utf-8"?>
 <p:sld xmlns:a="http://schemas.openxmlformats.org/drawingml/2006/main" xmlns:r="http://schemas.openxmlformats.org/officeDocument/2006/relationships" xmlns:p="http://schemas.openxmlformats.org/presentationml/2006/main">
   <p:cSld>
     <p:spTree>
@@ -13824,7 +14376,7 @@
 </p:sld>
 </file>
 
-<file path=ppt/slides/slide16.xml><?xml version="1.0" encoding="utf-8"?>
+<file path=ppt/slides/slide17.xml><?xml version="1.0" encoding="utf-8"?>
 <p:sld xmlns:a="http://schemas.openxmlformats.org/drawingml/2006/main" xmlns:r="http://schemas.openxmlformats.org/officeDocument/2006/relationships" xmlns:p="http://schemas.openxmlformats.org/presentationml/2006/main">
   <p:cSld>
     <p:spTree>
@@ -13843,6 +14395,372 @@
       </p:grpSpPr>
       <p:sp>
         <p:nvSpPr>
+          <p:cNvPr id="2" name="Título 1">
+            <a:extLst>
+              <a:ext uri="{FF2B5EF4-FFF2-40B4-BE49-F238E27FC236}">
+                <a16:creationId xmlns:a16="http://schemas.microsoft.com/office/drawing/2014/main" id="{408344B9-9635-460B-A9B2-77F2579474B8}"/>
+              </a:ext>
+            </a:extLst>
+          </p:cNvPr>
+          <p:cNvSpPr>
+            <a:spLocks noGrp="1"/>
+          </p:cNvSpPr>
+          <p:nvPr>
+            <p:ph type="title"/>
+          </p:nvPr>
+        </p:nvSpPr>
+        <p:spPr/>
+        <p:txBody>
+          <a:bodyPr/>
+          <a:lstStyle/>
+          <a:p>
+            <a:r>
+              <a:rPr lang="en-GB" dirty="0"/>
+              <a:t>Variables </a:t>
+            </a:r>
+            <a:r>
+              <a:rPr lang="en-GB" dirty="0" err="1"/>
+              <a:t>Estadísticas</a:t>
+            </a:r>
+            <a:r>
+              <a:rPr lang="en-GB" dirty="0"/>
+              <a:t> IV</a:t>
+            </a:r>
+            <a:endParaRPr lang="es-ES" dirty="0"/>
+          </a:p>
+        </p:txBody>
+      </p:sp>
+      <p:sp>
+        <p:nvSpPr>
+          <p:cNvPr id="3" name="Marcador de contenido 2">
+            <a:extLst>
+              <a:ext uri="{FF2B5EF4-FFF2-40B4-BE49-F238E27FC236}">
+                <a16:creationId xmlns:a16="http://schemas.microsoft.com/office/drawing/2014/main" id="{0D3DFED7-5A5F-45D7-8D4C-C9E3207DA81E}"/>
+              </a:ext>
+            </a:extLst>
+          </p:cNvPr>
+          <p:cNvSpPr>
+            <a:spLocks noGrp="1"/>
+          </p:cNvSpPr>
+          <p:nvPr>
+            <p:ph idx="1"/>
+          </p:nvPr>
+        </p:nvSpPr>
+        <p:spPr>
+          <a:xfrm>
+            <a:off x="838200" y="1790115"/>
+            <a:ext cx="6121893" cy="4014736"/>
+          </a:xfrm>
+        </p:spPr>
+        <p:txBody>
+          <a:bodyPr/>
+          <a:lstStyle/>
+          <a:p>
+            <a:pPr marL="0" indent="0">
+              <a:buNone/>
+            </a:pPr>
+            <a:r>
+              <a:rPr lang="es-ES" dirty="0"/>
+              <a:t>A modo de Repaso: Test </a:t>
+            </a:r>
+            <a:r>
+              <a:rPr lang="es-ES" dirty="0" err="1"/>
+              <a:t>Kahoot</a:t>
+            </a:r>
+            <a:endParaRPr lang="es-ES" dirty="0"/>
+          </a:p>
+          <a:p>
+            <a:pPr marL="0" indent="0">
+              <a:buNone/>
+            </a:pPr>
+            <a:endParaRPr lang="es-ES" dirty="0"/>
+          </a:p>
+          <a:p>
+            <a:pPr marL="0" indent="0">
+              <a:buNone/>
+            </a:pPr>
+            <a:endParaRPr lang="es-ES" dirty="0"/>
+          </a:p>
+          <a:p>
+            <a:pPr marL="0" indent="0">
+              <a:buNone/>
+            </a:pPr>
+            <a:r>
+              <a:rPr lang="es-ES" b="1" u="sng" dirty="0"/>
+              <a:t>Test Estadística Básica</a:t>
+            </a:r>
+          </a:p>
+          <a:p>
+            <a:pPr marL="0" indent="0">
+              <a:buNone/>
+            </a:pPr>
+            <a:r>
+              <a:rPr lang="en-US" dirty="0">
+                <a:hlinkClick r:id="rId2"/>
+              </a:rPr>
+              <a:t>Play Kahoot! - Enter game PIN here!</a:t>
+            </a:r>
+            <a:endParaRPr lang="es-ES" b="1" u="sng" dirty="0"/>
+          </a:p>
+          <a:p>
+            <a:pPr marL="0" indent="0">
+              <a:buNone/>
+            </a:pPr>
+            <a:r>
+              <a:rPr lang="es-ES" sz="2000" b="1" u="sng" dirty="0">
+                <a:solidFill>
+                  <a:schemeClr val="accent1"/>
+                </a:solidFill>
+              </a:rPr>
+              <a:t>Para Mikel:</a:t>
+            </a:r>
+          </a:p>
+          <a:p>
+            <a:pPr marL="0" indent="0">
+              <a:buNone/>
+            </a:pPr>
+            <a:r>
+              <a:rPr lang="es-ES" sz="2000" b="1" u="sng" dirty="0">
+                <a:solidFill>
+                  <a:schemeClr val="accent1"/>
+                </a:solidFill>
+              </a:rPr>
+              <a:t>(https://create.kahoot.it/share/test-estadistica-basica/b4f150d5-29de-4109-be23-604355641655)</a:t>
+            </a:r>
+          </a:p>
+        </p:txBody>
+      </p:sp>
+      <p:pic>
+        <p:nvPicPr>
+          <p:cNvPr id="2052" name="Picture 4" descr="Paso a paso: cómo crear un Kahoot! para usar en clase">
+            <a:extLst>
+              <a:ext uri="{FF2B5EF4-FFF2-40B4-BE49-F238E27FC236}">
+                <a16:creationId xmlns:a16="http://schemas.microsoft.com/office/drawing/2014/main" id="{BE131CED-2553-400F-803F-A96D1911AE5D}"/>
+              </a:ext>
+            </a:extLst>
+          </p:cNvPr>
+          <p:cNvPicPr>
+            <a:picLocks noChangeAspect="1" noChangeArrowheads="1"/>
+          </p:cNvPicPr>
+          <p:nvPr/>
+        </p:nvPicPr>
+        <p:blipFill>
+          <a:blip r:embed="rId3">
+            <a:extLst>
+              <a:ext uri="{28A0092B-C50C-407E-A947-70E740481C1C}">
+                <a14:useLocalDpi xmlns:a14="http://schemas.microsoft.com/office/drawing/2010/main" val="0"/>
+              </a:ext>
+            </a:extLst>
+          </a:blip>
+          <a:srcRect/>
+          <a:stretch>
+            <a:fillRect/>
+          </a:stretch>
+        </p:blipFill>
+        <p:spPr bwMode="auto">
+          <a:xfrm>
+            <a:off x="7803472" y="2974543"/>
+            <a:ext cx="3950563" cy="2222192"/>
+          </a:xfrm>
+          <a:prstGeom prst="rect">
+            <a:avLst/>
+          </a:prstGeom>
+          <a:noFill/>
+          <a:extLst>
+            <a:ext uri="{909E8E84-426E-40DD-AFC4-6F175D3DCCD1}">
+              <a14:hiddenFill xmlns:a14="http://schemas.microsoft.com/office/drawing/2010/main">
+                <a:solidFill>
+                  <a:srgbClr val="FFFFFF"/>
+                </a:solidFill>
+              </a14:hiddenFill>
+            </a:ext>
+          </a:extLst>
+        </p:spPr>
+      </p:pic>
+    </p:spTree>
+    <p:extLst>
+      <p:ext uri="{BB962C8B-B14F-4D97-AF65-F5344CB8AC3E}">
+        <p14:creationId xmlns:p14="http://schemas.microsoft.com/office/powerpoint/2010/main" val="415266434"/>
+      </p:ext>
+    </p:extLst>
+  </p:cSld>
+  <p:clrMapOvr>
+    <a:masterClrMapping/>
+  </p:clrMapOvr>
+</p:sld>
+</file>
+
+<file path=ppt/slides/slide18.xml><?xml version="1.0" encoding="utf-8"?>
+<p:sld xmlns:a="http://schemas.openxmlformats.org/drawingml/2006/main" xmlns:r="http://schemas.openxmlformats.org/officeDocument/2006/relationships" xmlns:p="http://schemas.openxmlformats.org/presentationml/2006/main">
+  <p:cSld>
+    <p:spTree>
+      <p:nvGrpSpPr>
+        <p:cNvPr id="1" name=""/>
+        <p:cNvGrpSpPr/>
+        <p:nvPr/>
+      </p:nvGrpSpPr>
+      <p:grpSpPr>
+        <a:xfrm>
+          <a:off x="0" y="0"/>
+          <a:ext cx="0" cy="0"/>
+          <a:chOff x="0" y="0"/>
+          <a:chExt cx="0" cy="0"/>
+        </a:xfrm>
+      </p:grpSpPr>
+      <p:sp>
+        <p:nvSpPr>
+          <p:cNvPr id="3" name="Marcador de contenido 2">
+            <a:extLst>
+              <a:ext uri="{FF2B5EF4-FFF2-40B4-BE49-F238E27FC236}">
+                <a16:creationId xmlns:a16="http://schemas.microsoft.com/office/drawing/2014/main" id="{0B457624-6F6B-4195-9F7F-44ACC4C206B2}"/>
+              </a:ext>
+            </a:extLst>
+          </p:cNvPr>
+          <p:cNvSpPr>
+            <a:spLocks noGrp="1"/>
+          </p:cNvSpPr>
+          <p:nvPr>
+            <p:ph idx="1"/>
+          </p:nvPr>
+        </p:nvSpPr>
+        <p:spPr/>
+        <p:txBody>
+          <a:bodyPr/>
+          <a:lstStyle/>
+          <a:p>
+            <a:r>
+              <a:rPr lang="es-ES" dirty="0"/>
+              <a:t>¿Qué es la correlación entre variables?</a:t>
+            </a:r>
+          </a:p>
+          <a:p>
+            <a:pPr lvl="1"/>
+            <a:r>
+              <a:rPr lang="es-ES" dirty="0"/>
+              <a:t>Formulación de los coeficientes más comunes</a:t>
+            </a:r>
+          </a:p>
+          <a:p>
+            <a:pPr lvl="1"/>
+            <a:r>
+              <a:rPr lang="es-ES" dirty="0"/>
+              <a:t>Significancia</a:t>
+            </a:r>
+          </a:p>
+          <a:p>
+            <a:endParaRPr lang="es-ES" dirty="0"/>
+          </a:p>
+          <a:p>
+            <a:r>
+              <a:rPr lang="es-ES" dirty="0"/>
+              <a:t>¿Qué es la covarianza entre variables?</a:t>
+            </a:r>
+          </a:p>
+          <a:p>
+            <a:pPr lvl="1"/>
+            <a:r>
+              <a:rPr lang="es-ES" dirty="0"/>
+              <a:t>Formulación de los coeficientes más comunes</a:t>
+            </a:r>
+          </a:p>
+          <a:p>
+            <a:pPr lvl="1"/>
+            <a:r>
+              <a:rPr lang="es-ES" dirty="0"/>
+              <a:t>Significancia</a:t>
+            </a:r>
+          </a:p>
+          <a:p>
+            <a:pPr marL="457200" lvl="1" indent="0">
+              <a:buNone/>
+            </a:pPr>
+            <a:endParaRPr lang="es-ES" dirty="0"/>
+          </a:p>
+          <a:p>
+            <a:r>
+              <a:rPr lang="es-ES" dirty="0"/>
+              <a:t>Correlación vs Covarianza</a:t>
+            </a:r>
+          </a:p>
+          <a:p>
+            <a:endParaRPr lang="es-ES" dirty="0"/>
+          </a:p>
+        </p:txBody>
+      </p:sp>
+      <p:sp>
+        <p:nvSpPr>
+          <p:cNvPr id="4" name="Título 1">
+            <a:extLst>
+              <a:ext uri="{FF2B5EF4-FFF2-40B4-BE49-F238E27FC236}">
+                <a16:creationId xmlns:a16="http://schemas.microsoft.com/office/drawing/2014/main" id="{465A879F-5A44-4D61-A060-B5F31DADD7D0}"/>
+              </a:ext>
+            </a:extLst>
+          </p:cNvPr>
+          <p:cNvSpPr>
+            <a:spLocks noGrp="1"/>
+          </p:cNvSpPr>
+          <p:nvPr>
+            <p:ph type="title"/>
+          </p:nvPr>
+        </p:nvSpPr>
+        <p:spPr>
+          <a:xfrm>
+            <a:off x="838200" y="365125"/>
+            <a:ext cx="10515600" cy="1325563"/>
+          </a:xfrm>
+        </p:spPr>
+        <p:txBody>
+          <a:bodyPr/>
+          <a:lstStyle/>
+          <a:p>
+            <a:r>
+              <a:rPr lang="en-GB" dirty="0" err="1"/>
+              <a:t>Correlación</a:t>
+            </a:r>
+            <a:r>
+              <a:rPr lang="en-GB" dirty="0"/>
+              <a:t> y </a:t>
+            </a:r>
+            <a:r>
+              <a:rPr lang="en-GB" dirty="0" err="1"/>
+              <a:t>Covarianza</a:t>
+            </a:r>
+            <a:endParaRPr lang="en-GB" dirty="0"/>
+          </a:p>
+        </p:txBody>
+      </p:sp>
+    </p:spTree>
+    <p:extLst>
+      <p:ext uri="{BB962C8B-B14F-4D97-AF65-F5344CB8AC3E}">
+        <p14:creationId xmlns:p14="http://schemas.microsoft.com/office/powerpoint/2010/main" val="1548655069"/>
+      </p:ext>
+    </p:extLst>
+  </p:cSld>
+  <p:clrMapOvr>
+    <a:masterClrMapping/>
+  </p:clrMapOvr>
+</p:sld>
+</file>
+
+<file path=ppt/slides/slide19.xml><?xml version="1.0" encoding="utf-8"?>
+<p:sld xmlns:a="http://schemas.openxmlformats.org/drawingml/2006/main" xmlns:r="http://schemas.openxmlformats.org/officeDocument/2006/relationships" xmlns:p="http://schemas.openxmlformats.org/presentationml/2006/main">
+  <p:cSld>
+    <p:spTree>
+      <p:nvGrpSpPr>
+        <p:cNvPr id="1" name=""/>
+        <p:cNvGrpSpPr/>
+        <p:nvPr/>
+      </p:nvGrpSpPr>
+      <p:grpSpPr>
+        <a:xfrm>
+          <a:off x="0" y="0"/>
+          <a:ext cx="0" cy="0"/>
+          <a:chOff x="0" y="0"/>
+          <a:chExt cx="0" cy="0"/>
+        </a:xfrm>
+      </p:grpSpPr>
+      <p:sp>
+        <p:nvSpPr>
           <p:cNvPr id="2" name="Título 1"/>
           <p:cNvSpPr>
             <a:spLocks noGrp="1"/>
@@ -13918,7 +14836,233 @@
 </p:sld>
 </file>
 
-<file path=ppt/slides/slide17.xml><?xml version="1.0" encoding="utf-8"?>
+<file path=ppt/slides/slide2.xml><?xml version="1.0" encoding="utf-8"?>
+<p:sld xmlns:a="http://schemas.openxmlformats.org/drawingml/2006/main" xmlns:r="http://schemas.openxmlformats.org/officeDocument/2006/relationships" xmlns:p="http://schemas.openxmlformats.org/presentationml/2006/main">
+  <p:cSld>
+    <p:spTree>
+      <p:nvGrpSpPr>
+        <p:cNvPr id="1" name=""/>
+        <p:cNvGrpSpPr/>
+        <p:nvPr/>
+      </p:nvGrpSpPr>
+      <p:grpSpPr>
+        <a:xfrm>
+          <a:off x="0" y="0"/>
+          <a:ext cx="0" cy="0"/>
+          <a:chOff x="0" y="0"/>
+          <a:chExt cx="0" cy="0"/>
+        </a:xfrm>
+      </p:grpSpPr>
+      <p:sp>
+        <p:nvSpPr>
+          <p:cNvPr id="2" name="Título 1">
+            <a:extLst>
+              <a:ext uri="{FF2B5EF4-FFF2-40B4-BE49-F238E27FC236}">
+                <a16:creationId xmlns:a16="http://schemas.microsoft.com/office/drawing/2014/main" id="{E6F876DF-B3E3-43EA-B556-5A0D56EBFC87}"/>
+              </a:ext>
+            </a:extLst>
+          </p:cNvPr>
+          <p:cNvSpPr>
+            <a:spLocks noGrp="1"/>
+          </p:cNvSpPr>
+          <p:nvPr>
+            <p:ph type="title"/>
+          </p:nvPr>
+        </p:nvSpPr>
+        <p:spPr/>
+        <p:txBody>
+          <a:bodyPr/>
+          <a:lstStyle/>
+          <a:p>
+            <a:r>
+              <a:rPr lang="es-ES" dirty="0"/>
+              <a:t>Introducción General</a:t>
+            </a:r>
+            <a:endParaRPr lang="en-GB" dirty="0"/>
+          </a:p>
+        </p:txBody>
+      </p:sp>
+      <p:sp>
+        <p:nvSpPr>
+          <p:cNvPr id="17" name="Marcador de contenido 16">
+            <a:extLst>
+              <a:ext uri="{FF2B5EF4-FFF2-40B4-BE49-F238E27FC236}">
+                <a16:creationId xmlns:a16="http://schemas.microsoft.com/office/drawing/2014/main" id="{803D551A-E37E-40C9-B653-44E77665497E}"/>
+              </a:ext>
+            </a:extLst>
+          </p:cNvPr>
+          <p:cNvSpPr>
+            <a:spLocks noGrp="1"/>
+          </p:cNvSpPr>
+          <p:nvPr>
+            <p:ph idx="1"/>
+          </p:nvPr>
+        </p:nvSpPr>
+        <p:spPr/>
+        <p:txBody>
+          <a:bodyPr>
+            <a:normAutofit fontScale="77500" lnSpcReduction="20000"/>
+          </a:bodyPr>
+          <a:lstStyle/>
+          <a:p>
+            <a:r>
+              <a:rPr lang="es-ES" dirty="0"/>
+              <a:t>La tecnología evoluciona. En 2021…</a:t>
+            </a:r>
+          </a:p>
+          <a:p>
+            <a:pPr lvl="1"/>
+            <a:r>
+              <a:rPr lang="es-ES" dirty="0"/>
+              <a:t>Los sistemas de monitorización y control son capaces de entregar grandes volúmenes de información</a:t>
+            </a:r>
+          </a:p>
+          <a:p>
+            <a:pPr lvl="1"/>
+            <a:r>
+              <a:rPr lang="en-GB" dirty="0" err="1"/>
+              <a:t>Existen</a:t>
+            </a:r>
+            <a:r>
+              <a:rPr lang="en-GB" dirty="0"/>
+              <a:t> </a:t>
+            </a:r>
+            <a:r>
+              <a:rPr lang="en-GB" dirty="0" err="1"/>
+              <a:t>herramientas</a:t>
+            </a:r>
+            <a:r>
+              <a:rPr lang="en-GB" dirty="0"/>
+              <a:t> de </a:t>
+            </a:r>
+            <a:r>
+              <a:rPr lang="en-GB" dirty="0" err="1"/>
+              <a:t>análisis</a:t>
+            </a:r>
+            <a:r>
+              <a:rPr lang="en-GB" dirty="0"/>
+              <a:t> </a:t>
+            </a:r>
+            <a:r>
+              <a:rPr lang="en-GB" dirty="0" err="1"/>
+              <a:t>avanzadas</a:t>
+            </a:r>
+            <a:endParaRPr lang="en-GB" dirty="0"/>
+          </a:p>
+          <a:p>
+            <a:r>
+              <a:rPr lang="en-GB" dirty="0"/>
+              <a:t>Las </a:t>
+            </a:r>
+            <a:r>
+              <a:rPr lang="en-GB" dirty="0" err="1"/>
+              <a:t>aplicaciones</a:t>
+            </a:r>
+            <a:r>
+              <a:rPr lang="en-GB" dirty="0"/>
+              <a:t> </a:t>
+            </a:r>
+            <a:r>
+              <a:rPr lang="en-GB" dirty="0" err="1"/>
+              <a:t>energéticas</a:t>
+            </a:r>
+            <a:r>
+              <a:rPr lang="en-GB" dirty="0"/>
+              <a:t> </a:t>
+            </a:r>
+            <a:r>
+              <a:rPr lang="en-GB" dirty="0" err="1"/>
+              <a:t>evolucionan</a:t>
+            </a:r>
+            <a:endParaRPr lang="en-GB" dirty="0"/>
+          </a:p>
+          <a:p>
+            <a:pPr lvl="1"/>
+            <a:r>
+              <a:rPr lang="es-ES" dirty="0"/>
+              <a:t>Relevancia creciente de la variabilidad en el precio de la energía (eléctrica)</a:t>
+            </a:r>
+          </a:p>
+          <a:p>
+            <a:pPr lvl="1"/>
+            <a:r>
+              <a:rPr lang="es-ES" dirty="0"/>
+              <a:t>Diseño cada vez más ajustado de los sistemas de producción y distribución de energía al consumo previsto</a:t>
+            </a:r>
+          </a:p>
+          <a:p>
+            <a:pPr lvl="1"/>
+            <a:r>
+              <a:rPr lang="es-ES" dirty="0"/>
+              <a:t>Mercado incipiente de los servicios energéticos y/o de flexibilidad.</a:t>
+            </a:r>
+          </a:p>
+          <a:p>
+            <a:r>
+              <a:rPr lang="es-ES" dirty="0"/>
+              <a:t>Es necesario reenfocar los estudios energéticos</a:t>
+            </a:r>
+          </a:p>
+          <a:p>
+            <a:pPr lvl="1"/>
+            <a:r>
+              <a:rPr lang="es-ES" dirty="0"/>
+              <a:t>Complementar los procesos de diseño, modelado y dimensionamiento</a:t>
+            </a:r>
+          </a:p>
+          <a:p>
+            <a:pPr lvl="1"/>
+            <a:r>
+              <a:rPr lang="es-ES" dirty="0"/>
+              <a:t>Introducir un enfoque basado en datos</a:t>
+            </a:r>
+          </a:p>
+          <a:p>
+            <a:pPr lvl="1"/>
+            <a:endParaRPr lang="en-GB" dirty="0"/>
+          </a:p>
+          <a:p>
+            <a:pPr marL="0" indent="0">
+              <a:buNone/>
+            </a:pPr>
+            <a:r>
+              <a:rPr lang="en-GB" i="1" dirty="0" err="1"/>
+              <a:t>Empecemos</a:t>
+            </a:r>
+            <a:r>
+              <a:rPr lang="en-GB" i="1" dirty="0"/>
+              <a:t> por un </a:t>
+            </a:r>
+            <a:r>
+              <a:rPr lang="en-GB" i="1" dirty="0" err="1"/>
+              <a:t>pequeño</a:t>
+            </a:r>
+            <a:r>
+              <a:rPr lang="en-GB" i="1" dirty="0"/>
+              <a:t> </a:t>
+            </a:r>
+            <a:r>
+              <a:rPr lang="en-GB" i="1" dirty="0" err="1"/>
+              <a:t>seminario</a:t>
+            </a:r>
+            <a:endParaRPr lang="en-GB" i="1" dirty="0"/>
+          </a:p>
+        </p:txBody>
+      </p:sp>
+    </p:spTree>
+    <p:extLst>
+      <p:ext uri="{BB962C8B-B14F-4D97-AF65-F5344CB8AC3E}">
+        <p14:creationId xmlns:p14="http://schemas.microsoft.com/office/powerpoint/2010/main" val="1524550474"/>
+      </p:ext>
+    </p:extLst>
+  </p:cSld>
+  <p:clrMapOvr>
+    <a:masterClrMapping/>
+  </p:clrMapOvr>
+</p:sld>
+</file>
+
+<file path=ppt/slides/slide20.xml><?xml version="1.0" encoding="utf-8"?>
 <p:sld xmlns:a="http://schemas.openxmlformats.org/drawingml/2006/main" xmlns:r="http://schemas.openxmlformats.org/officeDocument/2006/relationships" xmlns:p="http://schemas.openxmlformats.org/presentationml/2006/main">
   <p:cSld>
     <p:spTree>
@@ -14121,7 +15265,7 @@
 </p:sld>
 </file>
 
-<file path=ppt/slides/slide18.xml><?xml version="1.0" encoding="utf-8"?>
+<file path=ppt/slides/slide21.xml><?xml version="1.0" encoding="utf-8"?>
 <p:sld xmlns:a="http://schemas.openxmlformats.org/drawingml/2006/main" xmlns:r="http://schemas.openxmlformats.org/officeDocument/2006/relationships" xmlns:p="http://schemas.openxmlformats.org/presentationml/2006/main">
   <p:cSld>
     <p:spTree>
@@ -14283,7 +15427,7 @@
 </p:sld>
 </file>
 
-<file path=ppt/slides/slide19.xml><?xml version="1.0" encoding="utf-8"?>
+<file path=ppt/slides/slide22.xml><?xml version="1.0" encoding="utf-8"?>
 <p:sld xmlns:a="http://schemas.openxmlformats.org/drawingml/2006/main" xmlns:r="http://schemas.openxmlformats.org/officeDocument/2006/relationships" xmlns:p="http://schemas.openxmlformats.org/presentationml/2006/main">
   <p:cSld>
     <p:spTree>
@@ -14348,7 +15492,11 @@
           <a:p>
             <a:r>
               <a:rPr lang="es-ES" dirty="0"/>
-              <a:t>Coeficiente de correlación de Pearson</a:t>
+              <a:t>Coeficiente de correlación de Pearson: </a:t>
+            </a:r>
+            <a:r>
+              <a:rPr lang="es-ES" b="1" u="sng" dirty="0"/>
+              <a:t>Grado de correlación</a:t>
             </a:r>
           </a:p>
           <a:p>
@@ -14385,7 +15533,7 @@
         </p:blipFill>
         <p:spPr bwMode="auto">
           <a:xfrm>
-            <a:off x="459913" y="3326525"/>
+            <a:off x="208299" y="3173102"/>
             <a:ext cx="3897173" cy="2092928"/>
           </a:xfrm>
           <a:prstGeom prst="rect">
@@ -14419,7 +15567,7 @@
         </p:blipFill>
         <p:spPr>
           <a:xfrm>
-            <a:off x="4735373" y="3013916"/>
+            <a:off x="4778331" y="3000597"/>
             <a:ext cx="6764333" cy="2718145"/>
           </a:xfrm>
           <a:prstGeom prst="rect">
@@ -14456,6 +15604,81 @@
           </a:p>
         </p:txBody>
       </p:sp>
+      <p:sp>
+        <p:nvSpPr>
+          <p:cNvPr id="4" name="CuadroTexto 3">
+            <a:extLst>
+              <a:ext uri="{FF2B5EF4-FFF2-40B4-BE49-F238E27FC236}">
+                <a16:creationId xmlns:a16="http://schemas.microsoft.com/office/drawing/2014/main" id="{C18279FC-07AF-4B94-86AA-B26F9D420A07}"/>
+              </a:ext>
+            </a:extLst>
+          </p:cNvPr>
+          <p:cNvSpPr txBox="1"/>
+          <p:nvPr/>
+        </p:nvSpPr>
+        <p:spPr>
+          <a:xfrm>
+            <a:off x="2813775" y="6161459"/>
+            <a:ext cx="3430534" cy="369332"/>
+          </a:xfrm>
+          <a:prstGeom prst="rect">
+            <a:avLst/>
+          </a:prstGeom>
+          <a:noFill/>
+        </p:spPr>
+        <p:txBody>
+          <a:bodyPr wrap="square" rtlCol="0">
+            <a:spAutoFit/>
+          </a:bodyPr>
+          <a:lstStyle/>
+          <a:p>
+            <a:pPr algn="ctr"/>
+            <a:r>
+              <a:rPr lang="es-ES" dirty="0"/>
+              <a:t>En valor absoluto</a:t>
+            </a:r>
+          </a:p>
+        </p:txBody>
+      </p:sp>
+      <p:cxnSp>
+        <p:nvCxnSpPr>
+          <p:cNvPr id="8" name="Conector recto de flecha 7">
+            <a:extLst>
+              <a:ext uri="{FF2B5EF4-FFF2-40B4-BE49-F238E27FC236}">
+                <a16:creationId xmlns:a16="http://schemas.microsoft.com/office/drawing/2014/main" id="{C7031067-B166-4A57-A302-0AC1AF053D4E}"/>
+              </a:ext>
+            </a:extLst>
+          </p:cNvPr>
+          <p:cNvCxnSpPr/>
+          <p:nvPr/>
+        </p:nvCxnSpPr>
+        <p:spPr>
+          <a:xfrm flipV="1">
+            <a:off x="4529042" y="5081364"/>
+            <a:ext cx="249289" cy="1073959"/>
+          </a:xfrm>
+          <a:prstGeom prst="straightConnector1">
+            <a:avLst/>
+          </a:prstGeom>
+          <a:ln>
+            <a:tailEnd type="triangle"/>
+          </a:ln>
+        </p:spPr>
+        <p:style>
+          <a:lnRef idx="1">
+            <a:schemeClr val="accent1"/>
+          </a:lnRef>
+          <a:fillRef idx="0">
+            <a:schemeClr val="accent1"/>
+          </a:fillRef>
+          <a:effectRef idx="0">
+            <a:schemeClr val="accent1"/>
+          </a:effectRef>
+          <a:fontRef idx="minor">
+            <a:schemeClr val="tx1"/>
+          </a:fontRef>
+        </p:style>
+      </p:cxnSp>
     </p:spTree>
     <p:extLst>
       <p:ext uri="{BB962C8B-B14F-4D97-AF65-F5344CB8AC3E}">
@@ -14469,233 +15692,7 @@
 </p:sld>
 </file>
 
-<file path=ppt/slides/slide2.xml><?xml version="1.0" encoding="utf-8"?>
-<p:sld xmlns:a="http://schemas.openxmlformats.org/drawingml/2006/main" xmlns:r="http://schemas.openxmlformats.org/officeDocument/2006/relationships" xmlns:p="http://schemas.openxmlformats.org/presentationml/2006/main">
-  <p:cSld>
-    <p:spTree>
-      <p:nvGrpSpPr>
-        <p:cNvPr id="1" name=""/>
-        <p:cNvGrpSpPr/>
-        <p:nvPr/>
-      </p:nvGrpSpPr>
-      <p:grpSpPr>
-        <a:xfrm>
-          <a:off x="0" y="0"/>
-          <a:ext cx="0" cy="0"/>
-          <a:chOff x="0" y="0"/>
-          <a:chExt cx="0" cy="0"/>
-        </a:xfrm>
-      </p:grpSpPr>
-      <p:sp>
-        <p:nvSpPr>
-          <p:cNvPr id="2" name="Título 1">
-            <a:extLst>
-              <a:ext uri="{FF2B5EF4-FFF2-40B4-BE49-F238E27FC236}">
-                <a16:creationId xmlns:a16="http://schemas.microsoft.com/office/drawing/2014/main" id="{E6F876DF-B3E3-43EA-B556-5A0D56EBFC87}"/>
-              </a:ext>
-            </a:extLst>
-          </p:cNvPr>
-          <p:cNvSpPr>
-            <a:spLocks noGrp="1"/>
-          </p:cNvSpPr>
-          <p:nvPr>
-            <p:ph type="title"/>
-          </p:nvPr>
-        </p:nvSpPr>
-        <p:spPr/>
-        <p:txBody>
-          <a:bodyPr/>
-          <a:lstStyle/>
-          <a:p>
-            <a:r>
-              <a:rPr lang="es-ES" dirty="0"/>
-              <a:t>Introducción General</a:t>
-            </a:r>
-            <a:endParaRPr lang="en-GB" dirty="0"/>
-          </a:p>
-        </p:txBody>
-      </p:sp>
-      <p:sp>
-        <p:nvSpPr>
-          <p:cNvPr id="17" name="Marcador de contenido 16">
-            <a:extLst>
-              <a:ext uri="{FF2B5EF4-FFF2-40B4-BE49-F238E27FC236}">
-                <a16:creationId xmlns:a16="http://schemas.microsoft.com/office/drawing/2014/main" id="{803D551A-E37E-40C9-B653-44E77665497E}"/>
-              </a:ext>
-            </a:extLst>
-          </p:cNvPr>
-          <p:cNvSpPr>
-            <a:spLocks noGrp="1"/>
-          </p:cNvSpPr>
-          <p:nvPr>
-            <p:ph idx="1"/>
-          </p:nvPr>
-        </p:nvSpPr>
-        <p:spPr/>
-        <p:txBody>
-          <a:bodyPr>
-            <a:normAutofit fontScale="77500" lnSpcReduction="20000"/>
-          </a:bodyPr>
-          <a:lstStyle/>
-          <a:p>
-            <a:r>
-              <a:rPr lang="es-ES" dirty="0"/>
-              <a:t>La tecnología evoluciona. En 2021…</a:t>
-            </a:r>
-          </a:p>
-          <a:p>
-            <a:pPr lvl="1"/>
-            <a:r>
-              <a:rPr lang="es-ES" dirty="0"/>
-              <a:t>Los sistemas de monitorización y control son capaces de entregar grandes volúmenes de información</a:t>
-            </a:r>
-          </a:p>
-          <a:p>
-            <a:pPr lvl="1"/>
-            <a:r>
-              <a:rPr lang="en-GB" dirty="0" err="1"/>
-              <a:t>Existen</a:t>
-            </a:r>
-            <a:r>
-              <a:rPr lang="en-GB" dirty="0"/>
-              <a:t> </a:t>
-            </a:r>
-            <a:r>
-              <a:rPr lang="en-GB" dirty="0" err="1"/>
-              <a:t>herramientas</a:t>
-            </a:r>
-            <a:r>
-              <a:rPr lang="en-GB" dirty="0"/>
-              <a:t> de </a:t>
-            </a:r>
-            <a:r>
-              <a:rPr lang="en-GB" dirty="0" err="1"/>
-              <a:t>análisis</a:t>
-            </a:r>
-            <a:r>
-              <a:rPr lang="en-GB" dirty="0"/>
-              <a:t> </a:t>
-            </a:r>
-            <a:r>
-              <a:rPr lang="en-GB" dirty="0" err="1"/>
-              <a:t>avanzadas</a:t>
-            </a:r>
-            <a:endParaRPr lang="en-GB" dirty="0"/>
-          </a:p>
-          <a:p>
-            <a:r>
-              <a:rPr lang="en-GB" dirty="0"/>
-              <a:t>Las </a:t>
-            </a:r>
-            <a:r>
-              <a:rPr lang="en-GB" dirty="0" err="1"/>
-              <a:t>aplicaciones</a:t>
-            </a:r>
-            <a:r>
-              <a:rPr lang="en-GB" dirty="0"/>
-              <a:t> </a:t>
-            </a:r>
-            <a:r>
-              <a:rPr lang="en-GB" dirty="0" err="1"/>
-              <a:t>energéticas</a:t>
-            </a:r>
-            <a:r>
-              <a:rPr lang="en-GB" dirty="0"/>
-              <a:t> </a:t>
-            </a:r>
-            <a:r>
-              <a:rPr lang="en-GB" dirty="0" err="1"/>
-              <a:t>evolucionan</a:t>
-            </a:r>
-            <a:endParaRPr lang="en-GB" dirty="0"/>
-          </a:p>
-          <a:p>
-            <a:pPr lvl="1"/>
-            <a:r>
-              <a:rPr lang="es-ES" dirty="0"/>
-              <a:t>Relevancia creciente de la variabilidad en el precio de la energía (eléctrica)</a:t>
-            </a:r>
-          </a:p>
-          <a:p>
-            <a:pPr lvl="1"/>
-            <a:r>
-              <a:rPr lang="es-ES" dirty="0"/>
-              <a:t>Diseño cada vez más ajustado de los sistemas de producción y distribución de energía al consumo previsto</a:t>
-            </a:r>
-          </a:p>
-          <a:p>
-            <a:pPr lvl="1"/>
-            <a:r>
-              <a:rPr lang="es-ES" dirty="0"/>
-              <a:t>Mercado incipiente de los servicios energéticos y/o de flexibilidad.</a:t>
-            </a:r>
-          </a:p>
-          <a:p>
-            <a:r>
-              <a:rPr lang="es-ES" dirty="0"/>
-              <a:t>Es necesario reenfocar los estudios energéticos</a:t>
-            </a:r>
-          </a:p>
-          <a:p>
-            <a:pPr lvl="1"/>
-            <a:r>
-              <a:rPr lang="es-ES" dirty="0"/>
-              <a:t>Complementar los procesos de diseño, modelado y dimensionamiento</a:t>
-            </a:r>
-          </a:p>
-          <a:p>
-            <a:pPr lvl="1"/>
-            <a:r>
-              <a:rPr lang="es-ES" dirty="0"/>
-              <a:t>Introducir un enfoque basado en datos</a:t>
-            </a:r>
-          </a:p>
-          <a:p>
-            <a:pPr lvl="1"/>
-            <a:endParaRPr lang="en-GB" dirty="0"/>
-          </a:p>
-          <a:p>
-            <a:pPr marL="0" indent="0">
-              <a:buNone/>
-            </a:pPr>
-            <a:r>
-              <a:rPr lang="en-GB" i="1" dirty="0" err="1"/>
-              <a:t>Empecemos</a:t>
-            </a:r>
-            <a:r>
-              <a:rPr lang="en-GB" i="1" dirty="0"/>
-              <a:t> por un </a:t>
-            </a:r>
-            <a:r>
-              <a:rPr lang="en-GB" i="1" dirty="0" err="1"/>
-              <a:t>pequeño</a:t>
-            </a:r>
-            <a:r>
-              <a:rPr lang="en-GB" i="1" dirty="0"/>
-              <a:t> </a:t>
-            </a:r>
-            <a:r>
-              <a:rPr lang="en-GB" i="1" dirty="0" err="1"/>
-              <a:t>seminario</a:t>
-            </a:r>
-            <a:endParaRPr lang="en-GB" i="1" dirty="0"/>
-          </a:p>
-        </p:txBody>
-      </p:sp>
-    </p:spTree>
-    <p:extLst>
-      <p:ext uri="{BB962C8B-B14F-4D97-AF65-F5344CB8AC3E}">
-        <p14:creationId xmlns:p14="http://schemas.microsoft.com/office/powerpoint/2010/main" val="1524550474"/>
-      </p:ext>
-    </p:extLst>
-  </p:cSld>
-  <p:clrMapOvr>
-    <a:masterClrMapping/>
-  </p:clrMapOvr>
-</p:sld>
-</file>
-
-<file path=ppt/slides/slide20.xml><?xml version="1.0" encoding="utf-8"?>
+<file path=ppt/slides/slide23.xml><?xml version="1.0" encoding="utf-8"?>
 <p:sld xmlns:a="http://schemas.openxmlformats.org/drawingml/2006/main" xmlns:r="http://schemas.openxmlformats.org/officeDocument/2006/relationships" xmlns:p="http://schemas.openxmlformats.org/presentationml/2006/main">
   <p:cSld>
     <p:spTree>
@@ -14808,7 +15805,7 @@
 </p:sld>
 </file>
 
-<file path=ppt/slides/slide21.xml><?xml version="1.0" encoding="utf-8"?>
+<file path=ppt/slides/slide24.xml><?xml version="1.0" encoding="utf-8"?>
 <p:sld xmlns:a="http://schemas.openxmlformats.org/drawingml/2006/main" xmlns:r="http://schemas.openxmlformats.org/officeDocument/2006/relationships" xmlns:p="http://schemas.openxmlformats.org/presentationml/2006/main">
   <p:cSld>
     <p:spTree>
@@ -14967,7 +15964,7 @@
 </p:sld>
 </file>
 
-<file path=ppt/slides/slide22.xml><?xml version="1.0" encoding="utf-8"?>
+<file path=ppt/slides/slide25.xml><?xml version="1.0" encoding="utf-8"?>
 <p:sld xmlns:a="http://schemas.openxmlformats.org/drawingml/2006/main" xmlns:r="http://schemas.openxmlformats.org/officeDocument/2006/relationships" xmlns:p="http://schemas.openxmlformats.org/presentationml/2006/main">
   <p:cSld>
     <p:spTree>
@@ -15207,7 +16204,7 @@
 </p:sld>
 </file>
 
-<file path=ppt/slides/slide23.xml><?xml version="1.0" encoding="utf-8"?>
+<file path=ppt/slides/slide26.xml><?xml version="1.0" encoding="utf-8"?>
 <p:sld xmlns:a="http://schemas.openxmlformats.org/drawingml/2006/main" xmlns:r="http://schemas.openxmlformats.org/officeDocument/2006/relationships" xmlns:p="http://schemas.openxmlformats.org/presentationml/2006/main">
   <p:cSld>
     <p:spTree>
@@ -15387,7 +16384,7 @@
 </p:sld>
 </file>
 
-<file path=ppt/slides/slide24.xml><?xml version="1.0" encoding="utf-8"?>
+<file path=ppt/slides/slide27.xml><?xml version="1.0" encoding="utf-8"?>
 <p:sld xmlns:a="http://schemas.openxmlformats.org/drawingml/2006/main" xmlns:r="http://schemas.openxmlformats.org/officeDocument/2006/relationships" xmlns:p="http://schemas.openxmlformats.org/presentationml/2006/main">
   <p:cSld>
     <p:spTree>
@@ -15543,7 +16540,7 @@
 </p:sld>
 </file>
 
-<file path=ppt/slides/slide25.xml><?xml version="1.0" encoding="utf-8"?>
+<file path=ppt/slides/slide28.xml><?xml version="1.0" encoding="utf-8"?>
 <p:sld xmlns:a="http://schemas.openxmlformats.org/drawingml/2006/main" xmlns:r="http://schemas.openxmlformats.org/officeDocument/2006/relationships" xmlns:p="http://schemas.openxmlformats.org/presentationml/2006/main">
   <p:cSld>
     <p:spTree>
@@ -15926,7 +16923,7 @@
 </p:sld>
 </file>
 
-<file path=ppt/slides/slide26.xml><?xml version="1.0" encoding="utf-8"?>
+<file path=ppt/slides/slide29.xml><?xml version="1.0" encoding="utf-8"?>
 <p:sld xmlns:a="http://schemas.openxmlformats.org/drawingml/2006/main" xmlns:r="http://schemas.openxmlformats.org/officeDocument/2006/relationships" xmlns:p="http://schemas.openxmlformats.org/presentationml/2006/main">
   <p:cSld>
     <p:spTree>
@@ -16092,7 +17089,144 @@
 </p:sld>
 </file>
 
-<file path=ppt/slides/slide27.xml><?xml version="1.0" encoding="utf-8"?>
+<file path=ppt/slides/slide3.xml><?xml version="1.0" encoding="utf-8"?>
+<p:sld xmlns:a="http://schemas.openxmlformats.org/drawingml/2006/main" xmlns:r="http://schemas.openxmlformats.org/officeDocument/2006/relationships" xmlns:p="http://schemas.openxmlformats.org/presentationml/2006/main">
+  <p:cSld>
+    <p:spTree>
+      <p:nvGrpSpPr>
+        <p:cNvPr id="1" name=""/>
+        <p:cNvGrpSpPr/>
+        <p:nvPr/>
+      </p:nvGrpSpPr>
+      <p:grpSpPr>
+        <a:xfrm>
+          <a:off x="0" y="0"/>
+          <a:ext cx="0" cy="0"/>
+          <a:chOff x="0" y="0"/>
+          <a:chExt cx="0" cy="0"/>
+        </a:xfrm>
+      </p:grpSpPr>
+      <p:sp>
+        <p:nvSpPr>
+          <p:cNvPr id="2" name="Título 1"/>
+          <p:cNvSpPr>
+            <a:spLocks noGrp="1"/>
+          </p:cNvSpPr>
+          <p:nvPr>
+            <p:ph type="title"/>
+          </p:nvPr>
+        </p:nvSpPr>
+        <p:spPr/>
+        <p:txBody>
+          <a:bodyPr/>
+          <a:lstStyle/>
+          <a:p>
+            <a:r>
+              <a:rPr lang="es-ES" dirty="0"/>
+              <a:t>Objetivos</a:t>
+            </a:r>
+            <a:endParaRPr lang="en-GB" dirty="0"/>
+          </a:p>
+        </p:txBody>
+      </p:sp>
+      <p:sp>
+        <p:nvSpPr>
+          <p:cNvPr id="4" name="Marcador de contenido 3">
+            <a:extLst>
+              <a:ext uri="{FF2B5EF4-FFF2-40B4-BE49-F238E27FC236}">
+                <a16:creationId xmlns:a16="http://schemas.microsoft.com/office/drawing/2014/main" id="{FAAEBB48-7A95-45B0-8B83-C465E7AE57F8}"/>
+              </a:ext>
+            </a:extLst>
+          </p:cNvPr>
+          <p:cNvSpPr>
+            <a:spLocks noGrp="1"/>
+          </p:cNvSpPr>
+          <p:nvPr>
+            <p:ph idx="1"/>
+          </p:nvPr>
+        </p:nvSpPr>
+        <p:spPr/>
+        <p:txBody>
+          <a:bodyPr>
+            <a:normAutofit fontScale="70000" lnSpcReduction="20000"/>
+          </a:bodyPr>
+          <a:lstStyle/>
+          <a:p>
+            <a:r>
+              <a:rPr lang="es-ES" dirty="0"/>
+              <a:t>Comprender las cargas térmicas en la edificación y sus dinámicas principales</a:t>
+            </a:r>
+          </a:p>
+          <a:p>
+            <a:r>
+              <a:rPr lang="es-ES" dirty="0"/>
+              <a:t>Introducir el concepto de Medida y Verificación de ahorros energéticos</a:t>
+            </a:r>
+          </a:p>
+          <a:p>
+            <a:r>
+              <a:rPr lang="es-ES" dirty="0"/>
+              <a:t>Disponer de herramientas para la realización de análisis de datos</a:t>
+            </a:r>
+          </a:p>
+          <a:p>
+            <a:r>
+              <a:rPr lang="es-ES" dirty="0"/>
+              <a:t>Identificar las variables relevantes y modelar la dependencia de las cargas térmicas frente a las mismas</a:t>
+            </a:r>
+          </a:p>
+          <a:p>
+            <a:r>
+              <a:rPr lang="es-ES" dirty="0"/>
+              <a:t>Conocer los métodos de análisis estadístico y las métricas de error</a:t>
+            </a:r>
+          </a:p>
+          <a:p>
+            <a:r>
+              <a:rPr lang="es-ES" dirty="0"/>
+              <a:t>Introducir distintos métodos de análisis clásicos y modernos</a:t>
+            </a:r>
+          </a:p>
+          <a:p>
+            <a:r>
+              <a:rPr lang="es-ES" dirty="0"/>
+              <a:t>Introducir métodos de clasificación y segmentación de datos</a:t>
+            </a:r>
+          </a:p>
+          <a:p>
+            <a:r>
+              <a:rPr lang="es-ES" dirty="0"/>
+              <a:t>Introducir métodos de detección de errores y reparación de series temporales</a:t>
+            </a:r>
+          </a:p>
+          <a:p>
+            <a:endParaRPr lang="es-ES" dirty="0"/>
+          </a:p>
+          <a:p>
+            <a:pPr marL="0" indent="0">
+              <a:buNone/>
+            </a:pPr>
+            <a:r>
+              <a:rPr lang="es-ES" i="1" dirty="0"/>
+              <a:t>Enunciar los problemas, posibles vías de solución, proporcionar herramientas y referencias útiles</a:t>
+            </a:r>
+          </a:p>
+        </p:txBody>
+      </p:sp>
+    </p:spTree>
+    <p:extLst>
+      <p:ext uri="{BB962C8B-B14F-4D97-AF65-F5344CB8AC3E}">
+        <p14:creationId xmlns:p14="http://schemas.microsoft.com/office/powerpoint/2010/main" val="280258531"/>
+      </p:ext>
+    </p:extLst>
+  </p:cSld>
+  <p:clrMapOvr>
+    <a:masterClrMapping/>
+  </p:clrMapOvr>
+</p:sld>
+</file>
+
+<file path=ppt/slides/slide30.xml><?xml version="1.0" encoding="utf-8"?>
 <p:sld xmlns:a="http://schemas.openxmlformats.org/drawingml/2006/main" xmlns:r="http://schemas.openxmlformats.org/officeDocument/2006/relationships" xmlns:p="http://schemas.openxmlformats.org/presentationml/2006/main">
   <p:cSld>
     <p:spTree>
@@ -16287,7 +17421,7 @@
 </p:sld>
 </file>
 
-<file path=ppt/slides/slide28.xml><?xml version="1.0" encoding="utf-8"?>
+<file path=ppt/slides/slide31.xml><?xml version="1.0" encoding="utf-8"?>
 <p:sld xmlns:a="http://schemas.openxmlformats.org/drawingml/2006/main" xmlns:r="http://schemas.openxmlformats.org/officeDocument/2006/relationships" xmlns:p="http://schemas.openxmlformats.org/presentationml/2006/main">
   <p:cSld>
     <p:spTree>
@@ -16435,7 +17569,7 @@
 </p:sld>
 </file>
 
-<file path=ppt/slides/slide29.xml><?xml version="1.0" encoding="utf-8"?>
+<file path=ppt/slides/slide32.xml><?xml version="1.0" encoding="utf-8"?>
 <p:sld xmlns:a="http://schemas.openxmlformats.org/drawingml/2006/main" xmlns:r="http://schemas.openxmlformats.org/officeDocument/2006/relationships" xmlns:p="http://schemas.openxmlformats.org/presentationml/2006/main">
   <p:cSld>
     <p:spTree>
@@ -16604,7 +17738,7 @@
 </p:sld>
 </file>
 
-<file path=ppt/slides/slide3.xml><?xml version="1.0" encoding="utf-8"?>
+<file path=ppt/slides/slide33.xml><?xml version="1.0" encoding="utf-8"?>
 <p:sld xmlns:a="http://schemas.openxmlformats.org/drawingml/2006/main" xmlns:r="http://schemas.openxmlformats.org/officeDocument/2006/relationships" xmlns:p="http://schemas.openxmlformats.org/presentationml/2006/main">
   <p:cSld>
     <p:spTree>
@@ -16637,22 +17771,24 @@
           <a:lstStyle/>
           <a:p>
             <a:r>
-              <a:rPr lang="es-ES" dirty="0"/>
-              <a:t>Objetivos</a:t>
-            </a:r>
-            <a:endParaRPr lang="en-GB" dirty="0"/>
-          </a:p>
-        </p:txBody>
-      </p:sp>
-      <p:sp>
-        <p:nvSpPr>
-          <p:cNvPr id="4" name="Marcador de contenido 3">
-            <a:extLst>
-              <a:ext uri="{FF2B5EF4-FFF2-40B4-BE49-F238E27FC236}">
-                <a16:creationId xmlns:a16="http://schemas.microsoft.com/office/drawing/2014/main" id="{FAAEBB48-7A95-45B0-8B83-C465E7AE57F8}"/>
-              </a:ext>
-            </a:extLst>
-          </p:cNvPr>
+              <a:rPr lang="en-GB" dirty="0" err="1"/>
+              <a:t>Métricas</a:t>
+            </a:r>
+            <a:r>
+              <a:rPr lang="en-GB" dirty="0"/>
+              <a:t> de Error </a:t>
+            </a:r>
+            <a:r>
+              <a:rPr lang="en-GB" dirty="0" err="1"/>
+              <a:t>Regresión</a:t>
+            </a:r>
+            <a:endParaRPr lang="es-ES" dirty="0"/>
+          </a:p>
+        </p:txBody>
+      </p:sp>
+      <p:sp>
+        <p:nvSpPr>
+          <p:cNvPr id="3" name="Marcador de contenido 2"/>
           <p:cNvSpPr>
             <a:spLocks noGrp="1"/>
           </p:cNvSpPr>
@@ -16662,76 +17798,46 @@
         </p:nvSpPr>
         <p:spPr/>
         <p:txBody>
-          <a:bodyPr>
-            <a:normAutofit fontScale="70000" lnSpcReduction="20000"/>
-          </a:bodyPr>
+          <a:bodyPr/>
           <a:lstStyle/>
-          <a:p>
-            <a:r>
-              <a:rPr lang="es-ES" dirty="0"/>
-              <a:t>Comprender las cargas térmicas en la edificación y sus dinámicas principales</a:t>
-            </a:r>
-          </a:p>
-          <a:p>
-            <a:r>
-              <a:rPr lang="es-ES" dirty="0"/>
-              <a:t>Introducir el concepto de Medida y Verificación de ahorros energéticos</a:t>
-            </a:r>
-          </a:p>
-          <a:p>
-            <a:r>
-              <a:rPr lang="es-ES" dirty="0"/>
-              <a:t>Disponer de herramientas para la realización de análisis de datos</a:t>
-            </a:r>
-          </a:p>
-          <a:p>
-            <a:r>
-              <a:rPr lang="es-ES" dirty="0"/>
-              <a:t>Identificar las variables relevantes y modelar la dependencia de las cargas térmicas frente a las mismas</a:t>
-            </a:r>
-          </a:p>
-          <a:p>
-            <a:r>
-              <a:rPr lang="es-ES" dirty="0"/>
-              <a:t>Conocer los métodos de análisis estadístico y las métricas de error</a:t>
-            </a:r>
-          </a:p>
-          <a:p>
-            <a:r>
-              <a:rPr lang="es-ES" dirty="0"/>
-              <a:t>Introducir distintos métodos de análisis clásicos y modernos</a:t>
-            </a:r>
-          </a:p>
-          <a:p>
-            <a:r>
-              <a:rPr lang="es-ES" dirty="0"/>
-              <a:t>Introducir métodos de clasificación y segmentación de datos</a:t>
-            </a:r>
-          </a:p>
-          <a:p>
-            <a:r>
-              <a:rPr lang="es-ES" dirty="0"/>
-              <a:t>Introducir métodos de detección de errores y reparación de series temporales</a:t>
-            </a:r>
-          </a:p>
-          <a:p>
-            <a:endParaRPr lang="es-ES" dirty="0"/>
-          </a:p>
           <a:p>
             <a:pPr marL="0" indent="0">
               <a:buNone/>
             </a:pPr>
             <a:r>
-              <a:rPr lang="es-ES" i="1" dirty="0"/>
-              <a:t>Enunciar los problemas, posibles vías de solución, proporcionar herramientas y referencias útiles</a:t>
-            </a:r>
+              <a:rPr lang="es-ES" dirty="0"/>
+              <a:t>Existen otras muchas métricas que se adecuan a un tipo de regresión o a otro.</a:t>
+            </a:r>
+          </a:p>
+          <a:p>
+            <a:endParaRPr lang="es-ES" dirty="0"/>
+          </a:p>
+          <a:p>
+            <a:pPr marL="0" indent="0">
+              <a:buNone/>
+            </a:pPr>
+            <a:r>
+              <a:rPr lang="en-US" dirty="0"/>
+              <a:t>Reference: Insights into Performance Fitness and Error Metrics for Machine Learning (</a:t>
+            </a:r>
+            <a:r>
+              <a:rPr lang="en-US" dirty="0">
+                <a:hlinkClick r:id="rId2"/>
+              </a:rPr>
+              <a:t>https://www.researchgate.net/publication/341816886_Insights_into_Performance_Fitness_and_Error_Metrics_for_Machine_Learning</a:t>
+            </a:r>
+            <a:r>
+              <a:rPr lang="en-US" dirty="0"/>
+              <a:t>)   </a:t>
+            </a:r>
+            <a:endParaRPr lang="es-ES" dirty="0"/>
           </a:p>
         </p:txBody>
       </p:sp>
     </p:spTree>
     <p:extLst>
       <p:ext uri="{BB962C8B-B14F-4D97-AF65-F5344CB8AC3E}">
-        <p14:creationId xmlns:p14="http://schemas.microsoft.com/office/powerpoint/2010/main" val="280258531"/>
+        <p14:creationId xmlns:p14="http://schemas.microsoft.com/office/powerpoint/2010/main" val="2240436746"/>
       </p:ext>
     </p:extLst>
   </p:cSld>
@@ -16741,7 +17847,7 @@
 </p:sld>
 </file>
 
-<file path=ppt/slides/slide30.xml><?xml version="1.0" encoding="utf-8"?>
+<file path=ppt/slides/slide34.xml><?xml version="1.0" encoding="utf-8"?>
 <p:sld xmlns:a="http://schemas.openxmlformats.org/drawingml/2006/main" xmlns:r="http://schemas.openxmlformats.org/officeDocument/2006/relationships" xmlns:p="http://schemas.openxmlformats.org/presentationml/2006/main">
   <p:cSld>
     <p:spTree>
@@ -16760,7 +17866,13 @@
       </p:grpSpPr>
       <p:sp>
         <p:nvSpPr>
-          <p:cNvPr id="2" name="Título 1"/>
+          <p:cNvPr id="2" name="Título 1">
+            <a:extLst>
+              <a:ext uri="{FF2B5EF4-FFF2-40B4-BE49-F238E27FC236}">
+                <a16:creationId xmlns:a16="http://schemas.microsoft.com/office/drawing/2014/main" id="{E9A646E3-9C62-480F-8A2D-357C9B5270AA}"/>
+              </a:ext>
+            </a:extLst>
+          </p:cNvPr>
           <p:cNvSpPr>
             <a:spLocks noGrp="1"/>
           </p:cNvSpPr>
@@ -16774,73 +17886,141 @@
           <a:lstStyle/>
           <a:p>
             <a:r>
-              <a:rPr lang="en-GB" dirty="0" err="1"/>
-              <a:t>Métricas</a:t>
-            </a:r>
-            <a:r>
-              <a:rPr lang="en-GB" dirty="0"/>
-              <a:t> de Error </a:t>
-            </a:r>
-            <a:r>
-              <a:rPr lang="en-GB" dirty="0" err="1"/>
-              <a:t>Regresión</a:t>
-            </a:r>
-            <a:endParaRPr lang="es-ES" dirty="0"/>
-          </a:p>
-        </p:txBody>
-      </p:sp>
-      <p:sp>
-        <p:nvSpPr>
-          <p:cNvPr id="3" name="Marcador de contenido 2"/>
-          <p:cNvSpPr>
-            <a:spLocks noGrp="1"/>
-          </p:cNvSpPr>
-          <p:nvPr>
-            <p:ph idx="1"/>
-          </p:nvPr>
-        </p:nvSpPr>
-        <p:spPr/>
-        <p:txBody>
-          <a:bodyPr/>
+              <a:rPr lang="es-ES" dirty="0"/>
+              <a:t>Regresión no-lineal</a:t>
+            </a:r>
+          </a:p>
+        </p:txBody>
+      </p:sp>
+      <p:sp>
+        <p:nvSpPr>
+          <p:cNvPr id="5" name="CuadroTexto 4">
+            <a:extLst>
+              <a:ext uri="{FF2B5EF4-FFF2-40B4-BE49-F238E27FC236}">
+                <a16:creationId xmlns:a16="http://schemas.microsoft.com/office/drawing/2014/main" id="{81BC98DF-CB72-4EFE-A75D-FFC440D50236}"/>
+              </a:ext>
+            </a:extLst>
+          </p:cNvPr>
+          <p:cNvSpPr txBox="1"/>
+          <p:nvPr/>
+        </p:nvSpPr>
+        <p:spPr>
+          <a:xfrm>
+            <a:off x="3495483" y="4688041"/>
+            <a:ext cx="6097022" cy="369332"/>
+          </a:xfrm>
+          <a:prstGeom prst="rect">
+            <a:avLst/>
+          </a:prstGeom>
+          <a:noFill/>
+        </p:spPr>
+        <p:txBody>
+          <a:bodyPr wrap="square">
+            <a:spAutoFit/>
+          </a:bodyPr>
           <a:lstStyle/>
           <a:p>
-            <a:pPr marL="0" indent="0">
-              <a:buNone/>
-            </a:pPr>
-            <a:r>
-              <a:rPr lang="es-ES" dirty="0"/>
-              <a:t>Existen otras muchas métricas que se adecuan a un tipo de regresión o a otro.</a:t>
-            </a:r>
-          </a:p>
-          <a:p>
-            <a:endParaRPr lang="es-ES" dirty="0"/>
-          </a:p>
-          <a:p>
-            <a:pPr marL="0" indent="0">
-              <a:buNone/>
-            </a:pPr>
-            <a:r>
-              <a:rPr lang="en-US" dirty="0"/>
-              <a:t>Reference: Insights into Performance Fitness and Error Metrics for Machine Learning (</a:t>
-            </a:r>
-            <a:r>
-              <a:rPr lang="en-US" dirty="0">
+            <a:r>
+              <a:rPr lang="es-ES" dirty="0" err="1">
                 <a:hlinkClick r:id="rId2"/>
               </a:rPr>
-              <a:t>https://www.researchgate.net/publication/341816886_Insights_into_Performance_Fitness_and_Error_Metrics_for_Machine_Learning</a:t>
-            </a:r>
-            <a:r>
-              <a:rPr lang="en-US" dirty="0"/>
-              <a:t>)   </a:t>
+              <a:t>RPubs</a:t>
+            </a:r>
+            <a:r>
+              <a:rPr lang="es-ES" dirty="0">
+                <a:hlinkClick r:id="rId2"/>
+              </a:rPr>
+              <a:t> - Métodos de regresión no lineal</a:t>
             </a:r>
             <a:endParaRPr lang="es-ES" dirty="0"/>
+          </a:p>
+        </p:txBody>
+      </p:sp>
+      <p:sp>
+        <p:nvSpPr>
+          <p:cNvPr id="6" name="CuadroTexto 5">
+            <a:extLst>
+              <a:ext uri="{FF2B5EF4-FFF2-40B4-BE49-F238E27FC236}">
+                <a16:creationId xmlns:a16="http://schemas.microsoft.com/office/drawing/2014/main" id="{53746C72-7C24-4E4E-BA18-587004A758C5}"/>
+              </a:ext>
+            </a:extLst>
+          </p:cNvPr>
+          <p:cNvSpPr txBox="1"/>
+          <p:nvPr/>
+        </p:nvSpPr>
+        <p:spPr>
+          <a:xfrm>
+            <a:off x="838200" y="2178604"/>
+            <a:ext cx="6747024" cy="646331"/>
+          </a:xfrm>
+          <a:prstGeom prst="rect">
+            <a:avLst/>
+          </a:prstGeom>
+          <a:noFill/>
+        </p:spPr>
+        <p:txBody>
+          <a:bodyPr wrap="square" rtlCol="0">
+            <a:spAutoFit/>
+          </a:bodyPr>
+          <a:lstStyle/>
+          <a:p>
+            <a:r>
+              <a:rPr lang="es-ES" sz="3600" dirty="0"/>
+              <a:t>¿Qué tendríamos que hacer?</a:t>
+            </a:r>
+          </a:p>
+        </p:txBody>
+      </p:sp>
+      <p:sp>
+        <p:nvSpPr>
+          <p:cNvPr id="7" name="Flecha: hacia abajo 6">
+            <a:extLst>
+              <a:ext uri="{FF2B5EF4-FFF2-40B4-BE49-F238E27FC236}">
+                <a16:creationId xmlns:a16="http://schemas.microsoft.com/office/drawing/2014/main" id="{F134B63E-548F-466A-AB50-8BBAAADE2819}"/>
+              </a:ext>
+            </a:extLst>
+          </p:cNvPr>
+          <p:cNvSpPr/>
+          <p:nvPr/>
+        </p:nvSpPr>
+        <p:spPr>
+          <a:xfrm>
+            <a:off x="5836204" y="3037772"/>
+            <a:ext cx="533911" cy="1055549"/>
+          </a:xfrm>
+          <a:prstGeom prst="downArrow">
+            <a:avLst/>
+          </a:prstGeom>
+        </p:spPr>
+        <p:style>
+          <a:lnRef idx="2">
+            <a:schemeClr val="accent1">
+              <a:shade val="50000"/>
+            </a:schemeClr>
+          </a:lnRef>
+          <a:fillRef idx="1">
+            <a:schemeClr val="accent1"/>
+          </a:fillRef>
+          <a:effectRef idx="0">
+            <a:schemeClr val="accent1"/>
+          </a:effectRef>
+          <a:fontRef idx="minor">
+            <a:schemeClr val="lt1"/>
+          </a:fontRef>
+        </p:style>
+        <p:txBody>
+          <a:bodyPr rtlCol="0" anchor="ctr"/>
+          <a:lstStyle/>
+          <a:p>
+            <a:pPr algn="ctr"/>
+            <a:endParaRPr lang="es-ES"/>
           </a:p>
         </p:txBody>
       </p:sp>
     </p:spTree>
     <p:extLst>
       <p:ext uri="{BB962C8B-B14F-4D97-AF65-F5344CB8AC3E}">
-        <p14:creationId xmlns:p14="http://schemas.microsoft.com/office/powerpoint/2010/main" val="2240436746"/>
+        <p14:creationId xmlns:p14="http://schemas.microsoft.com/office/powerpoint/2010/main" val="3858668926"/>
       </p:ext>
     </p:extLst>
   </p:cSld>
@@ -16850,7 +18030,7 @@
 </p:sld>
 </file>
 
-<file path=ppt/slides/slide31.xml><?xml version="1.0" encoding="utf-8"?>
+<file path=ppt/slides/slide35.xml><?xml version="1.0" encoding="utf-8"?>
 <p:sld xmlns:a="http://schemas.openxmlformats.org/drawingml/2006/main" xmlns:r="http://schemas.openxmlformats.org/officeDocument/2006/relationships" xmlns:p="http://schemas.openxmlformats.org/presentationml/2006/main">
   <p:cSld>
     <p:spTree>
@@ -16974,7 +18154,7 @@
 </p:sld>
 </file>
 
-<file path=ppt/slides/slide32.xml><?xml version="1.0" encoding="utf-8"?>
+<file path=ppt/slides/slide36.xml><?xml version="1.0" encoding="utf-8"?>
 <p:sld xmlns:a="http://schemas.openxmlformats.org/drawingml/2006/main" xmlns:r="http://schemas.openxmlformats.org/officeDocument/2006/relationships" xmlns:p="http://schemas.openxmlformats.org/presentationml/2006/main">
   <p:cSld>
     <p:spTree>
@@ -17114,7 +18294,7 @@
 </p:sld>
 </file>
 
-<file path=ppt/slides/slide33.xml><?xml version="1.0" encoding="utf-8"?>
+<file path=ppt/slides/slide37.xml><?xml version="1.0" encoding="utf-8"?>
 <p:sld xmlns:a="http://schemas.openxmlformats.org/drawingml/2006/main" xmlns:r="http://schemas.openxmlformats.org/officeDocument/2006/relationships" xmlns:p="http://schemas.openxmlformats.org/presentationml/2006/main">
   <p:cSld>
     <p:spTree>
@@ -17282,7 +18462,7 @@
 </p:sld>
 </file>
 
-<file path=ppt/slides/slide34.xml><?xml version="1.0" encoding="utf-8"?>
+<file path=ppt/slides/slide38.xml><?xml version="1.0" encoding="utf-8"?>
 <p:sld xmlns:a="http://schemas.openxmlformats.org/drawingml/2006/main" xmlns:r="http://schemas.openxmlformats.org/officeDocument/2006/relationships" xmlns:p="http://schemas.openxmlformats.org/presentationml/2006/main">
   <p:cSld>
     <p:spTree>
@@ -17431,7 +18611,7 @@
 </p:sld>
 </file>
 
-<file path=ppt/slides/slide35.xml><?xml version="1.0" encoding="utf-8"?>
+<file path=ppt/slides/slide39.xml><?xml version="1.0" encoding="utf-8"?>
 <p:sld xmlns:a="http://schemas.openxmlformats.org/drawingml/2006/main" xmlns:r="http://schemas.openxmlformats.org/officeDocument/2006/relationships" xmlns:p="http://schemas.openxmlformats.org/presentationml/2006/main">
   <p:cSld>
     <p:spTree>
@@ -17534,151 +18714,6 @@
     <p:extLst>
       <p:ext uri="{BB962C8B-B14F-4D97-AF65-F5344CB8AC3E}">
         <p14:creationId xmlns:p14="http://schemas.microsoft.com/office/powerpoint/2010/main" val="4044856203"/>
-      </p:ext>
-    </p:extLst>
-  </p:cSld>
-  <p:clrMapOvr>
-    <a:masterClrMapping/>
-  </p:clrMapOvr>
-</p:sld>
-</file>
-
-<file path=ppt/slides/slide36.xml><?xml version="1.0" encoding="utf-8"?>
-<p:sld xmlns:a="http://schemas.openxmlformats.org/drawingml/2006/main" xmlns:r="http://schemas.openxmlformats.org/officeDocument/2006/relationships" xmlns:p="http://schemas.openxmlformats.org/presentationml/2006/main">
-  <p:cSld>
-    <p:spTree>
-      <p:nvGrpSpPr>
-        <p:cNvPr id="1" name=""/>
-        <p:cNvGrpSpPr/>
-        <p:nvPr/>
-      </p:nvGrpSpPr>
-      <p:grpSpPr>
-        <a:xfrm>
-          <a:off x="0" y="0"/>
-          <a:ext cx="0" cy="0"/>
-          <a:chOff x="0" y="0"/>
-          <a:chExt cx="0" cy="0"/>
-        </a:xfrm>
-      </p:grpSpPr>
-      <p:sp>
-        <p:nvSpPr>
-          <p:cNvPr id="4" name="Título 3">
-            <a:extLst>
-              <a:ext uri="{FF2B5EF4-FFF2-40B4-BE49-F238E27FC236}">
-                <a16:creationId xmlns:a16="http://schemas.microsoft.com/office/drawing/2014/main" id="{57358FC5-0DFC-4396-9893-E446212006B0}"/>
-              </a:ext>
-            </a:extLst>
-          </p:cNvPr>
-          <p:cNvSpPr>
-            <a:spLocks noGrp="1"/>
-          </p:cNvSpPr>
-          <p:nvPr>
-            <p:ph type="ctrTitle"/>
-          </p:nvPr>
-        </p:nvSpPr>
-        <p:spPr/>
-        <p:txBody>
-          <a:bodyPr>
-            <a:noAutofit/>
-          </a:bodyPr>
-          <a:lstStyle/>
-          <a:p>
-            <a:r>
-              <a:rPr lang="es-ES" sz="4400" dirty="0"/>
-              <a:t>Estudio de consumo de energía mediante métodos de análisis de datos</a:t>
-            </a:r>
-            <a:br>
-              <a:rPr lang="es-ES" sz="4400" dirty="0"/>
-            </a:br>
-            <a:r>
-              <a:rPr lang="es-ES" sz="2800" dirty="0"/>
-              <a:t>Contexto, métodos de análisis, herramientas y aplicaciones</a:t>
-            </a:r>
-            <a:endParaRPr lang="en-GB" sz="4400" dirty="0"/>
-          </a:p>
-        </p:txBody>
-      </p:sp>
-      <p:sp>
-        <p:nvSpPr>
-          <p:cNvPr id="5" name="Subtítulo 4">
-            <a:extLst>
-              <a:ext uri="{FF2B5EF4-FFF2-40B4-BE49-F238E27FC236}">
-                <a16:creationId xmlns:a16="http://schemas.microsoft.com/office/drawing/2014/main" id="{5BE36759-AD9E-492B-A539-7E3579699A77}"/>
-              </a:ext>
-            </a:extLst>
-          </p:cNvPr>
-          <p:cNvSpPr>
-            <a:spLocks noGrp="1"/>
-          </p:cNvSpPr>
-          <p:nvPr>
-            <p:ph type="subTitle" idx="1"/>
-          </p:nvPr>
-        </p:nvSpPr>
-        <p:spPr>
-          <a:xfrm>
-            <a:off x="1524000" y="3602038"/>
-            <a:ext cx="9144000" cy="1310204"/>
-          </a:xfrm>
-        </p:spPr>
-        <p:txBody>
-          <a:bodyPr numCol="2">
-            <a:normAutofit/>
-          </a:bodyPr>
-          <a:lstStyle/>
-          <a:p>
-            <a:pPr algn="l"/>
-            <a:r>
-              <a:rPr lang="es-ES" sz="2000" dirty="0"/>
-              <a:t>Mikel Lumbreras Mugaguren</a:t>
-            </a:r>
-          </a:p>
-          <a:p>
-            <a:pPr algn="l"/>
-            <a:r>
-              <a:rPr lang="es-ES" sz="2000" dirty="0"/>
-              <a:t>946014985</a:t>
-            </a:r>
-          </a:p>
-          <a:p>
-            <a:pPr algn="l"/>
-            <a:r>
-              <a:rPr lang="es-ES" sz="2000" dirty="0" err="1">
-                <a:hlinkClick r:id="rId2"/>
-              </a:rPr>
-              <a:t>mikel.lumbreras@ehu.eus</a:t>
-            </a:r>
-            <a:endParaRPr lang="es-ES" sz="2000" dirty="0"/>
-          </a:p>
-          <a:p>
-            <a:pPr algn="l"/>
-            <a:r>
-              <a:rPr lang="es-ES" sz="2000" dirty="0"/>
-              <a:t>Roberto Garay Martinez</a:t>
-            </a:r>
-          </a:p>
-          <a:p>
-            <a:pPr algn="l"/>
-            <a:r>
-              <a:rPr lang="es-ES" sz="2000" dirty="0"/>
-              <a:t>667 178 958</a:t>
-            </a:r>
-          </a:p>
-          <a:p>
-            <a:pPr algn="l"/>
-            <a:r>
-              <a:rPr lang="es-ES" sz="2000" dirty="0">
-                <a:hlinkClick r:id="rId3"/>
-              </a:rPr>
-              <a:t>roberto.garay@tecnalia.com</a:t>
-            </a:r>
-            <a:endParaRPr lang="es-ES" sz="2000" dirty="0"/>
-          </a:p>
-        </p:txBody>
-      </p:sp>
-    </p:spTree>
-    <p:extLst>
-      <p:ext uri="{BB962C8B-B14F-4D97-AF65-F5344CB8AC3E}">
-        <p14:creationId xmlns:p14="http://schemas.microsoft.com/office/powerpoint/2010/main" val="659607027"/>
       </p:ext>
     </p:extLst>
   </p:cSld>
@@ -18648,6 +19683,1082 @@
 </p:sld>
 </file>
 
+<file path=ppt/slides/slide40.xml><?xml version="1.0" encoding="utf-8"?>
+<p:sld xmlns:a="http://schemas.openxmlformats.org/drawingml/2006/main" xmlns:r="http://schemas.openxmlformats.org/officeDocument/2006/relationships" xmlns:p="http://schemas.openxmlformats.org/presentationml/2006/main">
+  <p:cSld>
+    <p:spTree>
+      <p:nvGrpSpPr>
+        <p:cNvPr id="1" name=""/>
+        <p:cNvGrpSpPr/>
+        <p:nvPr/>
+      </p:nvGrpSpPr>
+      <p:grpSpPr>
+        <a:xfrm>
+          <a:off x="0" y="0"/>
+          <a:ext cx="0" cy="0"/>
+          <a:chOff x="0" y="0"/>
+          <a:chExt cx="0" cy="0"/>
+        </a:xfrm>
+      </p:grpSpPr>
+      <p:sp>
+        <p:nvSpPr>
+          <p:cNvPr id="2" name="Título 1">
+            <a:extLst>
+              <a:ext uri="{FF2B5EF4-FFF2-40B4-BE49-F238E27FC236}">
+                <a16:creationId xmlns:a16="http://schemas.microsoft.com/office/drawing/2014/main" id="{3BA35E48-703B-4E3F-8A50-181FCA662E24}"/>
+              </a:ext>
+            </a:extLst>
+          </p:cNvPr>
+          <p:cNvSpPr>
+            <a:spLocks noGrp="1"/>
+          </p:cNvSpPr>
+          <p:nvPr>
+            <p:ph type="title"/>
+          </p:nvPr>
+        </p:nvSpPr>
+        <p:spPr/>
+        <p:txBody>
+          <a:bodyPr/>
+          <a:lstStyle/>
+          <a:p>
+            <a:r>
+              <a:rPr lang="es-ES" dirty="0" err="1"/>
+              <a:t>Kahoot</a:t>
+            </a:r>
+            <a:r>
+              <a:rPr lang="es-ES" dirty="0"/>
+              <a:t> II</a:t>
+            </a:r>
+          </a:p>
+        </p:txBody>
+      </p:sp>
+      <p:sp>
+        <p:nvSpPr>
+          <p:cNvPr id="4" name="Marcador de contenido 2">
+            <a:extLst>
+              <a:ext uri="{FF2B5EF4-FFF2-40B4-BE49-F238E27FC236}">
+                <a16:creationId xmlns:a16="http://schemas.microsoft.com/office/drawing/2014/main" id="{C600BDF6-21DE-42EC-8938-7AE4152071C7}"/>
+              </a:ext>
+            </a:extLst>
+          </p:cNvPr>
+          <p:cNvSpPr>
+            <a:spLocks noGrp="1"/>
+          </p:cNvSpPr>
+          <p:nvPr>
+            <p:ph idx="1"/>
+          </p:nvPr>
+        </p:nvSpPr>
+        <p:spPr>
+          <a:xfrm>
+            <a:off x="782968" y="1759430"/>
+            <a:ext cx="5906267" cy="4014736"/>
+          </a:xfrm>
+        </p:spPr>
+        <p:txBody>
+          <a:bodyPr/>
+          <a:lstStyle/>
+          <a:p>
+            <a:pPr marL="0" indent="0">
+              <a:buNone/>
+            </a:pPr>
+            <a:r>
+              <a:rPr lang="es-ES" dirty="0"/>
+              <a:t>A modo de Repaso: Test </a:t>
+            </a:r>
+            <a:r>
+              <a:rPr lang="es-ES" dirty="0" err="1"/>
+              <a:t>Kahoot</a:t>
+            </a:r>
+            <a:endParaRPr lang="es-ES" dirty="0"/>
+          </a:p>
+          <a:p>
+            <a:pPr marL="0" indent="0">
+              <a:buNone/>
+            </a:pPr>
+            <a:endParaRPr lang="es-ES" dirty="0"/>
+          </a:p>
+          <a:p>
+            <a:pPr marL="0" indent="0">
+              <a:buNone/>
+            </a:pPr>
+            <a:endParaRPr lang="es-ES" dirty="0"/>
+          </a:p>
+          <a:p>
+            <a:pPr marL="0" indent="0">
+              <a:buNone/>
+            </a:pPr>
+            <a:r>
+              <a:rPr lang="es-ES" b="1" u="sng" dirty="0"/>
+              <a:t>Test Sesión 2 Curso R</a:t>
+            </a:r>
+          </a:p>
+          <a:p>
+            <a:pPr marL="0" indent="0">
+              <a:buNone/>
+            </a:pPr>
+            <a:r>
+              <a:rPr lang="en-US" dirty="0">
+                <a:hlinkClick r:id="rId2"/>
+              </a:rPr>
+              <a:t>Play Kahoot! - Enter game PIN here!</a:t>
+            </a:r>
+            <a:endParaRPr lang="es-ES" b="1" u="sng" dirty="0"/>
+          </a:p>
+          <a:p>
+            <a:pPr marL="0" indent="0">
+              <a:buNone/>
+            </a:pPr>
+            <a:r>
+              <a:rPr lang="es-ES" sz="2000" b="1" u="sng" dirty="0">
+                <a:solidFill>
+                  <a:schemeClr val="accent1"/>
+                </a:solidFill>
+              </a:rPr>
+              <a:t>(Para Mikel: https://create.kahoot.it/share/conceptos-sesion-2/73494b52-77f6-4c03-a0de-deca25562c1b)</a:t>
+            </a:r>
+          </a:p>
+        </p:txBody>
+      </p:sp>
+      <p:pic>
+        <p:nvPicPr>
+          <p:cNvPr id="5" name="Picture 4" descr="Paso a paso: cómo crear un Kahoot! para usar en clase">
+            <a:extLst>
+              <a:ext uri="{FF2B5EF4-FFF2-40B4-BE49-F238E27FC236}">
+                <a16:creationId xmlns:a16="http://schemas.microsoft.com/office/drawing/2014/main" id="{1AB3662D-FAEC-478E-BAEC-33C76DB0EE1E}"/>
+              </a:ext>
+            </a:extLst>
+          </p:cNvPr>
+          <p:cNvPicPr>
+            <a:picLocks noChangeAspect="1" noChangeArrowheads="1"/>
+          </p:cNvPicPr>
+          <p:nvPr/>
+        </p:nvPicPr>
+        <p:blipFill>
+          <a:blip r:embed="rId3">
+            <a:extLst>
+              <a:ext uri="{28A0092B-C50C-407E-A947-70E740481C1C}">
+                <a14:useLocalDpi xmlns:a14="http://schemas.microsoft.com/office/drawing/2010/main" val="0"/>
+              </a:ext>
+            </a:extLst>
+          </a:blip>
+          <a:srcRect/>
+          <a:stretch>
+            <a:fillRect/>
+          </a:stretch>
+        </p:blipFill>
+        <p:spPr bwMode="auto">
+          <a:xfrm>
+            <a:off x="7039992" y="2837308"/>
+            <a:ext cx="3950563" cy="2222192"/>
+          </a:xfrm>
+          <a:prstGeom prst="rect">
+            <a:avLst/>
+          </a:prstGeom>
+          <a:noFill/>
+          <a:extLst>
+            <a:ext uri="{909E8E84-426E-40DD-AFC4-6F175D3DCCD1}">
+              <a14:hiddenFill xmlns:a14="http://schemas.microsoft.com/office/drawing/2010/main">
+                <a:solidFill>
+                  <a:srgbClr val="FFFFFF"/>
+                </a:solidFill>
+              </a14:hiddenFill>
+            </a:ext>
+          </a:extLst>
+        </p:spPr>
+      </p:pic>
+    </p:spTree>
+    <p:extLst>
+      <p:ext uri="{BB962C8B-B14F-4D97-AF65-F5344CB8AC3E}">
+        <p14:creationId xmlns:p14="http://schemas.microsoft.com/office/powerpoint/2010/main" val="2356795868"/>
+      </p:ext>
+    </p:extLst>
+  </p:cSld>
+  <p:clrMapOvr>
+    <a:masterClrMapping/>
+  </p:clrMapOvr>
+</p:sld>
+</file>
+
+<file path=ppt/slides/slide41.xml><?xml version="1.0" encoding="utf-8"?>
+<p:sld xmlns:a="http://schemas.openxmlformats.org/drawingml/2006/main" xmlns:r="http://schemas.openxmlformats.org/officeDocument/2006/relationships" xmlns:p="http://schemas.openxmlformats.org/presentationml/2006/main">
+  <p:cSld>
+    <p:spTree>
+      <p:nvGrpSpPr>
+        <p:cNvPr id="1" name=""/>
+        <p:cNvGrpSpPr/>
+        <p:nvPr/>
+      </p:nvGrpSpPr>
+      <p:grpSpPr>
+        <a:xfrm>
+          <a:off x="0" y="0"/>
+          <a:ext cx="0" cy="0"/>
+          <a:chOff x="0" y="0"/>
+          <a:chExt cx="0" cy="0"/>
+        </a:xfrm>
+      </p:grpSpPr>
+      <p:sp>
+        <p:nvSpPr>
+          <p:cNvPr id="4" name="Title 1">
+            <a:extLst>
+              <a:ext uri="{FF2B5EF4-FFF2-40B4-BE49-F238E27FC236}">
+                <a16:creationId xmlns:a16="http://schemas.microsoft.com/office/drawing/2014/main" id="{6E456210-A59C-4D1B-ABFC-6CEA6765ABBC}"/>
+              </a:ext>
+            </a:extLst>
+          </p:cNvPr>
+          <p:cNvSpPr>
+            <a:spLocks noGrp="1"/>
+          </p:cNvSpPr>
+          <p:nvPr>
+            <p:ph type="title"/>
+          </p:nvPr>
+        </p:nvSpPr>
+        <p:spPr>
+          <a:xfrm>
+            <a:off x="838200" y="365125"/>
+            <a:ext cx="10515600" cy="1325563"/>
+          </a:xfrm>
+        </p:spPr>
+        <p:txBody>
+          <a:bodyPr/>
+          <a:lstStyle/>
+          <a:p>
+            <a:r>
+              <a:rPr lang="es-ES" dirty="0"/>
+              <a:t>Práctica Sesión 2: Análisis Correlacional</a:t>
+            </a:r>
+          </a:p>
+        </p:txBody>
+      </p:sp>
+      <p:pic>
+        <p:nvPicPr>
+          <p:cNvPr id="5" name="Picture 4" descr="Paso a paso: cómo crear un Kahoot! para usar en clase">
+            <a:extLst>
+              <a:ext uri="{FF2B5EF4-FFF2-40B4-BE49-F238E27FC236}">
+                <a16:creationId xmlns:a16="http://schemas.microsoft.com/office/drawing/2014/main" id="{EEA0DE32-E976-4B53-883F-4FC62A2EA856}"/>
+              </a:ext>
+            </a:extLst>
+          </p:cNvPr>
+          <p:cNvPicPr>
+            <a:picLocks noChangeAspect="1" noChangeArrowheads="1"/>
+          </p:cNvPicPr>
+          <p:nvPr/>
+        </p:nvPicPr>
+        <p:blipFill>
+          <a:blip r:embed="rId2">
+            <a:extLst>
+              <a:ext uri="{28A0092B-C50C-407E-A947-70E740481C1C}">
+                <a14:useLocalDpi xmlns:a14="http://schemas.microsoft.com/office/drawing/2010/main" val="0"/>
+              </a:ext>
+            </a:extLst>
+          </a:blip>
+          <a:srcRect/>
+          <a:stretch>
+            <a:fillRect/>
+          </a:stretch>
+        </p:blipFill>
+        <p:spPr bwMode="auto">
+          <a:xfrm>
+            <a:off x="7297445" y="2837308"/>
+            <a:ext cx="3950563" cy="2222192"/>
+          </a:xfrm>
+          <a:prstGeom prst="rect">
+            <a:avLst/>
+          </a:prstGeom>
+          <a:noFill/>
+          <a:extLst>
+            <a:ext uri="{909E8E84-426E-40DD-AFC4-6F175D3DCCD1}">
+              <a14:hiddenFill xmlns:a14="http://schemas.microsoft.com/office/drawing/2010/main">
+                <a:solidFill>
+                  <a:srgbClr val="FFFFFF"/>
+                </a:solidFill>
+              </a14:hiddenFill>
+            </a:ext>
+          </a:extLst>
+        </p:spPr>
+      </p:pic>
+      <p:sp>
+        <p:nvSpPr>
+          <p:cNvPr id="6" name="Marcador de contenido 2">
+            <a:extLst>
+              <a:ext uri="{FF2B5EF4-FFF2-40B4-BE49-F238E27FC236}">
+                <a16:creationId xmlns:a16="http://schemas.microsoft.com/office/drawing/2014/main" id="{F8EC1624-FCAB-40E6-BDBD-D2777E98AF28}"/>
+              </a:ext>
+            </a:extLst>
+          </p:cNvPr>
+          <p:cNvSpPr>
+            <a:spLocks noGrp="1"/>
+          </p:cNvSpPr>
+          <p:nvPr>
+            <p:ph idx="1"/>
+          </p:nvPr>
+        </p:nvSpPr>
+        <p:spPr>
+          <a:xfrm>
+            <a:off x="838200" y="1768308"/>
+            <a:ext cx="5906267" cy="4014736"/>
+          </a:xfrm>
+        </p:spPr>
+        <p:txBody>
+          <a:bodyPr/>
+          <a:lstStyle/>
+          <a:p>
+            <a:pPr marL="0" indent="0">
+              <a:buNone/>
+            </a:pPr>
+            <a:r>
+              <a:rPr lang="es-ES" dirty="0"/>
+              <a:t>Repaso Conceptos R/</a:t>
+            </a:r>
+            <a:r>
+              <a:rPr lang="es-ES" dirty="0" err="1"/>
+              <a:t>Rstudio</a:t>
+            </a:r>
+            <a:endParaRPr lang="es-ES" dirty="0"/>
+          </a:p>
+          <a:p>
+            <a:pPr marL="0" indent="0">
+              <a:buNone/>
+            </a:pPr>
+            <a:endParaRPr lang="es-ES" dirty="0"/>
+          </a:p>
+          <a:p>
+            <a:pPr marL="0" indent="0">
+              <a:buNone/>
+            </a:pPr>
+            <a:endParaRPr lang="es-ES" dirty="0"/>
+          </a:p>
+          <a:p>
+            <a:pPr marL="0" indent="0">
+              <a:buNone/>
+            </a:pPr>
+            <a:r>
+              <a:rPr lang="es-ES" b="1" u="sng" dirty="0"/>
+              <a:t>Test Conceptos R:</a:t>
+            </a:r>
+          </a:p>
+          <a:p>
+            <a:pPr marL="0" indent="0">
+              <a:buNone/>
+            </a:pPr>
+            <a:r>
+              <a:rPr lang="en-US" dirty="0">
+                <a:hlinkClick r:id="rId3"/>
+              </a:rPr>
+              <a:t>Play Kahoot! - Enter game PIN here!</a:t>
+            </a:r>
+            <a:endParaRPr lang="es-ES" b="1" u="sng" dirty="0"/>
+          </a:p>
+          <a:p>
+            <a:pPr marL="0" indent="0">
+              <a:buNone/>
+            </a:pPr>
+            <a:r>
+              <a:rPr lang="es-ES" sz="2000" b="1" u="sng" dirty="0">
+                <a:hlinkClick r:id="rId4"/>
+              </a:rPr>
+              <a:t>Para Mikel:</a:t>
+            </a:r>
+          </a:p>
+          <a:p>
+            <a:pPr marL="0" indent="0">
+              <a:buNone/>
+            </a:pPr>
+            <a:r>
+              <a:rPr lang="es-ES" sz="2000" dirty="0">
+                <a:hlinkClick r:id="rId4"/>
+              </a:rPr>
+              <a:t>(https://create.kahoot.it/share/conceptos-r/c14d78ab-9dc8-4a62-9540-dc61e2e8ae11</a:t>
+            </a:r>
+            <a:r>
+              <a:rPr lang="es-ES" sz="2000" dirty="0"/>
+              <a:t> )</a:t>
+            </a:r>
+            <a:endParaRPr lang="es-ES" dirty="0"/>
+          </a:p>
+          <a:p>
+            <a:pPr marL="0" indent="0">
+              <a:buNone/>
+            </a:pPr>
+            <a:endParaRPr lang="es-ES" dirty="0"/>
+          </a:p>
+          <a:p>
+            <a:pPr marL="0" indent="0">
+              <a:buNone/>
+            </a:pPr>
+            <a:endParaRPr lang="es-ES" dirty="0"/>
+          </a:p>
+        </p:txBody>
+      </p:sp>
+    </p:spTree>
+    <p:extLst>
+      <p:ext uri="{BB962C8B-B14F-4D97-AF65-F5344CB8AC3E}">
+        <p14:creationId xmlns:p14="http://schemas.microsoft.com/office/powerpoint/2010/main" val="2049410132"/>
+      </p:ext>
+    </p:extLst>
+  </p:cSld>
+  <p:clrMapOvr>
+    <a:masterClrMapping/>
+  </p:clrMapOvr>
+</p:sld>
+</file>
+
+<file path=ppt/slides/slide42.xml><?xml version="1.0" encoding="utf-8"?>
+<p:sld xmlns:a="http://schemas.openxmlformats.org/drawingml/2006/main" xmlns:r="http://schemas.openxmlformats.org/officeDocument/2006/relationships" xmlns:p="http://schemas.openxmlformats.org/presentationml/2006/main">
+  <p:cSld>
+    <p:spTree>
+      <p:nvGrpSpPr>
+        <p:cNvPr id="1" name=""/>
+        <p:cNvGrpSpPr/>
+        <p:nvPr/>
+      </p:nvGrpSpPr>
+      <p:grpSpPr>
+        <a:xfrm>
+          <a:off x="0" y="0"/>
+          <a:ext cx="0" cy="0"/>
+          <a:chOff x="0" y="0"/>
+          <a:chExt cx="0" cy="0"/>
+        </a:xfrm>
+      </p:grpSpPr>
+      <p:sp>
+        <p:nvSpPr>
+          <p:cNvPr id="2" name="Title 1">
+            <a:extLst>
+              <a:ext uri="{FF2B5EF4-FFF2-40B4-BE49-F238E27FC236}">
+                <a16:creationId xmlns:a16="http://schemas.microsoft.com/office/drawing/2014/main" id="{E9889F8A-3C1A-4580-B462-7B4E04F6E33B}"/>
+              </a:ext>
+            </a:extLst>
+          </p:cNvPr>
+          <p:cNvSpPr>
+            <a:spLocks noGrp="1"/>
+          </p:cNvSpPr>
+          <p:nvPr>
+            <p:ph type="title"/>
+          </p:nvPr>
+        </p:nvSpPr>
+        <p:spPr/>
+        <p:txBody>
+          <a:bodyPr/>
+          <a:lstStyle/>
+          <a:p>
+            <a:r>
+              <a:rPr lang="es-ES" dirty="0"/>
+              <a:t>Práctica Sesión 2: Análisis Correlacional</a:t>
+            </a:r>
+          </a:p>
+        </p:txBody>
+      </p:sp>
+      <p:sp>
+        <p:nvSpPr>
+          <p:cNvPr id="3" name="Content Placeholder 2">
+            <a:extLst>
+              <a:ext uri="{FF2B5EF4-FFF2-40B4-BE49-F238E27FC236}">
+                <a16:creationId xmlns:a16="http://schemas.microsoft.com/office/drawing/2014/main" id="{051682E3-FCE3-41C1-9113-756D8EA13F28}"/>
+              </a:ext>
+            </a:extLst>
+          </p:cNvPr>
+          <p:cNvSpPr>
+            <a:spLocks noGrp="1"/>
+          </p:cNvSpPr>
+          <p:nvPr>
+            <p:ph idx="1"/>
+          </p:nvPr>
+        </p:nvSpPr>
+        <p:spPr/>
+        <p:txBody>
+          <a:bodyPr/>
+          <a:lstStyle/>
+          <a:p>
+            <a:r>
+              <a:rPr lang="es-ES" dirty="0"/>
+              <a:t>SCRIPT 1: Entrando en calor con R (20’)</a:t>
+            </a:r>
+          </a:p>
+          <a:p>
+            <a:endParaRPr lang="es-ES" dirty="0"/>
+          </a:p>
+          <a:p>
+            <a:pPr lvl="1"/>
+            <a:r>
+              <a:rPr lang="es-ES" dirty="0"/>
+              <a:t>Cargar CSV de datos edificio</a:t>
+            </a:r>
+          </a:p>
+          <a:p>
+            <a:pPr lvl="1"/>
+            <a:r>
+              <a:rPr lang="es-ES" dirty="0"/>
+              <a:t>Función: Vamos a pasar de datos horarios a agregados diarios</a:t>
+            </a:r>
+          </a:p>
+          <a:p>
+            <a:pPr lvl="1"/>
+            <a:r>
+              <a:rPr lang="es-ES" dirty="0"/>
+              <a:t>Utilizamos esa función para cambiar nuestro archivo de datos</a:t>
+            </a:r>
+          </a:p>
+          <a:p>
+            <a:pPr lvl="1"/>
+            <a:r>
+              <a:rPr lang="es-ES" dirty="0"/>
+              <a:t>Guardamos el nuevo CSV de datos diarios en el mismo directorio</a:t>
+            </a:r>
+          </a:p>
+        </p:txBody>
+      </p:sp>
+    </p:spTree>
+    <p:extLst>
+      <p:ext uri="{BB962C8B-B14F-4D97-AF65-F5344CB8AC3E}">
+        <p14:creationId xmlns:p14="http://schemas.microsoft.com/office/powerpoint/2010/main" val="4220847849"/>
+      </p:ext>
+    </p:extLst>
+  </p:cSld>
+  <p:clrMapOvr>
+    <a:masterClrMapping/>
+  </p:clrMapOvr>
+</p:sld>
+</file>
+
+<file path=ppt/slides/slide43.xml><?xml version="1.0" encoding="utf-8"?>
+<p:sld xmlns:a="http://schemas.openxmlformats.org/drawingml/2006/main" xmlns:r="http://schemas.openxmlformats.org/officeDocument/2006/relationships" xmlns:p="http://schemas.openxmlformats.org/presentationml/2006/main">
+  <p:cSld>
+    <p:spTree>
+      <p:nvGrpSpPr>
+        <p:cNvPr id="1" name=""/>
+        <p:cNvGrpSpPr/>
+        <p:nvPr/>
+      </p:nvGrpSpPr>
+      <p:grpSpPr>
+        <a:xfrm>
+          <a:off x="0" y="0"/>
+          <a:ext cx="0" cy="0"/>
+          <a:chOff x="0" y="0"/>
+          <a:chExt cx="0" cy="0"/>
+        </a:xfrm>
+      </p:grpSpPr>
+      <p:sp>
+        <p:nvSpPr>
+          <p:cNvPr id="2" name="Title 1">
+            <a:extLst>
+              <a:ext uri="{FF2B5EF4-FFF2-40B4-BE49-F238E27FC236}">
+                <a16:creationId xmlns:a16="http://schemas.microsoft.com/office/drawing/2014/main" id="{E9889F8A-3C1A-4580-B462-7B4E04F6E33B}"/>
+              </a:ext>
+            </a:extLst>
+          </p:cNvPr>
+          <p:cNvSpPr>
+            <a:spLocks noGrp="1"/>
+          </p:cNvSpPr>
+          <p:nvPr>
+            <p:ph type="title"/>
+          </p:nvPr>
+        </p:nvSpPr>
+        <p:spPr/>
+        <p:txBody>
+          <a:bodyPr/>
+          <a:lstStyle/>
+          <a:p>
+            <a:r>
+              <a:rPr lang="es-ES" dirty="0"/>
+              <a:t>Práctica Sesión 2: Análisis Correlacional</a:t>
+            </a:r>
+          </a:p>
+        </p:txBody>
+      </p:sp>
+      <p:sp>
+        <p:nvSpPr>
+          <p:cNvPr id="3" name="Content Placeholder 2">
+            <a:extLst>
+              <a:ext uri="{FF2B5EF4-FFF2-40B4-BE49-F238E27FC236}">
+                <a16:creationId xmlns:a16="http://schemas.microsoft.com/office/drawing/2014/main" id="{051682E3-FCE3-41C1-9113-756D8EA13F28}"/>
+              </a:ext>
+            </a:extLst>
+          </p:cNvPr>
+          <p:cNvSpPr>
+            <a:spLocks noGrp="1"/>
+          </p:cNvSpPr>
+          <p:nvPr>
+            <p:ph idx="1"/>
+          </p:nvPr>
+        </p:nvSpPr>
+        <p:spPr/>
+        <p:txBody>
+          <a:bodyPr/>
+          <a:lstStyle/>
+          <a:p>
+            <a:r>
+              <a:rPr lang="es-ES" dirty="0"/>
+              <a:t>SCRIPT 2: Análisis Correlaciones (40’)</a:t>
+            </a:r>
+          </a:p>
+          <a:p>
+            <a:pPr marL="0" indent="0">
+              <a:buNone/>
+            </a:pPr>
+            <a:endParaRPr lang="es-ES" dirty="0"/>
+          </a:p>
+          <a:p>
+            <a:pPr lvl="1"/>
+            <a:r>
+              <a:rPr lang="es-ES" dirty="0"/>
+              <a:t>Cargar CSV de datos edificio DIARIOS (El generado en el anterior script)</a:t>
+            </a:r>
+          </a:p>
+          <a:p>
+            <a:pPr lvl="1"/>
+            <a:r>
+              <a:rPr lang="es-ES" dirty="0"/>
+              <a:t>Limpieza de datos: Quitamos los </a:t>
+            </a:r>
+            <a:r>
+              <a:rPr lang="es-ES" dirty="0" err="1"/>
+              <a:t>NAs</a:t>
+            </a:r>
+            <a:endParaRPr lang="es-ES" dirty="0"/>
+          </a:p>
+          <a:p>
+            <a:pPr lvl="1"/>
+            <a:r>
+              <a:rPr lang="es-ES" dirty="0"/>
+              <a:t>Comprobamos Test de Correlaciones</a:t>
+            </a:r>
+          </a:p>
+          <a:p>
+            <a:pPr lvl="2"/>
+            <a:r>
+              <a:rPr lang="es-ES" dirty="0"/>
+              <a:t>Coeficientes de correlación, t-</a:t>
+            </a:r>
+            <a:r>
+              <a:rPr lang="es-ES" dirty="0" err="1"/>
+              <a:t>value</a:t>
+            </a:r>
+            <a:r>
+              <a:rPr lang="es-ES" dirty="0"/>
+              <a:t>, p-</a:t>
+            </a:r>
+            <a:r>
+              <a:rPr lang="es-ES" dirty="0" err="1"/>
+              <a:t>value</a:t>
+            </a:r>
+            <a:r>
+              <a:rPr lang="es-ES" dirty="0"/>
+              <a:t>, etc.</a:t>
+            </a:r>
+          </a:p>
+          <a:p>
+            <a:pPr lvl="1"/>
+            <a:r>
+              <a:rPr lang="es-ES" dirty="0"/>
+              <a:t>Comprobamos Matrix de correlaciones</a:t>
+            </a:r>
+          </a:p>
+        </p:txBody>
+      </p:sp>
+    </p:spTree>
+    <p:extLst>
+      <p:ext uri="{BB962C8B-B14F-4D97-AF65-F5344CB8AC3E}">
+        <p14:creationId xmlns:p14="http://schemas.microsoft.com/office/powerpoint/2010/main" val="1240959078"/>
+      </p:ext>
+    </p:extLst>
+  </p:cSld>
+  <p:clrMapOvr>
+    <a:masterClrMapping/>
+  </p:clrMapOvr>
+</p:sld>
+</file>
+
+<file path=ppt/slides/slide44.xml><?xml version="1.0" encoding="utf-8"?>
+<p:sld xmlns:a="http://schemas.openxmlformats.org/drawingml/2006/main" xmlns:r="http://schemas.openxmlformats.org/officeDocument/2006/relationships" xmlns:p="http://schemas.openxmlformats.org/presentationml/2006/main">
+  <p:cSld>
+    <p:spTree>
+      <p:nvGrpSpPr>
+        <p:cNvPr id="1" name=""/>
+        <p:cNvGrpSpPr/>
+        <p:nvPr/>
+      </p:nvGrpSpPr>
+      <p:grpSpPr>
+        <a:xfrm>
+          <a:off x="0" y="0"/>
+          <a:ext cx="0" cy="0"/>
+          <a:chOff x="0" y="0"/>
+          <a:chExt cx="0" cy="0"/>
+        </a:xfrm>
+      </p:grpSpPr>
+      <p:sp>
+        <p:nvSpPr>
+          <p:cNvPr id="2" name="Title 1">
+            <a:extLst>
+              <a:ext uri="{FF2B5EF4-FFF2-40B4-BE49-F238E27FC236}">
+                <a16:creationId xmlns:a16="http://schemas.microsoft.com/office/drawing/2014/main" id="{E9889F8A-3C1A-4580-B462-7B4E04F6E33B}"/>
+              </a:ext>
+            </a:extLst>
+          </p:cNvPr>
+          <p:cNvSpPr>
+            <a:spLocks noGrp="1"/>
+          </p:cNvSpPr>
+          <p:nvPr>
+            <p:ph type="title"/>
+          </p:nvPr>
+        </p:nvSpPr>
+        <p:spPr/>
+        <p:txBody>
+          <a:bodyPr/>
+          <a:lstStyle/>
+          <a:p>
+            <a:r>
+              <a:rPr lang="es-ES" dirty="0"/>
+              <a:t>Práctica Sesión 2: Análisis Correlacional</a:t>
+            </a:r>
+          </a:p>
+        </p:txBody>
+      </p:sp>
+      <p:sp>
+        <p:nvSpPr>
+          <p:cNvPr id="3" name="Content Placeholder 2">
+            <a:extLst>
+              <a:ext uri="{FF2B5EF4-FFF2-40B4-BE49-F238E27FC236}">
+                <a16:creationId xmlns:a16="http://schemas.microsoft.com/office/drawing/2014/main" id="{051682E3-FCE3-41C1-9113-756D8EA13F28}"/>
+              </a:ext>
+            </a:extLst>
+          </p:cNvPr>
+          <p:cNvSpPr>
+            <a:spLocks noGrp="1"/>
+          </p:cNvSpPr>
+          <p:nvPr>
+            <p:ph idx="1"/>
+          </p:nvPr>
+        </p:nvSpPr>
+        <p:spPr>
+          <a:xfrm>
+            <a:off x="838199" y="1825626"/>
+            <a:ext cx="10764915" cy="4014736"/>
+          </a:xfrm>
+        </p:spPr>
+        <p:txBody>
+          <a:bodyPr>
+            <a:normAutofit/>
+          </a:bodyPr>
+          <a:lstStyle/>
+          <a:p>
+            <a:r>
+              <a:rPr lang="es-ES" dirty="0"/>
+              <a:t>SCRIPT 3: Introducción a regresiones lineales con R (1.5h)</a:t>
+            </a:r>
+          </a:p>
+          <a:p>
+            <a:endParaRPr lang="es-ES" dirty="0"/>
+          </a:p>
+          <a:p>
+            <a:pPr lvl="1"/>
+            <a:r>
+              <a:rPr lang="es-ES" dirty="0"/>
+              <a:t>De nuevo: Lectura del CSV con datos diarios</a:t>
+            </a:r>
+          </a:p>
+          <a:p>
+            <a:pPr lvl="1"/>
+            <a:r>
+              <a:rPr lang="es-ES" dirty="0"/>
+              <a:t>Función: Dividir datos en Training y </a:t>
+            </a:r>
+            <a:r>
+              <a:rPr lang="es-ES" dirty="0" err="1"/>
+              <a:t>Testing</a:t>
+            </a:r>
+            <a:r>
+              <a:rPr lang="es-ES" dirty="0"/>
+              <a:t> (80/20)</a:t>
+            </a:r>
+          </a:p>
+          <a:p>
+            <a:pPr lvl="1"/>
+            <a:r>
+              <a:rPr lang="es-ES" dirty="0"/>
+              <a:t>Función 2: Entrenamiento de Regresión </a:t>
+            </a:r>
+            <a:r>
+              <a:rPr lang="es-ES" dirty="0" err="1"/>
+              <a:t>Univariable</a:t>
+            </a:r>
+            <a:r>
+              <a:rPr lang="es-ES" dirty="0"/>
+              <a:t>: Q = A + </a:t>
+            </a:r>
+            <a:r>
+              <a:rPr lang="es-ES" dirty="0" err="1"/>
+              <a:t>BxT</a:t>
+            </a:r>
+            <a:endParaRPr lang="es-ES" dirty="0"/>
+          </a:p>
+          <a:p>
+            <a:pPr lvl="1"/>
+            <a:r>
+              <a:rPr lang="es-ES" dirty="0"/>
+              <a:t>Función 3: Entrenamiento de Regresión Multivariable: </a:t>
+            </a:r>
+            <a:r>
+              <a:rPr lang="es-ES" sz="1800" dirty="0"/>
+              <a:t>Q = A + </a:t>
+            </a:r>
+            <a:r>
+              <a:rPr lang="es-ES" sz="1800" dirty="0" err="1"/>
+              <a:t>B</a:t>
+            </a:r>
+            <a:r>
+              <a:rPr lang="es-ES" sz="1100" dirty="0" err="1"/>
+              <a:t>x</a:t>
+            </a:r>
+            <a:r>
+              <a:rPr lang="es-ES" sz="1800" dirty="0" err="1"/>
+              <a:t>T</a:t>
+            </a:r>
+            <a:r>
+              <a:rPr lang="es-ES" sz="1800" dirty="0"/>
+              <a:t> + </a:t>
+            </a:r>
+            <a:r>
+              <a:rPr lang="es-ES" sz="1800" dirty="0" err="1"/>
+              <a:t>C</a:t>
+            </a:r>
+            <a:r>
+              <a:rPr lang="es-ES" sz="1100" dirty="0" err="1"/>
+              <a:t>x</a:t>
+            </a:r>
+            <a:r>
+              <a:rPr lang="es-ES" sz="1800" dirty="0" err="1"/>
+              <a:t>Gt</a:t>
+            </a:r>
+            <a:r>
+              <a:rPr lang="es-ES" sz="1800" dirty="0"/>
+              <a:t> + </a:t>
+            </a:r>
+            <a:r>
+              <a:rPr lang="es-ES" sz="1800" dirty="0" err="1"/>
+              <a:t>D</a:t>
+            </a:r>
+            <a:r>
+              <a:rPr lang="es-ES" sz="1100" dirty="0" err="1"/>
+              <a:t>x</a:t>
+            </a:r>
+            <a:r>
+              <a:rPr lang="es-ES" sz="1800" dirty="0" err="1"/>
+              <a:t>Ws</a:t>
+            </a:r>
+            <a:r>
+              <a:rPr lang="es-ES" sz="1800" dirty="0"/>
+              <a:t> + </a:t>
+            </a:r>
+            <a:r>
+              <a:rPr lang="es-ES" sz="1800" dirty="0" err="1"/>
+              <a:t>E</a:t>
+            </a:r>
+            <a:r>
+              <a:rPr lang="es-ES" sz="1100" dirty="0" err="1"/>
+              <a:t>x</a:t>
+            </a:r>
+            <a:r>
+              <a:rPr lang="es-ES" sz="1800" dirty="0" err="1"/>
+              <a:t>Wd</a:t>
+            </a:r>
+            <a:endParaRPr lang="es-ES" sz="1800" dirty="0"/>
+          </a:p>
+          <a:p>
+            <a:pPr lvl="1"/>
+            <a:r>
+              <a:rPr lang="es-ES" dirty="0"/>
+              <a:t>Función 4: Testear las regresiones anteriores en el </a:t>
+            </a:r>
+            <a:r>
+              <a:rPr lang="es-ES" dirty="0" err="1"/>
+              <a:t>testing</a:t>
+            </a:r>
+            <a:r>
+              <a:rPr lang="es-ES" dirty="0"/>
+              <a:t> data</a:t>
+            </a:r>
+          </a:p>
+          <a:p>
+            <a:pPr lvl="1"/>
+            <a:r>
+              <a:rPr lang="es-ES" dirty="0"/>
+              <a:t>Función 5: Métricas de error</a:t>
+            </a:r>
+          </a:p>
+          <a:p>
+            <a:pPr lvl="1"/>
+            <a:r>
+              <a:rPr lang="es-ES" dirty="0"/>
+              <a:t>Función 6: Plotear las regresiones usando ggplot2 + guardar .png</a:t>
+            </a:r>
+          </a:p>
+          <a:p>
+            <a:pPr lvl="1"/>
+            <a:endParaRPr lang="es-ES" sz="1800" dirty="0"/>
+          </a:p>
+          <a:p>
+            <a:pPr lvl="1"/>
+            <a:endParaRPr lang="es-ES" dirty="0"/>
+          </a:p>
+        </p:txBody>
+      </p:sp>
+    </p:spTree>
+    <p:extLst>
+      <p:ext uri="{BB962C8B-B14F-4D97-AF65-F5344CB8AC3E}">
+        <p14:creationId xmlns:p14="http://schemas.microsoft.com/office/powerpoint/2010/main" val="2318141971"/>
+      </p:ext>
+    </p:extLst>
+  </p:cSld>
+  <p:clrMapOvr>
+    <a:masterClrMapping/>
+  </p:clrMapOvr>
+</p:sld>
+</file>
+
+<file path=ppt/slides/slide45.xml><?xml version="1.0" encoding="utf-8"?>
+<p:sld xmlns:a="http://schemas.openxmlformats.org/drawingml/2006/main" xmlns:r="http://schemas.openxmlformats.org/officeDocument/2006/relationships" xmlns:p="http://schemas.openxmlformats.org/presentationml/2006/main">
+  <p:cSld>
+    <p:spTree>
+      <p:nvGrpSpPr>
+        <p:cNvPr id="1" name=""/>
+        <p:cNvGrpSpPr/>
+        <p:nvPr/>
+      </p:nvGrpSpPr>
+      <p:grpSpPr>
+        <a:xfrm>
+          <a:off x="0" y="0"/>
+          <a:ext cx="0" cy="0"/>
+          <a:chOff x="0" y="0"/>
+          <a:chExt cx="0" cy="0"/>
+        </a:xfrm>
+      </p:grpSpPr>
+      <p:sp>
+        <p:nvSpPr>
+          <p:cNvPr id="4" name="Título 3">
+            <a:extLst>
+              <a:ext uri="{FF2B5EF4-FFF2-40B4-BE49-F238E27FC236}">
+                <a16:creationId xmlns:a16="http://schemas.microsoft.com/office/drawing/2014/main" id="{57358FC5-0DFC-4396-9893-E446212006B0}"/>
+              </a:ext>
+            </a:extLst>
+          </p:cNvPr>
+          <p:cNvSpPr>
+            <a:spLocks noGrp="1"/>
+          </p:cNvSpPr>
+          <p:nvPr>
+            <p:ph type="ctrTitle"/>
+          </p:nvPr>
+        </p:nvSpPr>
+        <p:spPr/>
+        <p:txBody>
+          <a:bodyPr>
+            <a:noAutofit/>
+          </a:bodyPr>
+          <a:lstStyle/>
+          <a:p>
+            <a:r>
+              <a:rPr lang="es-ES" sz="4400" dirty="0"/>
+              <a:t>Estudio de consumo de energía mediante métodos de análisis de datos</a:t>
+            </a:r>
+            <a:br>
+              <a:rPr lang="es-ES" sz="4400" dirty="0"/>
+            </a:br>
+            <a:r>
+              <a:rPr lang="es-ES" sz="2800" dirty="0"/>
+              <a:t>Contexto, métodos de análisis, herramientas y aplicaciones</a:t>
+            </a:r>
+            <a:endParaRPr lang="en-GB" sz="4400" dirty="0"/>
+          </a:p>
+        </p:txBody>
+      </p:sp>
+      <p:sp>
+        <p:nvSpPr>
+          <p:cNvPr id="5" name="Subtítulo 4">
+            <a:extLst>
+              <a:ext uri="{FF2B5EF4-FFF2-40B4-BE49-F238E27FC236}">
+                <a16:creationId xmlns:a16="http://schemas.microsoft.com/office/drawing/2014/main" id="{5BE36759-AD9E-492B-A539-7E3579699A77}"/>
+              </a:ext>
+            </a:extLst>
+          </p:cNvPr>
+          <p:cNvSpPr>
+            <a:spLocks noGrp="1"/>
+          </p:cNvSpPr>
+          <p:nvPr>
+            <p:ph type="subTitle" idx="1"/>
+          </p:nvPr>
+        </p:nvSpPr>
+        <p:spPr>
+          <a:xfrm>
+            <a:off x="1524000" y="3602038"/>
+            <a:ext cx="9144000" cy="1310204"/>
+          </a:xfrm>
+        </p:spPr>
+        <p:txBody>
+          <a:bodyPr numCol="2">
+            <a:normAutofit/>
+          </a:bodyPr>
+          <a:lstStyle/>
+          <a:p>
+            <a:pPr algn="l"/>
+            <a:r>
+              <a:rPr lang="es-ES" sz="2000" dirty="0"/>
+              <a:t>Mikel Lumbreras Mugaguren</a:t>
+            </a:r>
+          </a:p>
+          <a:p>
+            <a:pPr algn="l"/>
+            <a:r>
+              <a:rPr lang="es-ES" sz="2000" dirty="0"/>
+              <a:t>946014985</a:t>
+            </a:r>
+          </a:p>
+          <a:p>
+            <a:pPr algn="l"/>
+            <a:r>
+              <a:rPr lang="es-ES" sz="2000" dirty="0" err="1">
+                <a:hlinkClick r:id="rId2"/>
+              </a:rPr>
+              <a:t>mikel.lumbreras@ehu.eus</a:t>
+            </a:r>
+            <a:endParaRPr lang="es-ES" sz="2000" dirty="0"/>
+          </a:p>
+          <a:p>
+            <a:pPr algn="l"/>
+            <a:r>
+              <a:rPr lang="es-ES" sz="2000" dirty="0"/>
+              <a:t>Roberto Garay Martinez</a:t>
+            </a:r>
+          </a:p>
+          <a:p>
+            <a:pPr algn="l"/>
+            <a:r>
+              <a:rPr lang="es-ES" sz="2000" dirty="0"/>
+              <a:t>667 178 958</a:t>
+            </a:r>
+          </a:p>
+          <a:p>
+            <a:pPr algn="l"/>
+            <a:r>
+              <a:rPr lang="es-ES" sz="2000" dirty="0">
+                <a:hlinkClick r:id="rId3"/>
+              </a:rPr>
+              <a:t>roberto.garay@tecnalia.com</a:t>
+            </a:r>
+            <a:endParaRPr lang="es-ES" sz="2000" dirty="0"/>
+          </a:p>
+        </p:txBody>
+      </p:sp>
+    </p:spTree>
+    <p:extLst>
+      <p:ext uri="{BB962C8B-B14F-4D97-AF65-F5344CB8AC3E}">
+        <p14:creationId xmlns:p14="http://schemas.microsoft.com/office/powerpoint/2010/main" val="659607027"/>
+      </p:ext>
+    </p:extLst>
+  </p:cSld>
+  <p:clrMapOvr>
+    <a:masterClrMapping/>
+  </p:clrMapOvr>
+</p:sld>
+</file>
+
 <file path=ppt/slides/slide5.xml><?xml version="1.0" encoding="utf-8"?>
 <p:sld xmlns:a="http://schemas.openxmlformats.org/drawingml/2006/main" xmlns:r="http://schemas.openxmlformats.org/officeDocument/2006/relationships" xmlns:p="http://schemas.openxmlformats.org/presentationml/2006/main">
   <p:cSld>
@@ -20596,7 +22707,13 @@
       </p:grpSpPr>
       <p:sp>
         <p:nvSpPr>
-          <p:cNvPr id="2" name="Título 1"/>
+          <p:cNvPr id="4" name="Título 1">
+            <a:extLst>
+              <a:ext uri="{FF2B5EF4-FFF2-40B4-BE49-F238E27FC236}">
+                <a16:creationId xmlns:a16="http://schemas.microsoft.com/office/drawing/2014/main" id="{D8C1C9B6-2C66-47E4-917D-064C1731AA1A}"/>
+              </a:ext>
+            </a:extLst>
+          </p:cNvPr>
           <p:cNvSpPr>
             <a:spLocks noGrp="1"/>
           </p:cNvSpPr>
@@ -20604,7 +22721,12 @@
             <p:ph type="title"/>
           </p:nvPr>
         </p:nvSpPr>
-        <p:spPr/>
+        <p:spPr>
+          <a:xfrm>
+            <a:off x="838200" y="365125"/>
+            <a:ext cx="10515600" cy="1325563"/>
+          </a:xfrm>
+        </p:spPr>
         <p:txBody>
           <a:bodyPr/>
           <a:lstStyle/>
@@ -20616,46 +22738,15 @@
           </a:p>
         </p:txBody>
       </p:sp>
-      <p:sp>
-        <p:nvSpPr>
-          <p:cNvPr id="3" name="Marcador de contenido 2"/>
-          <p:cNvSpPr>
-            <a:spLocks noGrp="1"/>
-          </p:cNvSpPr>
-          <p:nvPr>
-            <p:ph idx="1"/>
-          </p:nvPr>
-        </p:nvSpPr>
-        <p:spPr/>
-        <p:txBody>
-          <a:bodyPr/>
-          <a:lstStyle/>
-          <a:p>
-            <a:r>
-              <a:rPr lang="es-ES" dirty="0"/>
-              <a:t>Big Data </a:t>
-            </a:r>
-            <a:r>
-              <a:rPr lang="es-ES" dirty="0">
-                <a:sym typeface="Wingdings" panose="05000000000000000000" pitchFamily="2" charset="2"/>
-              </a:rPr>
-              <a:t> Múltiples variables medidas y guardadas</a:t>
-            </a:r>
-          </a:p>
-          <a:p>
-            <a:r>
-              <a:rPr lang="es-ES" dirty="0">
-                <a:sym typeface="Wingdings" panose="05000000000000000000" pitchFamily="2" charset="2"/>
-              </a:rPr>
-              <a:t>Múltiples fuentes de datos</a:t>
-            </a:r>
-            <a:endParaRPr lang="es-ES" dirty="0"/>
-          </a:p>
-        </p:txBody>
-      </p:sp>
       <p:pic>
         <p:nvPicPr>
-          <p:cNvPr id="2050" name="Picture 2" descr="Del Big Data al Good Data: datos y tecnología como armas contra la COVID-19  | OpenMind"/>
+          <p:cNvPr id="1026" name="Picture 2" descr="10 herramientas de analítica web gratuitas que te ayudarán a medir las  acciones de marketing digital de tu marca.">
+            <a:extLst>
+              <a:ext uri="{FF2B5EF4-FFF2-40B4-BE49-F238E27FC236}">
+                <a16:creationId xmlns:a16="http://schemas.microsoft.com/office/drawing/2014/main" id="{DF729E3E-41E4-4ECB-95DF-09E93A5CB1CB}"/>
+              </a:ext>
+            </a:extLst>
+          </p:cNvPr>
           <p:cNvPicPr>
             <a:picLocks noChangeAspect="1" noChangeArrowheads="1"/>
           </p:cNvPicPr>
@@ -20676,8 +22767,8 @@
         </p:blipFill>
         <p:spPr bwMode="auto">
           <a:xfrm>
-            <a:off x="993903" y="2963589"/>
-            <a:ext cx="7849652" cy="2688115"/>
+            <a:off x="968498" y="1908476"/>
+            <a:ext cx="3718911" cy="1709153"/>
           </a:xfrm>
           <a:prstGeom prst="rect">
             <a:avLst/>
@@ -20694,10 +22785,293 @@
           </a:extLst>
         </p:spPr>
       </p:pic>
+      <p:pic>
+        <p:nvPicPr>
+          <p:cNvPr id="1028" name="Picture 4" descr="Las 20 mejores startups de IoT para ver en 2020 – The Startups Times">
+            <a:extLst>
+              <a:ext uri="{FF2B5EF4-FFF2-40B4-BE49-F238E27FC236}">
+                <a16:creationId xmlns:a16="http://schemas.microsoft.com/office/drawing/2014/main" id="{01DDECF1-F2A9-4AAD-BF58-83ACFE44496B}"/>
+              </a:ext>
+            </a:extLst>
+          </p:cNvPr>
+          <p:cNvPicPr>
+            <a:picLocks noChangeAspect="1" noChangeArrowheads="1"/>
+          </p:cNvPicPr>
+          <p:nvPr/>
+        </p:nvPicPr>
+        <p:blipFill>
+          <a:blip r:embed="rId3">
+            <a:extLst>
+              <a:ext uri="{28A0092B-C50C-407E-A947-70E740481C1C}">
+                <a14:useLocalDpi xmlns:a14="http://schemas.microsoft.com/office/drawing/2010/main" val="0"/>
+              </a:ext>
+            </a:extLst>
+          </a:blip>
+          <a:srcRect/>
+          <a:stretch>
+            <a:fillRect/>
+          </a:stretch>
+        </p:blipFill>
+        <p:spPr bwMode="auto">
+          <a:xfrm>
+            <a:off x="2237313" y="4094947"/>
+            <a:ext cx="2716428" cy="1919674"/>
+          </a:xfrm>
+          <a:prstGeom prst="rect">
+            <a:avLst/>
+          </a:prstGeom>
+          <a:noFill/>
+          <a:extLst>
+            <a:ext uri="{909E8E84-426E-40DD-AFC4-6F175D3DCCD1}">
+              <a14:hiddenFill xmlns:a14="http://schemas.microsoft.com/office/drawing/2010/main">
+                <a:solidFill>
+                  <a:srgbClr val="FFFFFF"/>
+                </a:solidFill>
+              </a14:hiddenFill>
+            </a:ext>
+          </a:extLst>
+        </p:spPr>
+      </p:pic>
+      <p:sp>
+        <p:nvSpPr>
+          <p:cNvPr id="5" name="CuadroTexto 4">
+            <a:extLst>
+              <a:ext uri="{FF2B5EF4-FFF2-40B4-BE49-F238E27FC236}">
+                <a16:creationId xmlns:a16="http://schemas.microsoft.com/office/drawing/2014/main" id="{EF1AD63B-34B0-482A-B8A9-338D69A0FBB6}"/>
+              </a:ext>
+            </a:extLst>
+          </p:cNvPr>
+          <p:cNvSpPr txBox="1"/>
+          <p:nvPr/>
+        </p:nvSpPr>
+        <p:spPr>
+          <a:xfrm>
+            <a:off x="1283238" y="3684352"/>
+            <a:ext cx="3089429" cy="369332"/>
+          </a:xfrm>
+          <a:prstGeom prst="rect">
+            <a:avLst/>
+          </a:prstGeom>
+          <a:noFill/>
+        </p:spPr>
+        <p:txBody>
+          <a:bodyPr wrap="square" rtlCol="0">
+            <a:spAutoFit/>
+          </a:bodyPr>
+          <a:lstStyle/>
+          <a:p>
+            <a:pPr algn="ctr"/>
+            <a:r>
+              <a:rPr lang="es-ES" dirty="0"/>
+              <a:t>Analítica Web</a:t>
+            </a:r>
+          </a:p>
+        </p:txBody>
+      </p:sp>
+      <p:sp>
+        <p:nvSpPr>
+          <p:cNvPr id="8" name="CuadroTexto 7">
+            <a:extLst>
+              <a:ext uri="{FF2B5EF4-FFF2-40B4-BE49-F238E27FC236}">
+                <a16:creationId xmlns:a16="http://schemas.microsoft.com/office/drawing/2014/main" id="{FC227BEA-F558-446B-A359-6B16997D0BCB}"/>
+              </a:ext>
+            </a:extLst>
+          </p:cNvPr>
+          <p:cNvSpPr txBox="1"/>
+          <p:nvPr/>
+        </p:nvSpPr>
+        <p:spPr>
+          <a:xfrm>
+            <a:off x="2050743" y="6122607"/>
+            <a:ext cx="3089429" cy="369332"/>
+          </a:xfrm>
+          <a:prstGeom prst="rect">
+            <a:avLst/>
+          </a:prstGeom>
+          <a:noFill/>
+        </p:spPr>
+        <p:txBody>
+          <a:bodyPr wrap="square" rtlCol="0">
+            <a:spAutoFit/>
+          </a:bodyPr>
+          <a:lstStyle/>
+          <a:p>
+            <a:pPr algn="ctr"/>
+            <a:r>
+              <a:rPr lang="es-ES" dirty="0"/>
+              <a:t>Internet de las cosas</a:t>
+            </a:r>
+          </a:p>
+        </p:txBody>
+      </p:sp>
+      <p:sp>
+        <p:nvSpPr>
+          <p:cNvPr id="6" name="Flecha: a la derecha 5">
+            <a:extLst>
+              <a:ext uri="{FF2B5EF4-FFF2-40B4-BE49-F238E27FC236}">
+                <a16:creationId xmlns:a16="http://schemas.microsoft.com/office/drawing/2014/main" id="{1C9DDEA5-E89B-401E-92BD-2CDA6C4384E7}"/>
+              </a:ext>
+            </a:extLst>
+          </p:cNvPr>
+          <p:cNvSpPr/>
+          <p:nvPr/>
+        </p:nvSpPr>
+        <p:spPr>
+          <a:xfrm>
+            <a:off x="5663950" y="2951682"/>
+            <a:ext cx="2823099" cy="665947"/>
+          </a:xfrm>
+          <a:prstGeom prst="rightArrow">
+            <a:avLst/>
+          </a:prstGeom>
+        </p:spPr>
+        <p:style>
+          <a:lnRef idx="2">
+            <a:schemeClr val="accent1">
+              <a:shade val="50000"/>
+            </a:schemeClr>
+          </a:lnRef>
+          <a:fillRef idx="1">
+            <a:schemeClr val="accent1"/>
+          </a:fillRef>
+          <a:effectRef idx="0">
+            <a:schemeClr val="accent1"/>
+          </a:effectRef>
+          <a:fontRef idx="minor">
+            <a:schemeClr val="lt1"/>
+          </a:fontRef>
+        </p:style>
+        <p:txBody>
+          <a:bodyPr rtlCol="0" anchor="ctr"/>
+          <a:lstStyle/>
+          <a:p>
+            <a:pPr algn="ctr"/>
+            <a:endParaRPr lang="es-ES"/>
+          </a:p>
+        </p:txBody>
+      </p:sp>
+      <p:sp>
+        <p:nvSpPr>
+          <p:cNvPr id="7" name="CuadroTexto 6">
+            <a:extLst>
+              <a:ext uri="{FF2B5EF4-FFF2-40B4-BE49-F238E27FC236}">
+                <a16:creationId xmlns:a16="http://schemas.microsoft.com/office/drawing/2014/main" id="{CA6B149A-C5D2-470E-B5CC-CB658CEAE02E}"/>
+              </a:ext>
+            </a:extLst>
+          </p:cNvPr>
+          <p:cNvSpPr txBox="1"/>
+          <p:nvPr/>
+        </p:nvSpPr>
+        <p:spPr>
+          <a:xfrm>
+            <a:off x="8806647" y="2376714"/>
+            <a:ext cx="3080551" cy="1815882"/>
+          </a:xfrm>
+          <a:prstGeom prst="rect">
+            <a:avLst/>
+          </a:prstGeom>
+          <a:noFill/>
+        </p:spPr>
+        <p:txBody>
+          <a:bodyPr wrap="square" rtlCol="0">
+            <a:spAutoFit/>
+          </a:bodyPr>
+          <a:lstStyle/>
+          <a:p>
+            <a:pPr algn="ctr"/>
+            <a:r>
+              <a:rPr lang="es-ES" sz="2800" dirty="0"/>
+              <a:t>Una gran cantidad de datos requiere de una estructura de datos </a:t>
+            </a:r>
+          </a:p>
+        </p:txBody>
+      </p:sp>
+      <p:sp>
+        <p:nvSpPr>
+          <p:cNvPr id="11" name="Flecha: a la derecha 10">
+            <a:extLst>
+              <a:ext uri="{FF2B5EF4-FFF2-40B4-BE49-F238E27FC236}">
+                <a16:creationId xmlns:a16="http://schemas.microsoft.com/office/drawing/2014/main" id="{4F7BD7EA-88E3-41D9-BB33-78FB23CE0DD2}"/>
+              </a:ext>
+            </a:extLst>
+          </p:cNvPr>
+          <p:cNvSpPr/>
+          <p:nvPr/>
+        </p:nvSpPr>
+        <p:spPr>
+          <a:xfrm rot="5400000">
+            <a:off x="9758947" y="4449933"/>
+            <a:ext cx="1175949" cy="665947"/>
+          </a:xfrm>
+          <a:prstGeom prst="rightArrow">
+            <a:avLst/>
+          </a:prstGeom>
+        </p:spPr>
+        <p:style>
+          <a:lnRef idx="2">
+            <a:schemeClr val="accent1">
+              <a:shade val="50000"/>
+            </a:schemeClr>
+          </a:lnRef>
+          <a:fillRef idx="1">
+            <a:schemeClr val="accent1"/>
+          </a:fillRef>
+          <a:effectRef idx="0">
+            <a:schemeClr val="accent1"/>
+          </a:effectRef>
+          <a:fontRef idx="minor">
+            <a:schemeClr val="lt1"/>
+          </a:fontRef>
+        </p:style>
+        <p:txBody>
+          <a:bodyPr rtlCol="0" anchor="ctr"/>
+          <a:lstStyle/>
+          <a:p>
+            <a:pPr algn="ctr"/>
+            <a:endParaRPr lang="es-ES"/>
+          </a:p>
+        </p:txBody>
+      </p:sp>
+      <p:sp>
+        <p:nvSpPr>
+          <p:cNvPr id="12" name="CuadroTexto 11">
+            <a:extLst>
+              <a:ext uri="{FF2B5EF4-FFF2-40B4-BE49-F238E27FC236}">
+                <a16:creationId xmlns:a16="http://schemas.microsoft.com/office/drawing/2014/main" id="{EED170C0-5292-47BE-9106-684676FAD925}"/>
+              </a:ext>
+            </a:extLst>
+          </p:cNvPr>
+          <p:cNvSpPr txBox="1"/>
+          <p:nvPr/>
+        </p:nvSpPr>
+        <p:spPr>
+          <a:xfrm>
+            <a:off x="8806647" y="5599387"/>
+            <a:ext cx="3080551" cy="523220"/>
+          </a:xfrm>
+          <a:prstGeom prst="rect">
+            <a:avLst/>
+          </a:prstGeom>
+          <a:noFill/>
+        </p:spPr>
+        <p:txBody>
+          <a:bodyPr wrap="square" rtlCol="0">
+            <a:spAutoFit/>
+          </a:bodyPr>
+          <a:lstStyle/>
+          <a:p>
+            <a:pPr algn="ctr"/>
+            <a:r>
+              <a:rPr lang="es-ES" sz="2800" b="1" dirty="0"/>
+              <a:t>BIG-DATA</a:t>
+            </a:r>
+          </a:p>
+        </p:txBody>
+      </p:sp>
     </p:spTree>
     <p:extLst>
       <p:ext uri="{BB962C8B-B14F-4D97-AF65-F5344CB8AC3E}">
-        <p14:creationId xmlns:p14="http://schemas.microsoft.com/office/powerpoint/2010/main" val="3904166566"/>
+        <p14:creationId xmlns:p14="http://schemas.microsoft.com/office/powerpoint/2010/main" val="2099754482"/>
       </p:ext>
     </p:extLst>
   </p:cSld>
